--- a/ENGLISH/POSTER/Pacemakers and implantable cardiac defibrillators.pptx
+++ b/ENGLISH/POSTER/Pacemakers and implantable cardiac defibrillators.pptx
@@ -288,7 +288,7 @@
           <a:p>
             <a:fld id="{44754A34-A047-4B71-A71E-BF946EDA9AAB}" type="datetimeFigureOut">
               <a:rPr lang="en-US" smtClean="0"/>
-              <a:t>11/19/2015</a:t>
+              <a:t>11/25/2015</a:t>
             </a:fld>
             <a:endParaRPr lang="en-US"/>
           </a:p>
@@ -458,7 +458,7 @@
           <a:p>
             <a:fld id="{44754A34-A047-4B71-A71E-BF946EDA9AAB}" type="datetimeFigureOut">
               <a:rPr lang="en-US" smtClean="0"/>
-              <a:t>11/19/2015</a:t>
+              <a:t>11/25/2015</a:t>
             </a:fld>
             <a:endParaRPr lang="en-US"/>
           </a:p>
@@ -638,7 +638,7 @@
           <a:p>
             <a:fld id="{44754A34-A047-4B71-A71E-BF946EDA9AAB}" type="datetimeFigureOut">
               <a:rPr lang="en-US" smtClean="0"/>
-              <a:t>11/19/2015</a:t>
+              <a:t>11/25/2015</a:t>
             </a:fld>
             <a:endParaRPr lang="en-US"/>
           </a:p>
@@ -808,7 +808,7 @@
           <a:p>
             <a:fld id="{44754A34-A047-4B71-A71E-BF946EDA9AAB}" type="datetimeFigureOut">
               <a:rPr lang="en-US" smtClean="0"/>
-              <a:t>11/19/2015</a:t>
+              <a:t>11/25/2015</a:t>
             </a:fld>
             <a:endParaRPr lang="en-US"/>
           </a:p>
@@ -1054,7 +1054,7 @@
           <a:p>
             <a:fld id="{44754A34-A047-4B71-A71E-BF946EDA9AAB}" type="datetimeFigureOut">
               <a:rPr lang="en-US" smtClean="0"/>
-              <a:t>11/19/2015</a:t>
+              <a:t>11/25/2015</a:t>
             </a:fld>
             <a:endParaRPr lang="en-US"/>
           </a:p>
@@ -1342,7 +1342,7 @@
           <a:p>
             <a:fld id="{44754A34-A047-4B71-A71E-BF946EDA9AAB}" type="datetimeFigureOut">
               <a:rPr lang="en-US" smtClean="0"/>
-              <a:t>11/19/2015</a:t>
+              <a:t>11/25/2015</a:t>
             </a:fld>
             <a:endParaRPr lang="en-US"/>
           </a:p>
@@ -1764,7 +1764,7 @@
           <a:p>
             <a:fld id="{44754A34-A047-4B71-A71E-BF946EDA9AAB}" type="datetimeFigureOut">
               <a:rPr lang="en-US" smtClean="0"/>
-              <a:t>11/19/2015</a:t>
+              <a:t>11/25/2015</a:t>
             </a:fld>
             <a:endParaRPr lang="en-US"/>
           </a:p>
@@ -1882,7 +1882,7 @@
           <a:p>
             <a:fld id="{44754A34-A047-4B71-A71E-BF946EDA9AAB}" type="datetimeFigureOut">
               <a:rPr lang="en-US" smtClean="0"/>
-              <a:t>11/19/2015</a:t>
+              <a:t>11/25/2015</a:t>
             </a:fld>
             <a:endParaRPr lang="en-US"/>
           </a:p>
@@ -1977,7 +1977,7 @@
           <a:p>
             <a:fld id="{44754A34-A047-4B71-A71E-BF946EDA9AAB}" type="datetimeFigureOut">
               <a:rPr lang="en-US" smtClean="0"/>
-              <a:t>11/19/2015</a:t>
+              <a:t>11/25/2015</a:t>
             </a:fld>
             <a:endParaRPr lang="en-US"/>
           </a:p>
@@ -2254,7 +2254,7 @@
           <a:p>
             <a:fld id="{44754A34-A047-4B71-A71E-BF946EDA9AAB}" type="datetimeFigureOut">
               <a:rPr lang="en-US" smtClean="0"/>
-              <a:t>11/19/2015</a:t>
+              <a:t>11/25/2015</a:t>
             </a:fld>
             <a:endParaRPr lang="en-US"/>
           </a:p>
@@ -2507,7 +2507,7 @@
           <a:p>
             <a:fld id="{44754A34-A047-4B71-A71E-BF946EDA9AAB}" type="datetimeFigureOut">
               <a:rPr lang="en-US" smtClean="0"/>
-              <a:t>11/19/2015</a:t>
+              <a:t>11/25/2015</a:t>
             </a:fld>
             <a:endParaRPr lang="en-US"/>
           </a:p>
@@ -2720,7 +2720,7 @@
           <a:p>
             <a:fld id="{44754A34-A047-4B71-A71E-BF946EDA9AAB}" type="datetimeFigureOut">
               <a:rPr lang="en-US" smtClean="0"/>
-              <a:t>11/19/2015</a:t>
+              <a:t>11/25/2015</a:t>
             </a:fld>
             <a:endParaRPr lang="en-US"/>
           </a:p>
@@ -3108,7 +3108,7 @@
         <p:spPr>
           <a:xfrm>
             <a:off x="1584599" y="234132"/>
-            <a:ext cx="11953327" cy="1296144"/>
+            <a:ext cx="12097343" cy="1296144"/>
           </a:xfrm>
           <a:prstGeom prst="roundRect">
             <a:avLst/>
@@ -3144,7 +3144,43 @@
               <a:rPr lang="en-US" sz="4800" b="1" dirty="0" smtClean="0">
                 <a:cs typeface="Times New Roman" pitchFamily="18" charset="0"/>
               </a:rPr>
-              <a:t>Pacemakers and implantable cardiac defibrillators:</a:t>
+              <a:t>Pacemakers and </a:t>
+            </a:r>
+            <a:r>
+              <a:rPr lang="en-US" sz="4800" b="1" dirty="0" smtClean="0">
+                <a:cs typeface="Times New Roman" pitchFamily="18" charset="0"/>
+              </a:rPr>
+              <a:t>Implantable </a:t>
+            </a:r>
+            <a:r>
+              <a:rPr lang="en-US" sz="4800" b="1" dirty="0">
+                <a:cs typeface="Times New Roman" pitchFamily="18" charset="0"/>
+              </a:rPr>
+              <a:t>C</a:t>
+            </a:r>
+            <a:r>
+              <a:rPr lang="en-US" sz="4800" b="1" dirty="0" smtClean="0">
+                <a:cs typeface="Times New Roman" pitchFamily="18" charset="0"/>
+              </a:rPr>
+              <a:t>ardiac </a:t>
+            </a:r>
+            <a:r>
+              <a:rPr lang="en-US" sz="4800" b="1" dirty="0">
+                <a:cs typeface="Times New Roman" pitchFamily="18" charset="0"/>
+              </a:rPr>
+              <a:t>D</a:t>
+            </a:r>
+            <a:r>
+              <a:rPr lang="en-US" sz="4800" b="1" dirty="0" smtClean="0">
+                <a:cs typeface="Times New Roman" pitchFamily="18" charset="0"/>
+              </a:rPr>
+              <a:t>efibrillators</a:t>
+            </a:r>
+            <a:r>
+              <a:rPr lang="en-US" sz="4800" b="1" dirty="0" smtClean="0">
+                <a:cs typeface="Times New Roman" pitchFamily="18" charset="0"/>
+              </a:rPr>
+              <a:t>:</a:t>
             </a:r>
             <a:br>
               <a:rPr lang="en-US" sz="4800" b="1" dirty="0" smtClean="0">
@@ -3186,7 +3222,7 @@
         </p:blipFill>
         <p:spPr bwMode="auto">
           <a:xfrm>
-            <a:off x="6449843" y="3474492"/>
+            <a:off x="6696807" y="5250390"/>
             <a:ext cx="1584535" cy="1320446"/>
           </a:xfrm>
           <a:prstGeom prst="rect">
@@ -3250,8 +3286,8 @@
         </p:blipFill>
         <p:spPr bwMode="auto">
           <a:xfrm>
-            <a:off x="16492" y="4026717"/>
-            <a:ext cx="2284511" cy="1867320"/>
+            <a:off x="576486" y="7479483"/>
+            <a:ext cx="1993036" cy="1629073"/>
           </a:xfrm>
           <a:prstGeom prst="rect">
             <a:avLst/>
@@ -3314,8 +3350,8 @@
         </p:blipFill>
         <p:spPr bwMode="auto">
           <a:xfrm>
-            <a:off x="11235353" y="1944991"/>
-            <a:ext cx="3019424" cy="2415539"/>
+            <a:off x="12207335" y="4385903"/>
+            <a:ext cx="2160240" cy="1728192"/>
           </a:xfrm>
           <a:prstGeom prst="rect">
             <a:avLst/>
@@ -3355,8 +3391,8 @@
         </p:blipFill>
         <p:spPr bwMode="auto">
           <a:xfrm>
-            <a:off x="2333564" y="3906540"/>
-            <a:ext cx="1085850" cy="2438400"/>
+            <a:off x="3278528" y="7479483"/>
+            <a:ext cx="768279" cy="1725258"/>
           </a:xfrm>
           <a:prstGeom prst="rect">
             <a:avLst/>
@@ -3396,7 +3432,7 @@
         </p:blipFill>
         <p:spPr bwMode="auto">
           <a:xfrm>
-            <a:off x="6195394" y="4960377"/>
+            <a:off x="6547948" y="7653684"/>
             <a:ext cx="2093434" cy="2085504"/>
           </a:xfrm>
           <a:prstGeom prst="rect">
@@ -3437,8 +3473,8 @@
         </p:blipFill>
         <p:spPr bwMode="auto">
           <a:xfrm>
-            <a:off x="11494797" y="4554612"/>
-            <a:ext cx="2500535" cy="2363787"/>
+            <a:off x="12811047" y="6719358"/>
+            <a:ext cx="1556528" cy="1471405"/>
           </a:xfrm>
           <a:prstGeom prst="rect">
             <a:avLst/>
@@ -3501,7 +3537,7 @@
         </p:blipFill>
         <p:spPr bwMode="auto">
           <a:xfrm>
-            <a:off x="6702951" y="1631131"/>
+            <a:off x="6986997" y="2826420"/>
             <a:ext cx="1078321" cy="1521630"/>
           </a:xfrm>
           <a:prstGeom prst="rect">
@@ -3519,6 +3555,304 @@
           </a:extLst>
         </p:spPr>
       </p:pic>
+      <p:pic>
+        <p:nvPicPr>
+          <p:cNvPr id="3" name="Picture 2" descr="C:\Users\Lily\Desktop\Dossier Line\M1-Info\ENGLISH\POSTER\sword-308836_640.png"/>
+          <p:cNvPicPr>
+            <a:picLocks noChangeAspect="1" noChangeArrowheads="1"/>
+          </p:cNvPicPr>
+          <p:nvPr/>
+        </p:nvPicPr>
+        <p:blipFill>
+          <a:blip r:embed="rId9" cstate="print">
+            <a:extLst>
+              <a:ext uri="{28A0092B-C50C-407E-A947-70E740481C1C}">
+                <a14:useLocalDpi xmlns:a14="http://schemas.microsoft.com/office/drawing/2010/main" val="0"/>
+              </a:ext>
+            </a:extLst>
+          </a:blip>
+          <a:srcRect/>
+          <a:stretch>
+            <a:fillRect/>
+          </a:stretch>
+        </p:blipFill>
+        <p:spPr bwMode="auto">
+          <a:xfrm>
+            <a:off x="4896966" y="5384091"/>
+            <a:ext cx="1224136" cy="929578"/>
+          </a:xfrm>
+          <a:prstGeom prst="rect">
+            <a:avLst/>
+          </a:prstGeom>
+          <a:noFill/>
+          <a:extLst>
+            <a:ext uri="{909E8E84-426E-40DD-AFC4-6F175D3DCCD1}">
+              <a14:hiddenFill xmlns:a14="http://schemas.microsoft.com/office/drawing/2010/main">
+                <a:solidFill>
+                  <a:srgbClr val="FFFFFF"/>
+                </a:solidFill>
+              </a14:hiddenFill>
+            </a:ext>
+          </a:extLst>
+        </p:spPr>
+      </p:pic>
+      <p:pic>
+        <p:nvPicPr>
+          <p:cNvPr id="1027" name="Picture 3" descr="C:\Users\Lily\Desktop\Dossier Line\M1-Info\ENGLISH\POSTER\4.png"/>
+          <p:cNvPicPr>
+            <a:picLocks noChangeAspect="1" noChangeArrowheads="1"/>
+          </p:cNvPicPr>
+          <p:nvPr/>
+        </p:nvPicPr>
+        <p:blipFill>
+          <a:blip r:embed="rId10" cstate="print">
+            <a:extLst>
+              <a:ext uri="{28A0092B-C50C-407E-A947-70E740481C1C}">
+                <a14:useLocalDpi xmlns:a14="http://schemas.microsoft.com/office/drawing/2010/main" val="0"/>
+              </a:ext>
+            </a:extLst>
+          </a:blip>
+          <a:srcRect/>
+          <a:stretch>
+            <a:fillRect/>
+          </a:stretch>
+        </p:blipFill>
+        <p:spPr bwMode="auto">
+          <a:xfrm>
+            <a:off x="8929414" y="5393200"/>
+            <a:ext cx="920469" cy="920469"/>
+          </a:xfrm>
+          <a:prstGeom prst="rect">
+            <a:avLst/>
+          </a:prstGeom>
+          <a:noFill/>
+          <a:extLst>
+            <a:ext uri="{909E8E84-426E-40DD-AFC4-6F175D3DCCD1}">
+              <a14:hiddenFill xmlns:a14="http://schemas.microsoft.com/office/drawing/2010/main">
+                <a:solidFill>
+                  <a:srgbClr val="FFFFFF"/>
+                </a:solidFill>
+              </a14:hiddenFill>
+            </a:ext>
+          </a:extLst>
+        </p:spPr>
+      </p:pic>
+      <p:sp>
+        <p:nvSpPr>
+          <p:cNvPr id="8" name="Rectangle à coins arrondis 7"/>
+          <p:cNvSpPr/>
+          <p:nvPr/>
+        </p:nvSpPr>
+        <p:spPr>
+          <a:xfrm>
+            <a:off x="340528" y="2034332"/>
+            <a:ext cx="5924590" cy="8285721"/>
+          </a:xfrm>
+          <a:prstGeom prst="roundRect">
+            <a:avLst/>
+          </a:prstGeom>
+          <a:noFill/>
+          <a:ln w="38100">
+            <a:solidFill>
+              <a:srgbClr val="002060"/>
+            </a:solidFill>
+          </a:ln>
+          <a:effectLst>
+            <a:outerShdw blurRad="50800" dist="38100" dir="8100000" algn="tr" rotWithShape="0">
+              <a:prstClr val="black">
+                <a:alpha val="40000"/>
+              </a:prstClr>
+            </a:outerShdw>
+            <a:softEdge rad="31750"/>
+          </a:effectLst>
+          <a:scene3d>
+            <a:camera prst="orthographicFront"/>
+            <a:lightRig rig="threePt" dir="t"/>
+          </a:scene3d>
+          <a:sp3d>
+            <a:bevelT/>
+          </a:sp3d>
+        </p:spPr>
+        <p:style>
+          <a:lnRef idx="2">
+            <a:schemeClr val="accent1">
+              <a:shade val="50000"/>
+            </a:schemeClr>
+          </a:lnRef>
+          <a:fillRef idx="1">
+            <a:schemeClr val="accent1"/>
+          </a:fillRef>
+          <a:effectRef idx="0">
+            <a:schemeClr val="accent1"/>
+          </a:effectRef>
+          <a:fontRef idx="minor">
+            <a:schemeClr val="lt1"/>
+          </a:fontRef>
+        </p:style>
+        <p:txBody>
+          <a:bodyPr rtlCol="0" anchor="ctr"/>
+          <a:lstStyle/>
+          <a:p>
+            <a:pPr algn="ctr"/>
+            <a:endParaRPr lang="en-US"/>
+          </a:p>
+        </p:txBody>
+      </p:sp>
+      <p:sp>
+        <p:nvSpPr>
+          <p:cNvPr id="17" name="Rectangle à coins arrondis 16"/>
+          <p:cNvSpPr/>
+          <p:nvPr/>
+        </p:nvSpPr>
+        <p:spPr>
+          <a:xfrm>
+            <a:off x="8822792" y="2029531"/>
+            <a:ext cx="5924590" cy="8285721"/>
+          </a:xfrm>
+          <a:prstGeom prst="roundRect">
+            <a:avLst/>
+          </a:prstGeom>
+          <a:noFill/>
+          <a:ln w="38100">
+            <a:solidFill>
+              <a:srgbClr val="002060"/>
+            </a:solidFill>
+          </a:ln>
+          <a:effectLst>
+            <a:outerShdw blurRad="50800" dist="38100" dir="8100000" algn="tr" rotWithShape="0">
+              <a:prstClr val="black">
+                <a:alpha val="40000"/>
+              </a:prstClr>
+            </a:outerShdw>
+            <a:softEdge rad="31750"/>
+          </a:effectLst>
+          <a:scene3d>
+            <a:camera prst="orthographicFront"/>
+            <a:lightRig rig="threePt" dir="t"/>
+          </a:scene3d>
+          <a:sp3d>
+            <a:bevelT/>
+          </a:sp3d>
+        </p:spPr>
+        <p:style>
+          <a:lnRef idx="2">
+            <a:schemeClr val="accent1">
+              <a:shade val="50000"/>
+            </a:schemeClr>
+          </a:lnRef>
+          <a:fillRef idx="1">
+            <a:schemeClr val="accent1"/>
+          </a:fillRef>
+          <a:effectRef idx="0">
+            <a:schemeClr val="accent1"/>
+          </a:effectRef>
+          <a:fontRef idx="minor">
+            <a:schemeClr val="lt1"/>
+          </a:fontRef>
+        </p:style>
+        <p:txBody>
+          <a:bodyPr rtlCol="0" anchor="ctr"/>
+          <a:lstStyle/>
+          <a:p>
+            <a:pPr algn="ctr"/>
+            <a:endParaRPr lang="en-US"/>
+          </a:p>
+        </p:txBody>
+      </p:sp>
+      <p:sp>
+        <p:nvSpPr>
+          <p:cNvPr id="9" name="ZoneTexte 8"/>
+          <p:cNvSpPr txBox="1"/>
+          <p:nvPr/>
+        </p:nvSpPr>
+        <p:spPr>
+          <a:xfrm>
+            <a:off x="1224558" y="2250356"/>
+            <a:ext cx="4140460" cy="584775"/>
+          </a:xfrm>
+          <a:prstGeom prst="rect">
+            <a:avLst/>
+          </a:prstGeom>
+          <a:noFill/>
+        </p:spPr>
+        <p:txBody>
+          <a:bodyPr wrap="square" rtlCol="0">
+            <a:spAutoFit/>
+          </a:bodyPr>
+          <a:lstStyle/>
+          <a:p>
+            <a:pPr algn="ctr"/>
+            <a:r>
+              <a:rPr lang="en-US" sz="3200" b="1" dirty="0" smtClean="0">
+                <a:effectLst>
+                  <a:outerShdw blurRad="38100" dist="38100" dir="2700000" algn="tl">
+                    <a:srgbClr val="000000">
+                      <a:alpha val="43137"/>
+                    </a:srgbClr>
+                  </a:outerShdw>
+                </a:effectLst>
+              </a:rPr>
+              <a:t>Attacks</a:t>
+            </a:r>
+            <a:endParaRPr lang="en-US" b="1" dirty="0">
+              <a:effectLst>
+                <a:outerShdw blurRad="38100" dist="38100" dir="2700000" algn="tl">
+                  <a:srgbClr val="000000">
+                    <a:alpha val="43137"/>
+                  </a:srgbClr>
+                </a:outerShdw>
+              </a:effectLst>
+            </a:endParaRPr>
+          </a:p>
+        </p:txBody>
+      </p:sp>
+      <p:sp>
+        <p:nvSpPr>
+          <p:cNvPr id="19" name="ZoneTexte 18"/>
+          <p:cNvSpPr txBox="1"/>
+          <p:nvPr/>
+        </p:nvSpPr>
+        <p:spPr>
+          <a:xfrm>
+            <a:off x="9714857" y="2250356"/>
+            <a:ext cx="4140460" cy="584775"/>
+          </a:xfrm>
+          <a:prstGeom prst="rect">
+            <a:avLst/>
+          </a:prstGeom>
+          <a:noFill/>
+        </p:spPr>
+        <p:txBody>
+          <a:bodyPr wrap="square" rtlCol="0">
+            <a:spAutoFit/>
+          </a:bodyPr>
+          <a:lstStyle/>
+          <a:p>
+            <a:pPr algn="ctr"/>
+            <a:r>
+              <a:rPr lang="en-US" sz="3200" b="1" dirty="0" smtClean="0">
+                <a:effectLst>
+                  <a:outerShdw blurRad="38100" dist="38100" dir="2700000" algn="tl">
+                    <a:srgbClr val="000000">
+                      <a:alpha val="43137"/>
+                    </a:srgbClr>
+                  </a:outerShdw>
+                </a:effectLst>
+              </a:rPr>
+              <a:t>Defense</a:t>
+            </a:r>
+            <a:endParaRPr lang="en-US" b="1" dirty="0">
+              <a:effectLst>
+                <a:outerShdw blurRad="38100" dist="38100" dir="2700000" algn="tl">
+                  <a:srgbClr val="000000">
+                    <a:alpha val="43137"/>
+                  </a:srgbClr>
+                </a:outerShdw>
+              </a:effectLst>
+            </a:endParaRPr>
+          </a:p>
+        </p:txBody>
+      </p:sp>
     </p:spTree>
     <p:extLst>
       <p:ext uri="{BB962C8B-B14F-4D97-AF65-F5344CB8AC3E}">

--- a/ENGLISH/POSTER/Pacemakers and implantable cardiac defibrillators.pptx
+++ b/ENGLISH/POSTER/Pacemakers and implantable cardiac defibrillators.pptx
@@ -104,6 +104,22 @@
       </a:defRPr>
     </a:lvl9pPr>
   </p:defaultTextStyle>
+  <p:extLst>
+    <p:ext uri="{EFAFB233-063F-42B5-8137-9DF3F51BA10A}">
+      <p15:sldGuideLst xmlns:p15="http://schemas.microsoft.com/office/powerpoint/2012/main">
+        <p15:guide id="1" orient="horz" pos="3368">
+          <p15:clr>
+            <a:srgbClr val="A4A3A4"/>
+          </p15:clr>
+        </p15:guide>
+        <p15:guide id="2" pos="4763">
+          <p15:clr>
+            <a:srgbClr val="A4A3A4"/>
+          </p15:clr>
+        </p15:guide>
+      </p15:sldGuideLst>
+    </p:ext>
+  </p:extLst>
 </p:presentation>
 </file>
 
@@ -3097,6 +3113,356 @@
       </p:grpSpPr>
       <p:sp>
         <p:nvSpPr>
+          <p:cNvPr id="26" name="ZoneTexte 25"/>
+          <p:cNvSpPr txBox="1"/>
+          <p:nvPr/>
+        </p:nvSpPr>
+        <p:spPr>
+          <a:xfrm>
+            <a:off x="576486" y="2826420"/>
+            <a:ext cx="5400600" cy="7478970"/>
+          </a:xfrm>
+          <a:prstGeom prst="rect">
+            <a:avLst/>
+          </a:prstGeom>
+          <a:noFill/>
+        </p:spPr>
+        <p:txBody>
+          <a:bodyPr wrap="square" rtlCol="0">
+            <a:spAutoFit/>
+          </a:bodyPr>
+          <a:lstStyle/>
+          <a:p>
+            <a:pPr marL="342900" indent="-342900">
+              <a:buFont typeface="+mj-lt"/>
+              <a:buAutoNum type="arabicPeriod"/>
+            </a:pPr>
+            <a:r>
+              <a:rPr lang="en-US" sz="1400" b="1" dirty="0" smtClean="0"/>
+              <a:t>Steal a Device Programmer</a:t>
+            </a:r>
+          </a:p>
+          <a:p>
+            <a:pPr marL="1025362" lvl="1" indent="-285750">
+              <a:buFont typeface="Arial" panose="020B0604020202020204" pitchFamily="34" charset="0"/>
+              <a:buChar char="•"/>
+            </a:pPr>
+            <a:r>
+              <a:rPr lang="en-US" sz="1200" dirty="0" smtClean="0"/>
+              <a:t>Need for Reverse Engineering, Modifications</a:t>
+            </a:r>
+          </a:p>
+          <a:p>
+            <a:pPr marL="1025362" lvl="1" indent="-285750">
+              <a:buFont typeface="Arial" panose="020B0604020202020204" pitchFamily="34" charset="0"/>
+              <a:buChar char="•"/>
+            </a:pPr>
+            <a:r>
+              <a:rPr lang="en-US" sz="1200" dirty="0" smtClean="0"/>
+              <a:t>Easy to get root mode</a:t>
+            </a:r>
+          </a:p>
+          <a:p>
+            <a:pPr marL="1025362" lvl="1" indent="-285750">
+              <a:buFont typeface="Arial" panose="020B0604020202020204" pitchFamily="34" charset="0"/>
+              <a:buChar char="•"/>
+            </a:pPr>
+            <a:r>
+              <a:rPr lang="en-US" sz="1200" dirty="0" smtClean="0"/>
+              <a:t>Problem : difficult to set up</a:t>
+            </a:r>
+          </a:p>
+          <a:p>
+            <a:pPr marL="1025362" lvl="1" indent="-285750">
+              <a:buFont typeface="Arial" panose="020B0604020202020204" pitchFamily="34" charset="0"/>
+              <a:buChar char="•"/>
+            </a:pPr>
+            <a:endParaRPr lang="en-US" sz="1200" b="1" dirty="0" smtClean="0"/>
+          </a:p>
+          <a:p>
+            <a:pPr marL="342900" indent="-342900">
+              <a:buFont typeface="+mj-lt"/>
+              <a:buAutoNum type="arabicPeriod"/>
+            </a:pPr>
+            <a:r>
+              <a:rPr lang="en-US" sz="1400" b="1" dirty="0" smtClean="0"/>
+              <a:t>Build your own Device Programmer !</a:t>
+            </a:r>
+            <a:endParaRPr lang="en-US" sz="1400" b="1" dirty="0"/>
+          </a:p>
+          <a:p>
+            <a:pPr marL="285750" indent="-285750">
+              <a:buFont typeface="+mj-lt"/>
+              <a:buAutoNum type="arabicPeriod"/>
+            </a:pPr>
+            <a:endParaRPr lang="en-US" sz="1400" b="1" dirty="0" smtClean="0"/>
+          </a:p>
+          <a:p>
+            <a:pPr marL="285750" indent="-285750">
+              <a:buFont typeface="+mj-lt"/>
+              <a:buAutoNum type="arabicPeriod"/>
+            </a:pPr>
+            <a:endParaRPr lang="en-US" sz="1400" b="1" dirty="0"/>
+          </a:p>
+          <a:p>
+            <a:pPr marL="285750" indent="-285750">
+              <a:buFont typeface="+mj-lt"/>
+              <a:buAutoNum type="arabicPeriod"/>
+            </a:pPr>
+            <a:endParaRPr lang="en-US" sz="1400" b="1" dirty="0" smtClean="0"/>
+          </a:p>
+          <a:p>
+            <a:pPr marL="285750" indent="-285750">
+              <a:buFont typeface="+mj-lt"/>
+              <a:buAutoNum type="arabicPeriod"/>
+            </a:pPr>
+            <a:endParaRPr lang="en-US" sz="1400" b="1" dirty="0"/>
+          </a:p>
+          <a:p>
+            <a:pPr marL="285750" indent="-285750">
+              <a:buFont typeface="+mj-lt"/>
+              <a:buAutoNum type="arabicPeriod"/>
+            </a:pPr>
+            <a:endParaRPr lang="en-US" sz="1400" b="1" dirty="0" smtClean="0"/>
+          </a:p>
+          <a:p>
+            <a:pPr marL="1025362" lvl="1" indent="-285750">
+              <a:buFont typeface="Arial" panose="020B0604020202020204" pitchFamily="34" charset="0"/>
+              <a:buChar char="•"/>
+            </a:pPr>
+            <a:endParaRPr lang="en-US" sz="1200" b="1" dirty="0" smtClean="0"/>
+          </a:p>
+          <a:p>
+            <a:pPr marL="1025362" lvl="1" indent="-285750">
+              <a:buFont typeface="Arial" panose="020B0604020202020204" pitchFamily="34" charset="0"/>
+              <a:buChar char="•"/>
+            </a:pPr>
+            <a:r>
+              <a:rPr lang="en-US" sz="1200" dirty="0" smtClean="0"/>
+              <a:t>Total cost : 800 $</a:t>
+            </a:r>
+          </a:p>
+          <a:p>
+            <a:pPr marL="1025362" lvl="1" indent="-285750">
+              <a:buFont typeface="Arial" panose="020B0604020202020204" pitchFamily="34" charset="0"/>
+              <a:buChar char="•"/>
+            </a:pPr>
+            <a:endParaRPr lang="en-US" sz="1200" b="1" dirty="0" smtClean="0"/>
+          </a:p>
+          <a:p>
+            <a:pPr marL="285750" indent="-285750">
+              <a:buFont typeface="+mj-lt"/>
+              <a:buAutoNum type="arabicPeriod"/>
+            </a:pPr>
+            <a:r>
+              <a:rPr lang="en-US" sz="1400" b="1" dirty="0" smtClean="0"/>
+              <a:t> Eavesdropping on private Information</a:t>
+            </a:r>
+          </a:p>
+          <a:p>
+            <a:pPr marL="1025362" lvl="1" indent="-285750">
+              <a:buFont typeface="Arial" panose="020B0604020202020204" pitchFamily="34" charset="0"/>
+              <a:buChar char="•"/>
+            </a:pPr>
+            <a:r>
+              <a:rPr lang="en-US" sz="1200" dirty="0" smtClean="0"/>
+              <a:t>What kind ? =&gt; Implanting physician, Diagnosis, Hospital,</a:t>
+            </a:r>
+          </a:p>
+          <a:p>
+            <a:r>
+              <a:rPr lang="en-US" sz="1200" dirty="0" smtClean="0"/>
+              <a:t>Device state, patient name, date of birth, serial N°, etc...</a:t>
+            </a:r>
+          </a:p>
+          <a:p>
+            <a:pPr marL="911062" lvl="1" indent="-171450">
+              <a:buFont typeface="Arial" panose="020B0604020202020204" pitchFamily="34" charset="0"/>
+              <a:buChar char="•"/>
+            </a:pPr>
+            <a:r>
+              <a:rPr lang="en-US" sz="1200" dirty="0" smtClean="0"/>
+              <a:t>    The future holds some promises : devices more sophisticated</a:t>
+            </a:r>
+          </a:p>
+          <a:p>
+            <a:r>
+              <a:rPr lang="en-US" sz="1200" dirty="0" smtClean="0"/>
+              <a:t>ergo a lot more data to be divulged ?</a:t>
+            </a:r>
+          </a:p>
+          <a:p>
+            <a:endParaRPr lang="en-US" sz="1200" b="1" dirty="0" smtClean="0"/>
+          </a:p>
+          <a:p>
+            <a:pPr marL="342900" indent="-342900">
+              <a:buFont typeface="+mj-lt"/>
+              <a:buAutoNum type="arabicPeriod" startAt="4"/>
+            </a:pPr>
+            <a:r>
+              <a:rPr lang="en-US" sz="1400" b="1" dirty="0" smtClean="0"/>
+              <a:t>Sniff Vital Signs</a:t>
+            </a:r>
+          </a:p>
+          <a:p>
+            <a:pPr marL="1082512" lvl="1" indent="-342900">
+              <a:buFont typeface="Arial" panose="020B0604020202020204" pitchFamily="34" charset="0"/>
+              <a:buChar char="•"/>
+            </a:pPr>
+            <a:r>
+              <a:rPr lang="en-US" sz="1200" dirty="0" smtClean="0"/>
+              <a:t>Get the vital signs that the ICD emits</a:t>
+            </a:r>
+          </a:p>
+          <a:p>
+            <a:pPr marL="1082512" lvl="1" indent="-342900">
+              <a:buFont typeface="Arial" panose="020B0604020202020204" pitchFamily="34" charset="0"/>
+              <a:buChar char="•"/>
+            </a:pPr>
+            <a:r>
+              <a:rPr lang="en-US" sz="1200" dirty="0" smtClean="0"/>
+              <a:t>Need to have an Eavesdropping setup</a:t>
+            </a:r>
+          </a:p>
+          <a:p>
+            <a:pPr marL="1082512" lvl="1" indent="-342900">
+              <a:buFont typeface="Arial" panose="020B0604020202020204" pitchFamily="34" charset="0"/>
+              <a:buChar char="•"/>
+            </a:pPr>
+            <a:endParaRPr lang="en-US" sz="1200" b="1" dirty="0"/>
+          </a:p>
+          <a:p>
+            <a:pPr marL="342900" indent="-342900">
+              <a:buFont typeface="+mj-lt"/>
+              <a:buAutoNum type="arabicPeriod" startAt="5"/>
+            </a:pPr>
+            <a:r>
+              <a:rPr lang="en-US" sz="1400" b="1" dirty="0" smtClean="0"/>
+              <a:t>Drain energy</a:t>
+            </a:r>
+          </a:p>
+          <a:p>
+            <a:pPr marL="1082512" lvl="1" indent="-342900">
+              <a:buFont typeface="Arial" panose="020B0604020202020204" pitchFamily="34" charset="0"/>
+              <a:buChar char="•"/>
+            </a:pPr>
+            <a:r>
+              <a:rPr lang="en-US" sz="1200" dirty="0" smtClean="0"/>
+              <a:t>Send multiple radio signals to the ICD (“Are you sleeping ?”)</a:t>
+            </a:r>
+          </a:p>
+          <a:p>
+            <a:pPr marL="1082512" lvl="1" indent="-342900">
+              <a:buFont typeface="Arial" panose="020B0604020202020204" pitchFamily="34" charset="0"/>
+              <a:buChar char="•"/>
+            </a:pPr>
+            <a:r>
+              <a:rPr lang="en-US" sz="1200" dirty="0" smtClean="0"/>
+              <a:t>=&gt; Battery lifetime decrease</a:t>
+            </a:r>
+          </a:p>
+          <a:p>
+            <a:pPr marL="1082512" lvl="1" indent="-342900">
+              <a:buFont typeface="Arial" panose="020B0604020202020204" pitchFamily="34" charset="0"/>
+              <a:buChar char="•"/>
+            </a:pPr>
+            <a:r>
+              <a:rPr lang="en-US" sz="1200" dirty="0" smtClean="0"/>
+              <a:t>Simple : transmit-only</a:t>
+            </a:r>
+          </a:p>
+          <a:p>
+            <a:pPr marL="1082512" lvl="1" indent="-342900">
+              <a:buFont typeface="Arial" panose="020B0604020202020204" pitchFamily="34" charset="0"/>
+              <a:buChar char="•"/>
+            </a:pPr>
+            <a:endParaRPr lang="en-US" sz="1200" dirty="0" smtClean="0"/>
+          </a:p>
+          <a:p>
+            <a:pPr marL="342900" indent="-342900">
+              <a:buFont typeface="+mj-lt"/>
+              <a:buAutoNum type="arabicPeriod" startAt="6"/>
+            </a:pPr>
+            <a:r>
+              <a:rPr lang="en-US" sz="1400" b="1" dirty="0" smtClean="0"/>
+              <a:t>Turn off therapies</a:t>
+            </a:r>
+          </a:p>
+          <a:p>
+            <a:pPr marL="1082512" lvl="1" indent="-342900">
+              <a:buFont typeface="Arial" panose="020B0604020202020204" pitchFamily="34" charset="0"/>
+              <a:buChar char="•"/>
+            </a:pPr>
+            <a:r>
+              <a:rPr lang="en-US" sz="1200" dirty="0" smtClean="0"/>
+              <a:t>“Stop detecting fibrillation”</a:t>
+            </a:r>
+          </a:p>
+          <a:p>
+            <a:pPr marL="1082512" lvl="1" indent="-342900">
+              <a:buFont typeface="Arial" panose="020B0604020202020204" pitchFamily="34" charset="0"/>
+              <a:buChar char="•"/>
+            </a:pPr>
+            <a:r>
+              <a:rPr lang="en-US" sz="1200" dirty="0" smtClean="0"/>
+              <a:t>Problem : change of the device state</a:t>
+            </a:r>
+          </a:p>
+          <a:p>
+            <a:pPr marL="1082512" lvl="1" indent="-342900">
+              <a:buFont typeface="Arial" panose="020B0604020202020204" pitchFamily="34" charset="0"/>
+              <a:buChar char="•"/>
+            </a:pPr>
+            <a:endParaRPr lang="en-US" sz="1200" dirty="0" smtClean="0"/>
+          </a:p>
+          <a:p>
+            <a:pPr marL="342900" indent="-342900">
+              <a:buFont typeface="+mj-lt"/>
+              <a:buAutoNum type="arabicPeriod" startAt="7"/>
+            </a:pPr>
+            <a:r>
+              <a:rPr lang="en-US" sz="1400" b="1" dirty="0" smtClean="0"/>
+              <a:t>Affect patient’s physiology</a:t>
+            </a:r>
+          </a:p>
+          <a:p>
+            <a:pPr marL="1082512" lvl="1" indent="-342900">
+              <a:buFont typeface="Arial" panose="020B0604020202020204" pitchFamily="34" charset="0"/>
+              <a:buChar char="•"/>
+            </a:pPr>
+            <a:r>
+              <a:rPr lang="en-US" sz="1200" dirty="0" smtClean="0"/>
+              <a:t>Induce fibrillation, flood with drugs</a:t>
+            </a:r>
+          </a:p>
+          <a:p>
+            <a:pPr marL="1082512" lvl="1" indent="-342900">
+              <a:buFont typeface="Arial" panose="020B0604020202020204" pitchFamily="34" charset="0"/>
+              <a:buChar char="•"/>
+            </a:pPr>
+            <a:r>
+              <a:rPr lang="en-US" sz="1200" dirty="0" smtClean="0"/>
+              <a:t>Problem : patient’s safety at great risk</a:t>
+            </a:r>
+          </a:p>
+          <a:p>
+            <a:pPr marL="342900" indent="-342900">
+              <a:buFont typeface="+mj-lt"/>
+              <a:buAutoNum type="arabicPeriod" startAt="5"/>
+            </a:pPr>
+            <a:endParaRPr lang="en-US" sz="1200" b="1" dirty="0" smtClean="0"/>
+          </a:p>
+          <a:p>
+            <a:pPr marL="911062" lvl="1" indent="-171450">
+              <a:buFont typeface="Arial" panose="020B0604020202020204" pitchFamily="34" charset="0"/>
+              <a:buChar char="•"/>
+            </a:pPr>
+            <a:endParaRPr lang="en-US" sz="1200" b="1" dirty="0" smtClean="0"/>
+          </a:p>
+        </p:txBody>
+      </p:sp>
+      <p:sp>
+        <p:nvSpPr>
           <p:cNvPr id="2" name="Titre 1"/>
           <p:cNvSpPr>
             <a:spLocks noGrp="1"/>
@@ -3144,13 +3510,7 @@
               <a:rPr lang="en-US" sz="4800" b="1" dirty="0" smtClean="0">
                 <a:cs typeface="Times New Roman" pitchFamily="18" charset="0"/>
               </a:rPr>
-              <a:t>Pacemakers and </a:t>
-            </a:r>
-            <a:r>
-              <a:rPr lang="en-US" sz="4800" b="1" dirty="0" smtClean="0">
-                <a:cs typeface="Times New Roman" pitchFamily="18" charset="0"/>
-              </a:rPr>
-              <a:t>Implantable </a:t>
+              <a:t>Pacemakers and Implantable </a:t>
             </a:r>
             <a:r>
               <a:rPr lang="en-US" sz="4800" b="1" dirty="0">
@@ -3174,13 +3534,7 @@
               <a:rPr lang="en-US" sz="4800" b="1" dirty="0" smtClean="0">
                 <a:cs typeface="Times New Roman" pitchFamily="18" charset="0"/>
               </a:rPr>
-              <a:t>efibrillators</a:t>
-            </a:r>
-            <a:r>
-              <a:rPr lang="en-US" sz="4800" b="1" dirty="0" smtClean="0">
-                <a:cs typeface="Times New Roman" pitchFamily="18" charset="0"/>
-              </a:rPr>
-              <a:t>:</a:t>
+              <a:t>efibrillators:</a:t>
             </a:r>
             <a:br>
               <a:rPr lang="en-US" sz="4800" b="1" dirty="0" smtClean="0">
@@ -3286,8 +3640,8 @@
         </p:blipFill>
         <p:spPr bwMode="auto">
           <a:xfrm>
-            <a:off x="576486" y="7479483"/>
-            <a:ext cx="1993036" cy="1629073"/>
+            <a:off x="961905" y="4050556"/>
+            <a:ext cx="1342773" cy="1097560"/>
           </a:xfrm>
           <a:prstGeom prst="rect">
             <a:avLst/>
@@ -3350,7 +3704,7 @@
         </p:blipFill>
         <p:spPr bwMode="auto">
           <a:xfrm>
-            <a:off x="12207335" y="4385903"/>
+            <a:off x="9861643" y="8177254"/>
             <a:ext cx="2160240" cy="1728192"/>
           </a:xfrm>
           <a:prstGeom prst="rect">
@@ -3391,8 +3745,8 @@
         </p:blipFill>
         <p:spPr bwMode="auto">
           <a:xfrm>
-            <a:off x="3278528" y="7479483"/>
-            <a:ext cx="768279" cy="1725258"/>
+            <a:off x="2715598" y="4075447"/>
+            <a:ext cx="595722" cy="1337761"/>
           </a:xfrm>
           <a:prstGeom prst="rect">
             <a:avLst/>
@@ -3473,7 +3827,7 @@
         </p:blipFill>
         <p:spPr bwMode="auto">
           <a:xfrm>
-            <a:off x="12811047" y="6719358"/>
+            <a:off x="12488527" y="8234876"/>
             <a:ext cx="1556528" cy="1471405"/>
           </a:xfrm>
           <a:prstGeom prst="rect">
@@ -3537,7 +3891,7 @@
         </p:blipFill>
         <p:spPr bwMode="auto">
           <a:xfrm>
-            <a:off x="6986997" y="2826420"/>
+            <a:off x="6986997" y="2744950"/>
             <a:ext cx="1078321" cy="1521630"/>
           </a:xfrm>
           <a:prstGeom prst="rect">
@@ -3578,13 +3932,19 @@
         </p:blipFill>
         <p:spPr bwMode="auto">
           <a:xfrm>
-            <a:off x="4896966" y="5384091"/>
-            <a:ext cx="1224136" cy="929578"/>
+            <a:off x="3744838" y="2103675"/>
+            <a:ext cx="695312" cy="528002"/>
           </a:xfrm>
           <a:prstGeom prst="rect">
             <a:avLst/>
           </a:prstGeom>
           <a:noFill/>
+          <a:scene3d>
+            <a:camera prst="orthographicFront">
+              <a:rot lat="0" lon="10800000" rev="0"/>
+            </a:camera>
+            <a:lightRig rig="threePt" dir="t"/>
+          </a:scene3d>
           <a:extLst>
             <a:ext uri="{909E8E84-426E-40DD-AFC4-6F175D3DCCD1}">
               <a14:hiddenFill xmlns:a14="http://schemas.microsoft.com/office/drawing/2010/main">
@@ -3619,8 +3979,8 @@
         </p:blipFill>
         <p:spPr bwMode="auto">
           <a:xfrm>
-            <a:off x="8929414" y="5393200"/>
-            <a:ext cx="920469" cy="920469"/>
+            <a:off x="10622992" y="2103675"/>
+            <a:ext cx="633576" cy="633576"/>
           </a:xfrm>
           <a:prstGeom prst="rect">
             <a:avLst/>
@@ -3767,8 +4127,8 @@
         </p:nvSpPr>
         <p:spPr>
           <a:xfrm>
-            <a:off x="1224558" y="2250356"/>
-            <a:ext cx="4140460" cy="584775"/>
+            <a:off x="1224558" y="2178348"/>
+            <a:ext cx="4140460" cy="400110"/>
           </a:xfrm>
           <a:prstGeom prst="rect">
             <a:avLst/>
@@ -3783,7 +4143,7 @@
           <a:p>
             <a:pPr algn="ctr"/>
             <a:r>
-              <a:rPr lang="en-US" sz="3200" b="1" dirty="0" smtClean="0">
+              <a:rPr lang="en-US" sz="2000" b="1" u="sng" dirty="0" smtClean="0">
                 <a:effectLst>
                   <a:outerShdw blurRad="38100" dist="38100" dir="2700000" algn="tl">
                     <a:srgbClr val="000000">
@@ -3794,7 +4154,7 @@
               </a:rPr>
               <a:t>Attacks</a:t>
             </a:r>
-            <a:endParaRPr lang="en-US" b="1" dirty="0">
+            <a:endParaRPr lang="en-US" sz="2000" b="1" u="sng" dirty="0">
               <a:effectLst>
                 <a:outerShdw blurRad="38100" dist="38100" dir="2700000" algn="tl">
                   <a:srgbClr val="000000">
@@ -3814,8 +4174,8 @@
         </p:nvSpPr>
         <p:spPr>
           <a:xfrm>
-            <a:off x="9714857" y="2250356"/>
-            <a:ext cx="4140460" cy="584775"/>
+            <a:off x="9714857" y="2178348"/>
+            <a:ext cx="4140460" cy="400110"/>
           </a:xfrm>
           <a:prstGeom prst="rect">
             <a:avLst/>
@@ -3830,7 +4190,7 @@
           <a:p>
             <a:pPr algn="ctr"/>
             <a:r>
-              <a:rPr lang="en-US" sz="3200" b="1" dirty="0" smtClean="0">
+              <a:rPr lang="en-US" sz="2000" b="1" u="sng" dirty="0" smtClean="0">
                 <a:effectLst>
                   <a:outerShdw blurRad="38100" dist="38100" dir="2700000" algn="tl">
                     <a:srgbClr val="000000">
@@ -3841,7 +4201,7 @@
               </a:rPr>
               <a:t>Defense</a:t>
             </a:r>
-            <a:endParaRPr lang="en-US" b="1" dirty="0">
+            <a:endParaRPr lang="en-US" sz="2000" b="1" u="sng" dirty="0">
               <a:effectLst>
                 <a:outerShdw blurRad="38100" dist="38100" dir="2700000" algn="tl">
                   <a:srgbClr val="000000">
@@ -3853,6 +4213,796 @@
           </a:p>
         </p:txBody>
       </p:sp>
+      <p:pic>
+        <p:nvPicPr>
+          <p:cNvPr id="4" name="Image 3"/>
+          <p:cNvPicPr>
+            <a:picLocks noChangeAspect="1"/>
+          </p:cNvPicPr>
+          <p:nvPr/>
+        </p:nvPicPr>
+        <p:blipFill>
+          <a:blip r:embed="rId11">
+            <a:extLst>
+              <a:ext uri="{28A0092B-C50C-407E-A947-70E740481C1C}">
+                <a14:useLocalDpi xmlns:a14="http://schemas.microsoft.com/office/drawing/2010/main" val="0"/>
+              </a:ext>
+            </a:extLst>
+          </a:blip>
+          <a:stretch>
+            <a:fillRect/>
+          </a:stretch>
+        </p:blipFill>
+        <p:spPr>
+          <a:xfrm rot="2115440">
+            <a:off x="6659652" y="6426352"/>
+            <a:ext cx="1687808" cy="1554686"/>
+          </a:xfrm>
+          <a:prstGeom prst="rect">
+            <a:avLst/>
+          </a:prstGeom>
+        </p:spPr>
+      </p:pic>
+      <p:sp>
+        <p:nvSpPr>
+          <p:cNvPr id="5" name="ZoneTexte 4"/>
+          <p:cNvSpPr txBox="1"/>
+          <p:nvPr/>
+        </p:nvSpPr>
+        <p:spPr>
+          <a:xfrm>
+            <a:off x="6696807" y="4986660"/>
+            <a:ext cx="1584535" cy="338554"/>
+          </a:xfrm>
+          <a:prstGeom prst="rect">
+            <a:avLst/>
+          </a:prstGeom>
+          <a:noFill/>
+        </p:spPr>
+        <p:txBody>
+          <a:bodyPr wrap="square" rtlCol="0">
+            <a:spAutoFit/>
+          </a:bodyPr>
+          <a:lstStyle/>
+          <a:p>
+            <a:pPr algn="ctr"/>
+            <a:r>
+              <a:rPr lang="fr-FR" sz="1600" b="1" dirty="0" smtClean="0"/>
+              <a:t>ICD</a:t>
+            </a:r>
+            <a:endParaRPr lang="fr-FR" sz="1600" b="1" dirty="0"/>
+          </a:p>
+        </p:txBody>
+      </p:sp>
+      <p:sp>
+        <p:nvSpPr>
+          <p:cNvPr id="6" name="Flèche droite 5"/>
+          <p:cNvSpPr/>
+          <p:nvPr/>
+        </p:nvSpPr>
+        <p:spPr>
+          <a:xfrm rot="-5400000">
+            <a:off x="7275457" y="4515570"/>
+            <a:ext cx="427235" cy="226912"/>
+          </a:xfrm>
+          <a:prstGeom prst="rightArrow">
+            <a:avLst/>
+          </a:prstGeom>
+          <a:solidFill>
+            <a:schemeClr val="accent1"/>
+          </a:solidFill>
+          <a:ln>
+            <a:solidFill>
+              <a:schemeClr val="tx1"/>
+            </a:solidFill>
+          </a:ln>
+        </p:spPr>
+        <p:style>
+          <a:lnRef idx="2">
+            <a:schemeClr val="accent1">
+              <a:shade val="50000"/>
+            </a:schemeClr>
+          </a:lnRef>
+          <a:fillRef idx="1">
+            <a:schemeClr val="accent1"/>
+          </a:fillRef>
+          <a:effectRef idx="0">
+            <a:schemeClr val="accent1"/>
+          </a:effectRef>
+          <a:fontRef idx="minor">
+            <a:schemeClr val="lt1"/>
+          </a:fontRef>
+        </p:style>
+        <p:txBody>
+          <a:bodyPr rtlCol="0" anchor="ctr"/>
+          <a:lstStyle/>
+          <a:p>
+            <a:pPr algn="ctr"/>
+            <a:endParaRPr lang="fr-FR"/>
+          </a:p>
+        </p:txBody>
+      </p:sp>
+      <p:pic>
+        <p:nvPicPr>
+          <p:cNvPr id="39" name="Image 38"/>
+          <p:cNvPicPr>
+            <a:picLocks noChangeAspect="1"/>
+          </p:cNvPicPr>
+          <p:nvPr/>
+        </p:nvPicPr>
+        <p:blipFill>
+          <a:blip r:embed="rId12" cstate="print">
+            <a:extLst>
+              <a:ext uri="{28A0092B-C50C-407E-A947-70E740481C1C}">
+                <a14:useLocalDpi xmlns:a14="http://schemas.microsoft.com/office/drawing/2010/main" val="0"/>
+              </a:ext>
+            </a:extLst>
+          </a:blip>
+          <a:stretch>
+            <a:fillRect/>
+          </a:stretch>
+        </p:blipFill>
+        <p:spPr>
+          <a:xfrm>
+            <a:off x="4176886" y="2610396"/>
+            <a:ext cx="730047" cy="570564"/>
+          </a:xfrm>
+          <a:prstGeom prst="rect">
+            <a:avLst/>
+          </a:prstGeom>
+        </p:spPr>
+      </p:pic>
+      <p:pic>
+        <p:nvPicPr>
+          <p:cNvPr id="48" name="Picture 8" descr="C:\Users\Lily\Desktop\Dossier Line\M1-Info\ENGLISH\POSTER\device programmer.png"/>
+          <p:cNvPicPr>
+            <a:picLocks noChangeAspect="1" noChangeArrowheads="1"/>
+          </p:cNvPicPr>
+          <p:nvPr/>
+        </p:nvPicPr>
+        <p:blipFill>
+          <a:blip r:embed="rId13" cstate="print">
+            <a:extLst>
+              <a:ext uri="{28A0092B-C50C-407E-A947-70E740481C1C}">
+                <a14:useLocalDpi xmlns:a14="http://schemas.microsoft.com/office/drawing/2010/main" val="0"/>
+              </a:ext>
+            </a:extLst>
+          </a:blip>
+          <a:srcRect/>
+          <a:stretch>
+            <a:fillRect/>
+          </a:stretch>
+        </p:blipFill>
+        <p:spPr bwMode="auto">
+          <a:xfrm>
+            <a:off x="3492008" y="2649988"/>
+            <a:ext cx="468854" cy="467078"/>
+          </a:xfrm>
+          <a:prstGeom prst="rect">
+            <a:avLst/>
+          </a:prstGeom>
+          <a:noFill/>
+          <a:extLst>
+            <a:ext uri="{909E8E84-426E-40DD-AFC4-6F175D3DCCD1}">
+              <a14:hiddenFill xmlns:a14="http://schemas.microsoft.com/office/drawing/2010/main">
+                <a:solidFill>
+                  <a:srgbClr val="FFFFFF"/>
+                </a:solidFill>
+              </a14:hiddenFill>
+            </a:ext>
+          </a:extLst>
+        </p:spPr>
+      </p:pic>
+      <p:cxnSp>
+        <p:nvCxnSpPr>
+          <p:cNvPr id="41" name="Connecteur droit avec flèche 40"/>
+          <p:cNvCxnSpPr/>
+          <p:nvPr/>
+        </p:nvCxnSpPr>
+        <p:spPr>
+          <a:xfrm>
+            <a:off x="3228076" y="2974808"/>
+            <a:ext cx="300738" cy="0"/>
+          </a:xfrm>
+          <a:prstGeom prst="straightConnector1">
+            <a:avLst/>
+          </a:prstGeom>
+          <a:ln w="28575">
+            <a:solidFill>
+              <a:schemeClr val="tx1"/>
+            </a:solidFill>
+            <a:tailEnd type="triangle"/>
+          </a:ln>
+        </p:spPr>
+        <p:style>
+          <a:lnRef idx="1">
+            <a:schemeClr val="accent1"/>
+          </a:lnRef>
+          <a:fillRef idx="0">
+            <a:schemeClr val="accent1"/>
+          </a:fillRef>
+          <a:effectRef idx="0">
+            <a:schemeClr val="accent1"/>
+          </a:effectRef>
+          <a:fontRef idx="minor">
+            <a:schemeClr val="tx1"/>
+          </a:fontRef>
+        </p:style>
+      </p:cxnSp>
+      <p:cxnSp>
+        <p:nvCxnSpPr>
+          <p:cNvPr id="51" name="Connecteur droit avec flèche 50"/>
+          <p:cNvCxnSpPr/>
+          <p:nvPr/>
+        </p:nvCxnSpPr>
+        <p:spPr>
+          <a:xfrm>
+            <a:off x="3960862" y="2964936"/>
+            <a:ext cx="300738" cy="0"/>
+          </a:xfrm>
+          <a:prstGeom prst="straightConnector1">
+            <a:avLst/>
+          </a:prstGeom>
+          <a:ln w="28575">
+            <a:solidFill>
+              <a:schemeClr val="tx1"/>
+            </a:solidFill>
+            <a:tailEnd type="triangle"/>
+          </a:ln>
+        </p:spPr>
+        <p:style>
+          <a:lnRef idx="1">
+            <a:schemeClr val="accent1"/>
+          </a:lnRef>
+          <a:fillRef idx="0">
+            <a:schemeClr val="accent1"/>
+          </a:fillRef>
+          <a:effectRef idx="0">
+            <a:schemeClr val="accent1"/>
+          </a:effectRef>
+          <a:fontRef idx="minor">
+            <a:schemeClr val="tx1"/>
+          </a:fontRef>
+        </p:style>
+      </p:cxnSp>
+      <p:pic>
+        <p:nvPicPr>
+          <p:cNvPr id="42" name="Image 41"/>
+          <p:cNvPicPr>
+            <a:picLocks noChangeAspect="1"/>
+          </p:cNvPicPr>
+          <p:nvPr/>
+        </p:nvPicPr>
+        <p:blipFill>
+          <a:blip r:embed="rId14">
+            <a:extLst>
+              <a:ext uri="{BEBA8EAE-BF5A-486C-A8C5-ECC9F3942E4B}">
+                <a14:imgProps xmlns:a14="http://schemas.microsoft.com/office/drawing/2010/main">
+                  <a14:imgLayer r:embed="rId15">
+                    <a14:imgEffect>
+                      <a14:artisticCrisscrossEtching/>
+                    </a14:imgEffect>
+                  </a14:imgLayer>
+                </a14:imgProps>
+              </a:ext>
+              <a:ext uri="{28A0092B-C50C-407E-A947-70E740481C1C}">
+                <a14:useLocalDpi xmlns:a14="http://schemas.microsoft.com/office/drawing/2010/main" val="0"/>
+              </a:ext>
+            </a:extLst>
+          </a:blip>
+          <a:stretch>
+            <a:fillRect/>
+          </a:stretch>
+        </p:blipFill>
+        <p:spPr>
+          <a:xfrm rot="826688">
+            <a:off x="2960670" y="5020892"/>
+            <a:ext cx="4113802" cy="848989"/>
+          </a:xfrm>
+          <a:prstGeom prst="rect">
+            <a:avLst/>
+          </a:prstGeom>
+          <a:effectLst>
+            <a:softEdge rad="0"/>
+          </a:effectLst>
+        </p:spPr>
+      </p:pic>
+      <p:pic>
+        <p:nvPicPr>
+          <p:cNvPr id="44" name="Image 43"/>
+          <p:cNvPicPr>
+            <a:picLocks noChangeAspect="1"/>
+          </p:cNvPicPr>
+          <p:nvPr/>
+        </p:nvPicPr>
+        <p:blipFill>
+          <a:blip r:embed="rId16" cstate="print">
+            <a:extLst>
+              <a:ext uri="{28A0092B-C50C-407E-A947-70E740481C1C}">
+                <a14:useLocalDpi xmlns:a14="http://schemas.microsoft.com/office/drawing/2010/main" val="0"/>
+              </a:ext>
+            </a:extLst>
+          </a:blip>
+          <a:stretch>
+            <a:fillRect/>
+          </a:stretch>
+        </p:blipFill>
+        <p:spPr>
+          <a:xfrm>
+            <a:off x="4032870" y="6586423"/>
+            <a:ext cx="1467687" cy="915017"/>
+          </a:xfrm>
+          <a:prstGeom prst="rect">
+            <a:avLst/>
+          </a:prstGeom>
+        </p:spPr>
+      </p:pic>
+      <p:pic>
+        <p:nvPicPr>
+          <p:cNvPr id="46" name="Image 45"/>
+          <p:cNvPicPr>
+            <a:picLocks noChangeAspect="1"/>
+          </p:cNvPicPr>
+          <p:nvPr/>
+        </p:nvPicPr>
+        <p:blipFill>
+          <a:blip r:embed="rId17">
+            <a:extLst>
+              <a:ext uri="{28A0092B-C50C-407E-A947-70E740481C1C}">
+                <a14:useLocalDpi xmlns:a14="http://schemas.microsoft.com/office/drawing/2010/main" val="0"/>
+              </a:ext>
+            </a:extLst>
+          </a:blip>
+          <a:stretch>
+            <a:fillRect/>
+          </a:stretch>
+        </p:blipFill>
+        <p:spPr>
+          <a:xfrm>
+            <a:off x="5639825" y="5986508"/>
+            <a:ext cx="668338" cy="668338"/>
+          </a:xfrm>
+          <a:prstGeom prst="rect">
+            <a:avLst/>
+          </a:prstGeom>
+        </p:spPr>
+      </p:pic>
+      <p:pic>
+        <p:nvPicPr>
+          <p:cNvPr id="47" name="Image 46"/>
+          <p:cNvPicPr>
+            <a:picLocks noChangeAspect="1"/>
+          </p:cNvPicPr>
+          <p:nvPr/>
+        </p:nvPicPr>
+        <p:blipFill>
+          <a:blip r:embed="rId18" cstate="print">
+            <a:extLst>
+              <a:ext uri="{28A0092B-C50C-407E-A947-70E740481C1C}">
+                <a14:useLocalDpi xmlns:a14="http://schemas.microsoft.com/office/drawing/2010/main" val="0"/>
+              </a:ext>
+            </a:extLst>
+          </a:blip>
+          <a:stretch>
+            <a:fillRect/>
+          </a:stretch>
+        </p:blipFill>
+        <p:spPr>
+          <a:xfrm flipH="1">
+            <a:off x="2376686" y="8453405"/>
+            <a:ext cx="227136" cy="200163"/>
+          </a:xfrm>
+          <a:prstGeom prst="rect">
+            <a:avLst/>
+          </a:prstGeom>
+        </p:spPr>
+      </p:pic>
+      <p:pic>
+        <p:nvPicPr>
+          <p:cNvPr id="59" name="Image 58"/>
+          <p:cNvPicPr>
+            <a:picLocks noChangeAspect="1"/>
+          </p:cNvPicPr>
+          <p:nvPr/>
+        </p:nvPicPr>
+        <p:blipFill>
+          <a:blip r:embed="rId18" cstate="print">
+            <a:extLst>
+              <a:ext uri="{28A0092B-C50C-407E-A947-70E740481C1C}">
+                <a14:useLocalDpi xmlns:a14="http://schemas.microsoft.com/office/drawing/2010/main" val="0"/>
+              </a:ext>
+            </a:extLst>
+          </a:blip>
+          <a:stretch>
+            <a:fillRect/>
+          </a:stretch>
+        </p:blipFill>
+        <p:spPr>
+          <a:xfrm flipH="1">
+            <a:off x="3013646" y="9229632"/>
+            <a:ext cx="227136" cy="200163"/>
+          </a:xfrm>
+          <a:prstGeom prst="rect">
+            <a:avLst/>
+          </a:prstGeom>
+        </p:spPr>
+      </p:pic>
+      <p:sp>
+        <p:nvSpPr>
+          <p:cNvPr id="49" name="ZoneTexte 48"/>
+          <p:cNvSpPr txBox="1"/>
+          <p:nvPr/>
+        </p:nvSpPr>
+        <p:spPr>
+          <a:xfrm>
+            <a:off x="9057841" y="2831920"/>
+            <a:ext cx="5560205" cy="2616101"/>
+          </a:xfrm>
+          <a:prstGeom prst="rect">
+            <a:avLst/>
+          </a:prstGeom>
+          <a:noFill/>
+        </p:spPr>
+        <p:txBody>
+          <a:bodyPr wrap="square" rtlCol="0">
+            <a:spAutoFit/>
+          </a:bodyPr>
+          <a:lstStyle/>
+          <a:p>
+            <a:r>
+              <a:rPr lang="en-US" sz="1400" b="1" dirty="0" smtClean="0"/>
+              <a:t>Solutions ?</a:t>
+            </a:r>
+          </a:p>
+          <a:p>
+            <a:pPr marL="1025362" lvl="1" indent="-285750">
+              <a:buFont typeface="Arial" panose="020B0604020202020204" pitchFamily="34" charset="0"/>
+              <a:buChar char="•"/>
+            </a:pPr>
+            <a:r>
+              <a:rPr lang="en-US" sz="1200" dirty="0" smtClean="0"/>
+              <a:t>Authenticate device programmers ?</a:t>
+            </a:r>
+          </a:p>
+          <a:p>
+            <a:pPr marL="1025362" lvl="1" indent="-285750">
+              <a:buFont typeface="Arial" panose="020B0604020202020204" pitchFamily="34" charset="0"/>
+              <a:buChar char="•"/>
+            </a:pPr>
+            <a:r>
+              <a:rPr lang="en-US" sz="1200" dirty="0" smtClean="0"/>
+              <a:t>Encryption ? Passwords ?</a:t>
+            </a:r>
+          </a:p>
+          <a:p>
+            <a:r>
+              <a:rPr lang="en-US" sz="1400" b="1" dirty="0" smtClean="0"/>
+              <a:t>Problems</a:t>
+            </a:r>
+          </a:p>
+          <a:p>
+            <a:pPr marL="1025362" lvl="1" indent="-285750">
+              <a:buFont typeface="Arial" panose="020B0604020202020204" pitchFamily="34" charset="0"/>
+              <a:buChar char="•"/>
+            </a:pPr>
+            <a:r>
+              <a:rPr lang="en-US" sz="1200" dirty="0" smtClean="0"/>
+              <a:t>Need emergency access !</a:t>
+            </a:r>
+          </a:p>
+          <a:p>
+            <a:pPr marL="1025362" lvl="1" indent="-285750">
+              <a:buFont typeface="Arial" panose="020B0604020202020204" pitchFamily="34" charset="0"/>
+              <a:buChar char="•"/>
+            </a:pPr>
+            <a:r>
+              <a:rPr lang="en-US" sz="1200" dirty="0" smtClean="0"/>
+              <a:t>Patient’s health : top priority</a:t>
+            </a:r>
+          </a:p>
+          <a:p>
+            <a:pPr marL="1025362" lvl="1" indent="-285750">
+              <a:buFont typeface="Arial" panose="020B0604020202020204" pitchFamily="34" charset="0"/>
+              <a:buChar char="•"/>
+            </a:pPr>
+            <a:endParaRPr lang="en-US" sz="1200" dirty="0"/>
+          </a:p>
+          <a:p>
+            <a:r>
+              <a:rPr lang="en-US" sz="1400" b="1" dirty="0" smtClean="0"/>
+              <a:t>Prototypes defenses VS </a:t>
+            </a:r>
+            <a:r>
+              <a:rPr lang="en-US" sz="1400" b="1" u="sng" dirty="0" smtClean="0"/>
+              <a:t>some</a:t>
+            </a:r>
+            <a:r>
+              <a:rPr lang="en-US" sz="1400" b="1" dirty="0" smtClean="0"/>
+              <a:t> of the attacks</a:t>
+            </a:r>
+          </a:p>
+          <a:p>
+            <a:pPr marL="1025362" lvl="1" indent="-285750">
+              <a:buFont typeface="Arial" panose="020B0604020202020204" pitchFamily="34" charset="0"/>
+              <a:buChar char="•"/>
+            </a:pPr>
+            <a:r>
+              <a:rPr lang="en-US" sz="1200" dirty="0" smtClean="0"/>
+              <a:t>Idea : defend without using battery</a:t>
+            </a:r>
+          </a:p>
+          <a:p>
+            <a:pPr marL="1025362" lvl="1" indent="-285750">
+              <a:buFont typeface="Arial" panose="020B0604020202020204" pitchFamily="34" charset="0"/>
+              <a:buChar char="•"/>
+            </a:pPr>
+            <a:endParaRPr lang="en-US" sz="1200" dirty="0" smtClean="0"/>
+          </a:p>
+          <a:p>
+            <a:r>
+              <a:rPr lang="en-US" sz="1200" dirty="0" smtClean="0"/>
+              <a:t>Example of prototype : </a:t>
+            </a:r>
+            <a:r>
+              <a:rPr lang="en-US" sz="1200" b="1" dirty="0" smtClean="0"/>
+              <a:t>WISP</a:t>
+            </a:r>
+            <a:r>
+              <a:rPr lang="en-US" sz="1200" dirty="0" smtClean="0"/>
+              <a:t> = RFID + computation</a:t>
+            </a:r>
+          </a:p>
+          <a:p>
+            <a:r>
+              <a:rPr lang="en-US" sz="1200" b="1" dirty="0" err="1" smtClean="0"/>
+              <a:t>WISPer</a:t>
+            </a:r>
+            <a:r>
+              <a:rPr lang="en-US" sz="1200" dirty="0" smtClean="0"/>
+              <a:t> = WISP + code</a:t>
+            </a:r>
+          </a:p>
+          <a:p>
+            <a:endParaRPr lang="en-US" sz="1400" b="1" u="sng" dirty="0"/>
+          </a:p>
+        </p:txBody>
+      </p:sp>
+      <p:pic>
+        <p:nvPicPr>
+          <p:cNvPr id="61" name="Picture 2" descr="C:\Users\Lily\Desktop\Dossier Line\M1-Info\ENGLISH\POSTER\sword-308836_640.png"/>
+          <p:cNvPicPr>
+            <a:picLocks noChangeAspect="1" noChangeArrowheads="1"/>
+          </p:cNvPicPr>
+          <p:nvPr/>
+        </p:nvPicPr>
+        <p:blipFill>
+          <a:blip r:embed="rId9" cstate="print">
+            <a:extLst>
+              <a:ext uri="{28A0092B-C50C-407E-A947-70E740481C1C}">
+                <a14:useLocalDpi xmlns:a14="http://schemas.microsoft.com/office/drawing/2010/main" val="0"/>
+              </a:ext>
+            </a:extLst>
+          </a:blip>
+          <a:srcRect/>
+          <a:stretch>
+            <a:fillRect/>
+          </a:stretch>
+        </p:blipFill>
+        <p:spPr bwMode="auto">
+          <a:xfrm>
+            <a:off x="2174326" y="2114402"/>
+            <a:ext cx="695312" cy="528002"/>
+          </a:xfrm>
+          <a:prstGeom prst="rect">
+            <a:avLst/>
+          </a:prstGeom>
+          <a:noFill/>
+          <a:extLst>
+            <a:ext uri="{909E8E84-426E-40DD-AFC4-6F175D3DCCD1}">
+              <a14:hiddenFill xmlns:a14="http://schemas.microsoft.com/office/drawing/2010/main">
+                <a:solidFill>
+                  <a:srgbClr val="FFFFFF"/>
+                </a:solidFill>
+              </a14:hiddenFill>
+            </a:ext>
+          </a:extLst>
+        </p:spPr>
+      </p:pic>
+      <p:pic>
+        <p:nvPicPr>
+          <p:cNvPr id="63" name="Picture 3" descr="C:\Users\Lily\Desktop\Dossier Line\M1-Info\ENGLISH\POSTER\4.png"/>
+          <p:cNvPicPr>
+            <a:picLocks noChangeAspect="1" noChangeArrowheads="1"/>
+          </p:cNvPicPr>
+          <p:nvPr/>
+        </p:nvPicPr>
+        <p:blipFill>
+          <a:blip r:embed="rId10" cstate="print">
+            <a:extLst>
+              <a:ext uri="{28A0092B-C50C-407E-A947-70E740481C1C}">
+                <a14:useLocalDpi xmlns:a14="http://schemas.microsoft.com/office/drawing/2010/main" val="0"/>
+              </a:ext>
+            </a:extLst>
+          </a:blip>
+          <a:srcRect/>
+          <a:stretch>
+            <a:fillRect/>
+          </a:stretch>
+        </p:blipFill>
+        <p:spPr bwMode="auto">
+          <a:xfrm>
+            <a:off x="12368399" y="2103675"/>
+            <a:ext cx="633576" cy="633576"/>
+          </a:xfrm>
+          <a:prstGeom prst="rect">
+            <a:avLst/>
+          </a:prstGeom>
+          <a:noFill/>
+          <a:extLst>
+            <a:ext uri="{909E8E84-426E-40DD-AFC4-6F175D3DCCD1}">
+              <a14:hiddenFill xmlns:a14="http://schemas.microsoft.com/office/drawing/2010/main">
+                <a:solidFill>
+                  <a:srgbClr val="FFFFFF"/>
+                </a:solidFill>
+              </a14:hiddenFill>
+            </a:ext>
+          </a:extLst>
+        </p:spPr>
+      </p:pic>
+      <p:pic>
+        <p:nvPicPr>
+          <p:cNvPr id="50" name="Image 49"/>
+          <p:cNvPicPr>
+            <a:picLocks noChangeAspect="1"/>
+          </p:cNvPicPr>
+          <p:nvPr/>
+        </p:nvPicPr>
+        <p:blipFill>
+          <a:blip r:embed="rId19" cstate="print">
+            <a:extLst>
+              <a:ext uri="{28A0092B-C50C-407E-A947-70E740481C1C}">
+                <a14:useLocalDpi xmlns:a14="http://schemas.microsoft.com/office/drawing/2010/main" val="0"/>
+              </a:ext>
+            </a:extLst>
+          </a:blip>
+          <a:stretch>
+            <a:fillRect/>
+          </a:stretch>
+        </p:blipFill>
+        <p:spPr>
+          <a:xfrm>
+            <a:off x="12601822" y="4162654"/>
+            <a:ext cx="1943037" cy="751998"/>
+          </a:xfrm>
+          <a:prstGeom prst="rect">
+            <a:avLst/>
+          </a:prstGeom>
+        </p:spPr>
+      </p:pic>
+      <p:pic>
+        <p:nvPicPr>
+          <p:cNvPr id="53" name="Image 52"/>
+          <p:cNvPicPr>
+            <a:picLocks noChangeAspect="1"/>
+          </p:cNvPicPr>
+          <p:nvPr/>
+        </p:nvPicPr>
+        <p:blipFill>
+          <a:blip r:embed="rId20">
+            <a:extLst>
+              <a:ext uri="{28A0092B-C50C-407E-A947-70E740481C1C}">
+                <a14:useLocalDpi xmlns:a14="http://schemas.microsoft.com/office/drawing/2010/main" val="0"/>
+              </a:ext>
+            </a:extLst>
+          </a:blip>
+          <a:stretch>
+            <a:fillRect/>
+          </a:stretch>
+        </p:blipFill>
+        <p:spPr>
+          <a:xfrm>
+            <a:off x="12441338" y="4724621"/>
+            <a:ext cx="2275186" cy="2101464"/>
+          </a:xfrm>
+          <a:prstGeom prst="rect">
+            <a:avLst/>
+          </a:prstGeom>
+        </p:spPr>
+      </p:pic>
+      <p:sp>
+        <p:nvSpPr>
+          <p:cNvPr id="54" name="ZoneTexte 53"/>
+          <p:cNvSpPr txBox="1"/>
+          <p:nvPr/>
+        </p:nvSpPr>
+        <p:spPr>
+          <a:xfrm>
+            <a:off x="6553150" y="9595172"/>
+            <a:ext cx="1944575" cy="338554"/>
+          </a:xfrm>
+          <a:prstGeom prst="rect">
+            <a:avLst/>
+          </a:prstGeom>
+          <a:noFill/>
+        </p:spPr>
+        <p:txBody>
+          <a:bodyPr wrap="square" rtlCol="0">
+            <a:spAutoFit/>
+          </a:bodyPr>
+          <a:lstStyle/>
+          <a:p>
+            <a:r>
+              <a:rPr lang="fr-FR" sz="1600" b="1" dirty="0" err="1" smtClean="0"/>
+              <a:t>Device</a:t>
+            </a:r>
+            <a:r>
+              <a:rPr lang="fr-FR" sz="1600" b="1" dirty="0" smtClean="0"/>
+              <a:t> Programmer</a:t>
+            </a:r>
+            <a:endParaRPr lang="fr-FR" sz="1600" b="1" dirty="0"/>
+          </a:p>
+        </p:txBody>
+      </p:sp>
+      <p:sp>
+        <p:nvSpPr>
+          <p:cNvPr id="55" name="ZoneTexte 54"/>
+          <p:cNvSpPr txBox="1"/>
+          <p:nvPr/>
+        </p:nvSpPr>
+        <p:spPr>
+          <a:xfrm>
+            <a:off x="7561262" y="6993592"/>
+            <a:ext cx="936104" cy="369332"/>
+          </a:xfrm>
+          <a:prstGeom prst="rect">
+            <a:avLst/>
+          </a:prstGeom>
+          <a:noFill/>
+        </p:spPr>
+        <p:txBody>
+          <a:bodyPr wrap="square" rtlCol="0">
+            <a:spAutoFit/>
+          </a:bodyPr>
+          <a:lstStyle/>
+          <a:p>
+            <a:r>
+              <a:rPr lang="fr-FR" sz="1800" dirty="0" smtClean="0"/>
+              <a:t>control</a:t>
+            </a:r>
+            <a:endParaRPr lang="fr-FR" sz="1800" dirty="0"/>
+          </a:p>
+        </p:txBody>
+      </p:sp>
+      <p:pic>
+        <p:nvPicPr>
+          <p:cNvPr id="56" name="Image 55"/>
+          <p:cNvPicPr>
+            <a:picLocks noChangeAspect="1"/>
+          </p:cNvPicPr>
+          <p:nvPr/>
+        </p:nvPicPr>
+        <p:blipFill>
+          <a:blip r:embed="rId21" cstate="print">
+            <a:extLst>
+              <a:ext uri="{28A0092B-C50C-407E-A947-70E740481C1C}">
+                <a14:useLocalDpi xmlns:a14="http://schemas.microsoft.com/office/drawing/2010/main" val="0"/>
+              </a:ext>
+            </a:extLst>
+          </a:blip>
+          <a:stretch>
+            <a:fillRect/>
+          </a:stretch>
+        </p:blipFill>
+        <p:spPr>
+          <a:xfrm>
+            <a:off x="5435367" y="7591748"/>
+            <a:ext cx="733844" cy="733844"/>
+          </a:xfrm>
+          <a:prstGeom prst="rect">
+            <a:avLst/>
+          </a:prstGeom>
+        </p:spPr>
+      </p:pic>
     </p:spTree>
     <p:extLst>
       <p:ext uri="{BB962C8B-B14F-4D97-AF65-F5344CB8AC3E}">

--- a/ENGLISH/POSTER/Pacemakers and implantable cardiac defibrillators.pptx
+++ b/ENGLISH/POSTER/Pacemakers and implantable cardiac defibrillators.pptx
@@ -106,7 +106,7 @@
   </p:defaultTextStyle>
   <p:extLst>
     <p:ext uri="{EFAFB233-063F-42B5-8137-9DF3F51BA10A}">
-      <p15:sldGuideLst xmlns:p15="http://schemas.microsoft.com/office/powerpoint/2012/main">
+      <p15:sldGuideLst xmlns:p15="http://schemas.microsoft.com/office/powerpoint/2012/main" xmlns="">
         <p15:guide id="1" orient="horz" pos="3368">
           <p15:clr>
             <a:srgbClr val="A4A3A4"/>
@@ -3690,7 +3690,7 @@
           <p:nvPr/>
         </p:nvPicPr>
         <p:blipFill>
-          <a:blip r:embed="rId4">
+          <a:blip r:embed="rId4" cstate="print">
             <a:extLst>
               <a:ext uri="{28A0092B-C50C-407E-A947-70E740481C1C}">
                 <a14:useLocalDpi xmlns:a14="http://schemas.microsoft.com/office/drawing/2010/main" val="0"/>
@@ -3704,8 +3704,8 @@
         </p:blipFill>
         <p:spPr bwMode="auto">
           <a:xfrm>
-            <a:off x="9861643" y="8177254"/>
-            <a:ext cx="2160240" cy="1728192"/>
+            <a:off x="10382716" y="8627788"/>
+            <a:ext cx="1402371" cy="1121897"/>
           </a:xfrm>
           <a:prstGeom prst="rect">
             <a:avLst/>
@@ -3827,8 +3827,8 @@
         </p:blipFill>
         <p:spPr bwMode="auto">
           <a:xfrm>
-            <a:off x="12488527" y="8234876"/>
-            <a:ext cx="1556528" cy="1471405"/>
+            <a:off x="12372283" y="8898560"/>
+            <a:ext cx="1095052" cy="1035166"/>
           </a:xfrm>
           <a:prstGeom prst="rect">
             <a:avLst/>
@@ -4636,7 +4636,7 @@
         <p:spPr>
           <a:xfrm>
             <a:off x="9057841" y="2831920"/>
-            <a:ext cx="5560205" cy="2616101"/>
+            <a:ext cx="5560205" cy="2031325"/>
           </a:xfrm>
           <a:prstGeom prst="rect">
             <a:avLst/>
@@ -4728,7 +4728,11 @@
             </a:pPr>
             <a:r>
               <a:rPr lang="en-US" sz="1200" dirty="0" smtClean="0"/>
-              <a:t>Idea : defend without using battery</a:t>
+              <a:t>Idea : defend without using </a:t>
+            </a:r>
+            <a:r>
+              <a:rPr lang="en-US" sz="1200" dirty="0" smtClean="0"/>
+              <a:t>battery</a:t>
             </a:r>
           </a:p>
           <a:p>
@@ -4736,34 +4740,11 @@
               <a:buFont typeface="Arial" panose="020B0604020202020204" pitchFamily="34" charset="0"/>
               <a:buChar char="•"/>
             </a:pPr>
+            <a:r>
+              <a:rPr lang="en-US" sz="1200" dirty="0" smtClean="0"/>
+              <a:t>External parties pays for power</a:t>
+            </a:r>
             <a:endParaRPr lang="en-US" sz="1200" dirty="0" smtClean="0"/>
-          </a:p>
-          <a:p>
-            <a:r>
-              <a:rPr lang="en-US" sz="1200" dirty="0" smtClean="0"/>
-              <a:t>Example of prototype : </a:t>
-            </a:r>
-            <a:r>
-              <a:rPr lang="en-US" sz="1200" b="1" dirty="0" smtClean="0"/>
-              <a:t>WISP</a:t>
-            </a:r>
-            <a:r>
-              <a:rPr lang="en-US" sz="1200" dirty="0" smtClean="0"/>
-              <a:t> = RFID + computation</a:t>
-            </a:r>
-          </a:p>
-          <a:p>
-            <a:r>
-              <a:rPr lang="en-US" sz="1200" b="1" dirty="0" err="1" smtClean="0"/>
-              <a:t>WISPer</a:t>
-            </a:r>
-            <a:r>
-              <a:rPr lang="en-US" sz="1200" dirty="0" smtClean="0"/>
-              <a:t> = WISP + code</a:t>
-            </a:r>
-          </a:p>
-          <a:p>
-            <a:endParaRPr lang="en-US" sz="1400" b="1" u="sng" dirty="0"/>
           </a:p>
         </p:txBody>
       </p:sp>
@@ -4871,8 +4852,8 @@
         </p:blipFill>
         <p:spPr>
           <a:xfrm>
-            <a:off x="12601822" y="4162654"/>
-            <a:ext cx="1943037" cy="751998"/>
+            <a:off x="12803306" y="5056362"/>
+            <a:ext cx="1389337" cy="537704"/>
           </a:xfrm>
           <a:prstGeom prst="rect">
             <a:avLst/>
@@ -4901,8 +4882,8 @@
         </p:blipFill>
         <p:spPr>
           <a:xfrm>
-            <a:off x="12441338" y="4724621"/>
-            <a:ext cx="2275186" cy="2101464"/>
+            <a:off x="9308484" y="6210796"/>
+            <a:ext cx="1775417" cy="1639855"/>
           </a:xfrm>
           <a:prstGeom prst="rect">
             <a:avLst/>
@@ -5003,6 +4984,269 @@
           </a:prstGeom>
         </p:spPr>
       </p:pic>
+      <p:sp>
+        <p:nvSpPr>
+          <p:cNvPr id="11" name="ZoneTexte 10"/>
+          <p:cNvSpPr txBox="1"/>
+          <p:nvPr/>
+        </p:nvSpPr>
+        <p:spPr>
+          <a:xfrm>
+            <a:off x="9050126" y="5193375"/>
+            <a:ext cx="3736505" cy="646331"/>
+          </a:xfrm>
+          <a:prstGeom prst="rect">
+            <a:avLst/>
+          </a:prstGeom>
+          <a:noFill/>
+        </p:spPr>
+        <p:txBody>
+          <a:bodyPr wrap="square" rtlCol="0">
+            <a:spAutoFit/>
+          </a:bodyPr>
+          <a:lstStyle/>
+          <a:p>
+            <a:r>
+              <a:rPr lang="en-US" sz="1200" dirty="0"/>
+              <a:t>Example of prototype : </a:t>
+            </a:r>
+            <a:r>
+              <a:rPr lang="en-US" sz="1200" b="1" dirty="0"/>
+              <a:t>WISP</a:t>
+            </a:r>
+            <a:r>
+              <a:rPr lang="en-US" sz="1200" dirty="0"/>
+              <a:t> = RFID + computation</a:t>
+            </a:r>
+          </a:p>
+          <a:p>
+            <a:r>
+              <a:rPr lang="en-US" sz="1200" b="1" dirty="0" smtClean="0"/>
+              <a:t>                                          </a:t>
+            </a:r>
+            <a:r>
+              <a:rPr lang="en-US" sz="1200" b="1" dirty="0" err="1" smtClean="0"/>
+              <a:t>WISPer</a:t>
+            </a:r>
+            <a:r>
+              <a:rPr lang="en-US" sz="1200" dirty="0" smtClean="0"/>
+              <a:t> </a:t>
+            </a:r>
+            <a:r>
+              <a:rPr lang="en-US" sz="1200" dirty="0"/>
+              <a:t>= WISP + code</a:t>
+            </a:r>
+          </a:p>
+          <a:p>
+            <a:endParaRPr lang="en-US" sz="1200" dirty="0"/>
+          </a:p>
+        </p:txBody>
+      </p:sp>
+      <p:sp>
+        <p:nvSpPr>
+          <p:cNvPr id="13" name="ZoneTexte 12"/>
+          <p:cNvSpPr txBox="1"/>
+          <p:nvPr/>
+        </p:nvSpPr>
+        <p:spPr>
+          <a:xfrm>
+            <a:off x="11186847" y="6354812"/>
+            <a:ext cx="3199567" cy="1384995"/>
+          </a:xfrm>
+          <a:prstGeom prst="rect">
+            <a:avLst/>
+          </a:prstGeom>
+          <a:noFill/>
+        </p:spPr>
+        <p:txBody>
+          <a:bodyPr wrap="square" rtlCol="0">
+            <a:spAutoFit/>
+          </a:bodyPr>
+          <a:lstStyle/>
+          <a:p>
+            <a:r>
+              <a:rPr lang="en-US" sz="1200" b="1" dirty="0" smtClean="0"/>
+              <a:t>1</a:t>
+            </a:r>
+            <a:r>
+              <a:rPr lang="en-US" sz="1200" dirty="0" smtClean="0"/>
+              <a:t>: External party authenticate through </a:t>
+            </a:r>
+            <a:r>
+              <a:rPr lang="en-US" sz="1200" b="1" dirty="0" err="1" smtClean="0"/>
+              <a:t>WISPer</a:t>
+            </a:r>
+            <a:endParaRPr lang="en-US" sz="1200" b="1" dirty="0" smtClean="0"/>
+          </a:p>
+          <a:p>
+            <a:r>
+              <a:rPr lang="en-US" sz="1200" b="1" dirty="0" smtClean="0"/>
+              <a:t>2</a:t>
+            </a:r>
+            <a:r>
+              <a:rPr lang="en-US" sz="1200" dirty="0" smtClean="0"/>
+              <a:t>: If successful </a:t>
+            </a:r>
+            <a:r>
+              <a:rPr lang="en-US" sz="1200" b="1" dirty="0" err="1" smtClean="0"/>
+              <a:t>WISPer</a:t>
+            </a:r>
+            <a:r>
+              <a:rPr lang="en-US" sz="1200" b="1" dirty="0" smtClean="0"/>
+              <a:t> </a:t>
+            </a:r>
+            <a:r>
+              <a:rPr lang="en-US" sz="1200" dirty="0" smtClean="0"/>
+              <a:t> says to </a:t>
+            </a:r>
+            <a:r>
+              <a:rPr lang="en-US" sz="1200" b="1" dirty="0" smtClean="0"/>
+              <a:t>ICD</a:t>
+            </a:r>
+            <a:r>
+              <a:rPr lang="en-US" sz="1200" dirty="0" smtClean="0"/>
+              <a:t> “Ok you can use radio”</a:t>
+            </a:r>
+          </a:p>
+          <a:p>
+            <a:r>
+              <a:rPr lang="en-US" sz="1200" b="1" dirty="0" smtClean="0"/>
+              <a:t>3</a:t>
+            </a:r>
+            <a:r>
+              <a:rPr lang="en-US" sz="1200" dirty="0" smtClean="0"/>
+              <a:t>: Then the External party can control the </a:t>
+            </a:r>
+            <a:r>
+              <a:rPr lang="en-US" sz="1200" b="1" dirty="0" smtClean="0"/>
+              <a:t>ICD</a:t>
+            </a:r>
+          </a:p>
+          <a:p>
+            <a:endParaRPr lang="en-US" sz="1200" b="1" dirty="0" smtClean="0"/>
+          </a:p>
+          <a:p>
+            <a:r>
+              <a:rPr lang="en-US" sz="1200" dirty="0" smtClean="0"/>
+              <a:t>The patient is notified </a:t>
+            </a:r>
+            <a:r>
+              <a:rPr lang="fr-FR" sz="1200" b="1" dirty="0" err="1" smtClean="0"/>
+              <a:t>acoustically</a:t>
+            </a:r>
+            <a:r>
+              <a:rPr lang="fr-FR" sz="1200" dirty="0" smtClean="0"/>
+              <a:t> </a:t>
+            </a:r>
+            <a:r>
+              <a:rPr lang="fr-FR" sz="1200" dirty="0" err="1" smtClean="0"/>
+              <a:t>during</a:t>
+            </a:r>
+            <a:r>
+              <a:rPr lang="fr-FR" sz="1200" dirty="0" smtClean="0"/>
+              <a:t> the </a:t>
+            </a:r>
+            <a:r>
+              <a:rPr lang="fr-FR" sz="1200" dirty="0" err="1" smtClean="0"/>
+              <a:t>whole</a:t>
+            </a:r>
+            <a:r>
+              <a:rPr lang="fr-FR" sz="1200" dirty="0" smtClean="0"/>
+              <a:t> time.</a:t>
+            </a:r>
+            <a:endParaRPr lang="en-US" sz="1200" dirty="0"/>
+          </a:p>
+        </p:txBody>
+      </p:sp>
+      <p:sp>
+        <p:nvSpPr>
+          <p:cNvPr id="14" name="ZoneTexte 13"/>
+          <p:cNvSpPr txBox="1"/>
+          <p:nvPr/>
+        </p:nvSpPr>
+        <p:spPr>
+          <a:xfrm>
+            <a:off x="13082631" y="5633614"/>
+            <a:ext cx="1080120" cy="276999"/>
+          </a:xfrm>
+          <a:prstGeom prst="rect">
+            <a:avLst/>
+          </a:prstGeom>
+          <a:noFill/>
+        </p:spPr>
+        <p:txBody>
+          <a:bodyPr wrap="square" rtlCol="0">
+            <a:spAutoFit/>
+          </a:bodyPr>
+          <a:lstStyle/>
+          <a:p>
+            <a:r>
+              <a:rPr lang="en-US" sz="1200" dirty="0" smtClean="0"/>
+              <a:t>The WISP</a:t>
+            </a:r>
+            <a:endParaRPr lang="en-US" sz="1200" dirty="0"/>
+          </a:p>
+        </p:txBody>
+      </p:sp>
+      <p:sp>
+        <p:nvSpPr>
+          <p:cNvPr id="15" name="ZoneTexte 14"/>
+          <p:cNvSpPr txBox="1"/>
+          <p:nvPr/>
+        </p:nvSpPr>
+        <p:spPr>
+          <a:xfrm>
+            <a:off x="9036026" y="5903019"/>
+            <a:ext cx="3649161" cy="307777"/>
+          </a:xfrm>
+          <a:prstGeom prst="rect">
+            <a:avLst/>
+          </a:prstGeom>
+          <a:noFill/>
+        </p:spPr>
+        <p:txBody>
+          <a:bodyPr wrap="square" rtlCol="0">
+            <a:spAutoFit/>
+          </a:bodyPr>
+          <a:lstStyle/>
+          <a:p>
+            <a:r>
+              <a:rPr lang="en-US" sz="1400" b="1" dirty="0" smtClean="0"/>
+              <a:t>The Solution</a:t>
+            </a:r>
+            <a:endParaRPr lang="en-US" sz="1400" b="1" dirty="0"/>
+          </a:p>
+        </p:txBody>
+      </p:sp>
+      <p:sp>
+        <p:nvSpPr>
+          <p:cNvPr id="45" name="ZoneTexte 44"/>
+          <p:cNvSpPr txBox="1"/>
+          <p:nvPr/>
+        </p:nvSpPr>
+        <p:spPr>
+          <a:xfrm>
+            <a:off x="9036025" y="7947778"/>
+            <a:ext cx="3649161" cy="307777"/>
+          </a:xfrm>
+          <a:prstGeom prst="rect">
+            <a:avLst/>
+          </a:prstGeom>
+          <a:noFill/>
+        </p:spPr>
+        <p:txBody>
+          <a:bodyPr wrap="square" rtlCol="0">
+            <a:spAutoFit/>
+          </a:bodyPr>
+          <a:lstStyle/>
+          <a:p>
+            <a:r>
+              <a:rPr lang="en-US" sz="1400" b="1" dirty="0" smtClean="0"/>
+              <a:t>The Test</a:t>
+            </a:r>
+          </a:p>
+        </p:txBody>
+      </p:sp>
     </p:spTree>
     <p:extLst>
       <p:ext uri="{BB962C8B-B14F-4D97-AF65-F5344CB8AC3E}">

--- a/ENGLISH/POSTER/Pacemakers and implantable cardiac defibrillators.pptx
+++ b/ENGLISH/POSTER/Pacemakers and implantable cardiac defibrillators.pptx
@@ -106,7 +106,7 @@
   </p:defaultTextStyle>
   <p:extLst>
     <p:ext uri="{EFAFB233-063F-42B5-8137-9DF3F51BA10A}">
-      <p15:sldGuideLst xmlns:p15="http://schemas.microsoft.com/office/powerpoint/2012/main" xmlns="">
+      <p15:sldGuideLst xmlns="" xmlns:p15="http://schemas.microsoft.com/office/powerpoint/2012/main">
         <p15:guide id="1" orient="horz" pos="3368">
           <p15:clr>
             <a:srgbClr val="A4A3A4"/>
@@ -304,7 +304,7 @@
           <a:p>
             <a:fld id="{44754A34-A047-4B71-A71E-BF946EDA9AAB}" type="datetimeFigureOut">
               <a:rPr lang="en-US" smtClean="0"/>
-              <a:t>11/25/2015</a:t>
+              <a:t>11/26/2015</a:t>
             </a:fld>
             <a:endParaRPr lang="en-US"/>
           </a:p>
@@ -474,7 +474,7 @@
           <a:p>
             <a:fld id="{44754A34-A047-4B71-A71E-BF946EDA9AAB}" type="datetimeFigureOut">
               <a:rPr lang="en-US" smtClean="0"/>
-              <a:t>11/25/2015</a:t>
+              <a:t>11/26/2015</a:t>
             </a:fld>
             <a:endParaRPr lang="en-US"/>
           </a:p>
@@ -654,7 +654,7 @@
           <a:p>
             <a:fld id="{44754A34-A047-4B71-A71E-BF946EDA9AAB}" type="datetimeFigureOut">
               <a:rPr lang="en-US" smtClean="0"/>
-              <a:t>11/25/2015</a:t>
+              <a:t>11/26/2015</a:t>
             </a:fld>
             <a:endParaRPr lang="en-US"/>
           </a:p>
@@ -824,7 +824,7 @@
           <a:p>
             <a:fld id="{44754A34-A047-4B71-A71E-BF946EDA9AAB}" type="datetimeFigureOut">
               <a:rPr lang="en-US" smtClean="0"/>
-              <a:t>11/25/2015</a:t>
+              <a:t>11/26/2015</a:t>
             </a:fld>
             <a:endParaRPr lang="en-US"/>
           </a:p>
@@ -1070,7 +1070,7 @@
           <a:p>
             <a:fld id="{44754A34-A047-4B71-A71E-BF946EDA9AAB}" type="datetimeFigureOut">
               <a:rPr lang="en-US" smtClean="0"/>
-              <a:t>11/25/2015</a:t>
+              <a:t>11/26/2015</a:t>
             </a:fld>
             <a:endParaRPr lang="en-US"/>
           </a:p>
@@ -1358,7 +1358,7 @@
           <a:p>
             <a:fld id="{44754A34-A047-4B71-A71E-BF946EDA9AAB}" type="datetimeFigureOut">
               <a:rPr lang="en-US" smtClean="0"/>
-              <a:t>11/25/2015</a:t>
+              <a:t>11/26/2015</a:t>
             </a:fld>
             <a:endParaRPr lang="en-US"/>
           </a:p>
@@ -1780,7 +1780,7 @@
           <a:p>
             <a:fld id="{44754A34-A047-4B71-A71E-BF946EDA9AAB}" type="datetimeFigureOut">
               <a:rPr lang="en-US" smtClean="0"/>
-              <a:t>11/25/2015</a:t>
+              <a:t>11/26/2015</a:t>
             </a:fld>
             <a:endParaRPr lang="en-US"/>
           </a:p>
@@ -1898,7 +1898,7 @@
           <a:p>
             <a:fld id="{44754A34-A047-4B71-A71E-BF946EDA9AAB}" type="datetimeFigureOut">
               <a:rPr lang="en-US" smtClean="0"/>
-              <a:t>11/25/2015</a:t>
+              <a:t>11/26/2015</a:t>
             </a:fld>
             <a:endParaRPr lang="en-US"/>
           </a:p>
@@ -1993,7 +1993,7 @@
           <a:p>
             <a:fld id="{44754A34-A047-4B71-A71E-BF946EDA9AAB}" type="datetimeFigureOut">
               <a:rPr lang="en-US" smtClean="0"/>
-              <a:t>11/25/2015</a:t>
+              <a:t>11/26/2015</a:t>
             </a:fld>
             <a:endParaRPr lang="en-US"/>
           </a:p>
@@ -2270,7 +2270,7 @@
           <a:p>
             <a:fld id="{44754A34-A047-4B71-A71E-BF946EDA9AAB}" type="datetimeFigureOut">
               <a:rPr lang="en-US" smtClean="0"/>
-              <a:t>11/25/2015</a:t>
+              <a:t>11/26/2015</a:t>
             </a:fld>
             <a:endParaRPr lang="en-US"/>
           </a:p>
@@ -2523,7 +2523,7 @@
           <a:p>
             <a:fld id="{44754A34-A047-4B71-A71E-BF946EDA9AAB}" type="datetimeFigureOut">
               <a:rPr lang="en-US" smtClean="0"/>
-              <a:t>11/25/2015</a:t>
+              <a:t>11/26/2015</a:t>
             </a:fld>
             <a:endParaRPr lang="en-US"/>
           </a:p>
@@ -2588,7 +2588,7 @@
 <p:sldMaster xmlns:a="http://schemas.openxmlformats.org/drawingml/2006/main" xmlns:r="http://schemas.openxmlformats.org/officeDocument/2006/relationships" xmlns:p="http://schemas.openxmlformats.org/presentationml/2006/main">
   <p:cSld>
     <p:bg>
-      <p:bgRef idx="1001">
+      <p:bgRef idx="1002">
         <a:schemeClr val="bg1"/>
       </p:bgRef>
     </p:bg>
@@ -2736,7 +2736,7 @@
           <a:p>
             <a:fld id="{44754A34-A047-4B71-A71E-BF946EDA9AAB}" type="datetimeFigureOut">
               <a:rPr lang="en-US" smtClean="0"/>
-              <a:t>11/25/2015</a:t>
+              <a:t>11/26/2015</a:t>
             </a:fld>
             <a:endParaRPr lang="en-US"/>
           </a:p>
@@ -4728,11 +4728,7 @@
             </a:pPr>
             <a:r>
               <a:rPr lang="en-US" sz="1200" dirty="0" smtClean="0"/>
-              <a:t>Idea : defend without using </a:t>
-            </a:r>
-            <a:r>
-              <a:rPr lang="en-US" sz="1200" dirty="0" smtClean="0"/>
-              <a:t>battery</a:t>
+              <a:t>Idea : defend without using battery</a:t>
             </a:r>
           </a:p>
           <a:p>
@@ -4744,7 +4740,6 @@
               <a:rPr lang="en-US" sz="1200" dirty="0" smtClean="0"/>
               <a:t>External parties pays for power</a:t>
             </a:r>
-            <a:endParaRPr lang="en-US" sz="1200" dirty="0" smtClean="0"/>
           </a:p>
         </p:txBody>
       </p:sp>

--- a/ENGLISH/POSTER/Pacemakers and implantable cardiac defibrillators.pptx
+++ b/ENGLISH/POSTER/Pacemakers and implantable cardiac defibrillators.pptx
@@ -106,7 +106,7 @@
   </p:defaultTextStyle>
   <p:extLst>
     <p:ext uri="{EFAFB233-063F-42B5-8137-9DF3F51BA10A}">
-      <p15:sldGuideLst xmlns="" xmlns:p15="http://schemas.microsoft.com/office/powerpoint/2012/main">
+      <p15:sldGuideLst xmlns:p15="http://schemas.microsoft.com/office/powerpoint/2012/main">
         <p15:guide id="1" orient="horz" pos="3368">
           <p15:clr>
             <a:srgbClr val="A4A3A4"/>
@@ -3113,6 +3113,129 @@
       </p:grpSpPr>
       <p:sp>
         <p:nvSpPr>
+          <p:cNvPr id="88" name="Rogner un rectangle à un seul coin 87"/>
+          <p:cNvSpPr/>
+          <p:nvPr/>
+        </p:nvSpPr>
+        <p:spPr>
+          <a:xfrm flipH="1">
+            <a:off x="11137563" y="8442598"/>
+            <a:ext cx="3069620" cy="1491128"/>
+          </a:xfrm>
+          <a:prstGeom prst="snip1Rect">
+            <a:avLst>
+              <a:gd name="adj" fmla="val 10279"/>
+            </a:avLst>
+          </a:prstGeom>
+          <a:noFill/>
+          <a:ln w="12700">
+            <a:noFill/>
+          </a:ln>
+          <a:effectLst/>
+          <a:scene3d>
+            <a:camera prst="orthographicFront">
+              <a:rot lat="0" lon="0" rev="0"/>
+            </a:camera>
+            <a:lightRig rig="chilly" dir="t">
+              <a:rot lat="0" lon="0" rev="18480000"/>
+            </a:lightRig>
+          </a:scene3d>
+          <a:sp3d prstMaterial="clear">
+            <a:bevelT h="63500"/>
+          </a:sp3d>
+        </p:spPr>
+        <p:style>
+          <a:lnRef idx="2">
+            <a:schemeClr val="accent1">
+              <a:shade val="50000"/>
+            </a:schemeClr>
+          </a:lnRef>
+          <a:fillRef idx="1">
+            <a:schemeClr val="accent1"/>
+          </a:fillRef>
+          <a:effectRef idx="0">
+            <a:schemeClr val="accent1"/>
+          </a:effectRef>
+          <a:fontRef idx="minor">
+            <a:schemeClr val="lt1"/>
+          </a:fontRef>
+        </p:style>
+        <p:txBody>
+          <a:bodyPr rtlCol="0" anchor="ctr"/>
+          <a:lstStyle/>
+          <a:p>
+            <a:pPr algn="ctr"/>
+            <a:endParaRPr lang="fr-FR"/>
+          </a:p>
+        </p:txBody>
+      </p:sp>
+      <p:sp>
+        <p:nvSpPr>
+          <p:cNvPr id="30" name="ZoneTexte 29"/>
+          <p:cNvSpPr txBox="1"/>
+          <p:nvPr/>
+        </p:nvSpPr>
+        <p:spPr>
+          <a:xfrm>
+            <a:off x="34552" y="3101965"/>
+            <a:ext cx="4430366" cy="1092607"/>
+          </a:xfrm>
+          <a:prstGeom prst="rect">
+            <a:avLst/>
+          </a:prstGeom>
+          <a:noFill/>
+        </p:spPr>
+        <p:txBody>
+          <a:bodyPr wrap="square" rtlCol="0">
+            <a:spAutoFit/>
+          </a:bodyPr>
+          <a:lstStyle/>
+          <a:p>
+            <a:pPr marL="1025362" lvl="1" indent="-285750" defTabSz="720000">
+              <a:buFont typeface="Arial" panose="020B0604020202020204" pitchFamily="34" charset="0"/>
+              <a:buChar char="•"/>
+              <a:tabLst>
+                <a:tab pos="720000" algn="l"/>
+              </a:tabLst>
+            </a:pPr>
+            <a:r>
+              <a:rPr lang="en-US" sz="1200" dirty="0"/>
+              <a:t>Need for Reverse Engineering, Modifications</a:t>
+            </a:r>
+          </a:p>
+          <a:p>
+            <a:pPr marL="1025362" lvl="1" indent="-285750" defTabSz="720000">
+              <a:buFont typeface="Arial" panose="020B0604020202020204" pitchFamily="34" charset="0"/>
+              <a:buChar char="•"/>
+              <a:tabLst>
+                <a:tab pos="720000" algn="l"/>
+              </a:tabLst>
+            </a:pPr>
+            <a:r>
+              <a:rPr lang="en-US" sz="1200" dirty="0"/>
+              <a:t>Easy to get root mode</a:t>
+            </a:r>
+          </a:p>
+          <a:p>
+            <a:pPr marL="1025362" lvl="1" indent="-285750" defTabSz="720000">
+              <a:buFont typeface="Arial" panose="020B0604020202020204" pitchFamily="34" charset="0"/>
+              <a:buChar char="•"/>
+              <a:tabLst>
+                <a:tab pos="720000" algn="l"/>
+              </a:tabLst>
+            </a:pPr>
+            <a:r>
+              <a:rPr lang="en-US" sz="1200" dirty="0"/>
+              <a:t>Problem : difficult to set up</a:t>
+            </a:r>
+          </a:p>
+          <a:p>
+            <a:endParaRPr lang="fr-FR" dirty="0"/>
+          </a:p>
+        </p:txBody>
+      </p:sp>
+      <p:sp>
+        <p:nvSpPr>
           <p:cNvPr id="26" name="ZoneTexte 25"/>
           <p:cNvSpPr txBox="1"/>
           <p:nvPr/>
@@ -3120,7 +3243,7 @@
         <p:spPr>
           <a:xfrm>
             <a:off x="576486" y="2826420"/>
-            <a:ext cx="5400600" cy="7478970"/>
+            <a:ext cx="5400600" cy="6586418"/>
           </a:xfrm>
           <a:prstGeom prst="rect">
             <a:avLst/>
@@ -3133,9 +3256,12 @@
           </a:bodyPr>
           <a:lstStyle/>
           <a:p>
-            <a:pPr marL="342900" indent="-342900">
+            <a:pPr marL="342900" indent="-342900" defTabSz="720000">
               <a:buFont typeface="+mj-lt"/>
               <a:buAutoNum type="arabicPeriod"/>
+              <a:tabLst>
+                <a:tab pos="720000" algn="l"/>
+              </a:tabLst>
             </a:pPr>
             <a:r>
               <a:rPr lang="en-US" sz="1400" b="1" dirty="0" smtClean="0"/>
@@ -3143,46 +3269,52 @@
             </a:r>
           </a:p>
           <a:p>
-            <a:pPr marL="1025362" lvl="1" indent="-285750">
+            <a:pPr marL="1025362" lvl="1" indent="-285750" defTabSz="720000">
               <a:buFont typeface="Arial" panose="020B0604020202020204" pitchFamily="34" charset="0"/>
               <a:buChar char="•"/>
+              <a:tabLst>
+                <a:tab pos="720000" algn="l"/>
+              </a:tabLst>
             </a:pPr>
-            <a:r>
-              <a:rPr lang="en-US" sz="1200" dirty="0" smtClean="0"/>
-              <a:t>Need for Reverse Engineering, Modifications</a:t>
-            </a:r>
-          </a:p>
-          <a:p>
-            <a:pPr marL="1025362" lvl="1" indent="-285750">
+            <a:endParaRPr lang="en-US" sz="1200" b="1" dirty="0" smtClean="0"/>
+          </a:p>
+          <a:p>
+            <a:pPr marL="1025362" lvl="1" indent="-285750" defTabSz="720000">
               <a:buFont typeface="Arial" panose="020B0604020202020204" pitchFamily="34" charset="0"/>
               <a:buChar char="•"/>
+              <a:tabLst>
+                <a:tab pos="720000" algn="l"/>
+              </a:tabLst>
             </a:pPr>
-            <a:r>
-              <a:rPr lang="en-US" sz="1200" dirty="0" smtClean="0"/>
-              <a:t>Easy to get root mode</a:t>
-            </a:r>
-          </a:p>
-          <a:p>
-            <a:pPr marL="1025362" lvl="1" indent="-285750">
+            <a:endParaRPr lang="en-US" sz="1200" b="1" dirty="0"/>
+          </a:p>
+          <a:p>
+            <a:pPr marL="1025362" lvl="1" indent="-285750" defTabSz="720000">
               <a:buFont typeface="Arial" panose="020B0604020202020204" pitchFamily="34" charset="0"/>
               <a:buChar char="•"/>
+              <a:tabLst>
+                <a:tab pos="720000" algn="l"/>
+              </a:tabLst>
             </a:pPr>
-            <a:r>
-              <a:rPr lang="en-US" sz="1200" dirty="0" smtClean="0"/>
-              <a:t>Problem : difficult to set up</a:t>
-            </a:r>
-          </a:p>
-          <a:p>
-            <a:pPr marL="1025362" lvl="1" indent="-285750">
+            <a:endParaRPr lang="en-US" sz="1200" b="1" dirty="0" smtClean="0"/>
+          </a:p>
+          <a:p>
+            <a:pPr marL="1025362" lvl="1" indent="-285750" defTabSz="720000">
               <a:buFont typeface="Arial" panose="020B0604020202020204" pitchFamily="34" charset="0"/>
               <a:buChar char="•"/>
+              <a:tabLst>
+                <a:tab pos="720000" algn="l"/>
+              </a:tabLst>
             </a:pPr>
             <a:endParaRPr lang="en-US" sz="1200" b="1" dirty="0" smtClean="0"/>
           </a:p>
           <a:p>
-            <a:pPr marL="342900" indent="-342900">
+            <a:pPr marL="342900" indent="-342900" defTabSz="720000">
               <a:buFont typeface="+mj-lt"/>
               <a:buAutoNum type="arabicPeriod"/>
+              <a:tabLst>
+                <a:tab pos="720000" algn="l"/>
+              </a:tabLst>
             </a:pPr>
             <a:r>
               <a:rPr lang="en-US" sz="1400" b="1" dirty="0" smtClean="0"/>
@@ -3191,271 +3323,285 @@
             <a:endParaRPr lang="en-US" sz="1400" b="1" dirty="0"/>
           </a:p>
           <a:p>
-            <a:pPr marL="285750" indent="-285750">
+            <a:pPr marL="285750" indent="-285750" defTabSz="720000">
               <a:buFont typeface="+mj-lt"/>
               <a:buAutoNum type="arabicPeriod"/>
+              <a:tabLst>
+                <a:tab pos="720000" algn="l"/>
+              </a:tabLst>
             </a:pPr>
             <a:endParaRPr lang="en-US" sz="1400" b="1" dirty="0" smtClean="0"/>
           </a:p>
           <a:p>
-            <a:pPr marL="285750" indent="-285750">
+            <a:pPr marL="285750" indent="-285750" defTabSz="720000">
               <a:buFont typeface="+mj-lt"/>
               <a:buAutoNum type="arabicPeriod"/>
+              <a:tabLst>
+                <a:tab pos="720000" algn="l"/>
+              </a:tabLst>
             </a:pPr>
             <a:endParaRPr lang="en-US" sz="1400" b="1" dirty="0"/>
           </a:p>
           <a:p>
-            <a:pPr marL="285750" indent="-285750">
+            <a:pPr marL="285750" indent="-285750" defTabSz="720000">
               <a:buFont typeface="+mj-lt"/>
               <a:buAutoNum type="arabicPeriod"/>
+              <a:tabLst>
+                <a:tab pos="720000" algn="l"/>
+              </a:tabLst>
             </a:pPr>
             <a:endParaRPr lang="en-US" sz="1400" b="1" dirty="0" smtClean="0"/>
           </a:p>
           <a:p>
-            <a:pPr marL="285750" indent="-285750">
+            <a:pPr marL="285750" indent="-285750" defTabSz="720000">
               <a:buFont typeface="+mj-lt"/>
               <a:buAutoNum type="arabicPeriod"/>
+              <a:tabLst>
+                <a:tab pos="720000" algn="l"/>
+              </a:tabLst>
             </a:pPr>
             <a:endParaRPr lang="en-US" sz="1400" b="1" dirty="0"/>
           </a:p>
           <a:p>
-            <a:pPr marL="285750" indent="-285750">
+            <a:pPr marL="285750" indent="-285750" defTabSz="720000">
               <a:buFont typeface="+mj-lt"/>
               <a:buAutoNum type="arabicPeriod"/>
+              <a:tabLst>
+                <a:tab pos="720000" algn="l"/>
+              </a:tabLst>
             </a:pPr>
             <a:endParaRPr lang="en-US" sz="1400" b="1" dirty="0" smtClean="0"/>
           </a:p>
           <a:p>
-            <a:pPr marL="1025362" lvl="1" indent="-285750">
+            <a:pPr marL="1025362" lvl="1" indent="-285750" defTabSz="720000">
               <a:buFont typeface="Arial" panose="020B0604020202020204" pitchFamily="34" charset="0"/>
               <a:buChar char="•"/>
+              <a:tabLst>
+                <a:tab pos="720000" algn="l"/>
+              </a:tabLst>
             </a:pPr>
             <a:endParaRPr lang="en-US" sz="1200" b="1" dirty="0" smtClean="0"/>
           </a:p>
           <a:p>
-            <a:pPr marL="1025362" lvl="1" indent="-285750">
+            <a:pPr marL="1025362" lvl="1" indent="-285750" defTabSz="720000">
               <a:buFont typeface="Arial" panose="020B0604020202020204" pitchFamily="34" charset="0"/>
               <a:buChar char="•"/>
+              <a:tabLst>
+                <a:tab pos="720000" algn="l"/>
+              </a:tabLst>
             </a:pPr>
-            <a:r>
-              <a:rPr lang="en-US" sz="1200" dirty="0" smtClean="0"/>
-              <a:t>Total cost : 800 $</a:t>
-            </a:r>
-          </a:p>
-          <a:p>
-            <a:pPr marL="1025362" lvl="1" indent="-285750">
+            <a:endParaRPr lang="en-US" sz="1200" b="1" dirty="0" smtClean="0"/>
+          </a:p>
+          <a:p>
+            <a:pPr marL="1025362" lvl="1" indent="-285750" defTabSz="720000">
               <a:buFont typeface="Arial" panose="020B0604020202020204" pitchFamily="34" charset="0"/>
               <a:buChar char="•"/>
+              <a:tabLst>
+                <a:tab pos="720000" algn="l"/>
+              </a:tabLst>
             </a:pPr>
             <a:endParaRPr lang="en-US" sz="1200" b="1" dirty="0" smtClean="0"/>
           </a:p>
           <a:p>
-            <a:pPr marL="285750" indent="-285750">
+            <a:pPr marL="1025362" lvl="1" indent="-285750" defTabSz="720000">
+              <a:buFont typeface="Arial" panose="020B0604020202020204" pitchFamily="34" charset="0"/>
+              <a:buChar char="•"/>
+              <a:tabLst>
+                <a:tab pos="720000" algn="l"/>
+              </a:tabLst>
+            </a:pPr>
+            <a:endParaRPr lang="en-US" sz="1200" b="1" dirty="0" smtClean="0"/>
+          </a:p>
+          <a:p>
+            <a:pPr marL="285750" indent="-285750" defTabSz="720000">
               <a:buFont typeface="+mj-lt"/>
               <a:buAutoNum type="arabicPeriod"/>
+              <a:tabLst>
+                <a:tab pos="720000" algn="l"/>
+              </a:tabLst>
             </a:pPr>
             <a:r>
               <a:rPr lang="en-US" sz="1400" b="1" dirty="0" smtClean="0"/>
-              <a:t> Eavesdropping on private Information</a:t>
-            </a:r>
-          </a:p>
-          <a:p>
-            <a:pPr marL="1025362" lvl="1" indent="-285750">
+              <a:t> Eavesdropping on private </a:t>
+            </a:r>
+            <a:r>
+              <a:rPr lang="en-US" sz="1400" b="1" dirty="0" smtClean="0"/>
+              <a:t>Information</a:t>
+            </a:r>
+          </a:p>
+          <a:p>
+            <a:pPr marL="285750" indent="-285750" defTabSz="720000">
+              <a:buFont typeface="+mj-lt"/>
+              <a:buAutoNum type="arabicPeriod"/>
+              <a:tabLst>
+                <a:tab pos="720000" algn="l"/>
+              </a:tabLst>
+            </a:pPr>
+            <a:endParaRPr lang="en-US" sz="1400" b="1" dirty="0" smtClean="0"/>
+          </a:p>
+          <a:p>
+            <a:pPr marL="285750" indent="-285750" defTabSz="720000">
+              <a:buFont typeface="+mj-lt"/>
+              <a:buAutoNum type="arabicPeriod"/>
+              <a:tabLst>
+                <a:tab pos="720000" algn="l"/>
+              </a:tabLst>
+            </a:pPr>
+            <a:endParaRPr lang="en-US" sz="1400" b="1" dirty="0"/>
+          </a:p>
+          <a:p>
+            <a:pPr marL="285750" indent="-285750" defTabSz="720000">
+              <a:buFont typeface="+mj-lt"/>
+              <a:buAutoNum type="arabicPeriod"/>
+              <a:tabLst>
+                <a:tab pos="720000" algn="l"/>
+              </a:tabLst>
+            </a:pPr>
+            <a:endParaRPr lang="en-US" sz="1400" b="1" dirty="0" smtClean="0"/>
+          </a:p>
+          <a:p>
+            <a:pPr defTabSz="720000">
+              <a:tabLst>
+                <a:tab pos="720000" algn="l"/>
+              </a:tabLst>
+            </a:pPr>
+            <a:endParaRPr lang="en-US" sz="1200" b="1" dirty="0" smtClean="0"/>
+          </a:p>
+          <a:p>
+            <a:pPr defTabSz="720000">
+              <a:tabLst>
+                <a:tab pos="720000" algn="l"/>
+              </a:tabLst>
+            </a:pPr>
+            <a:endParaRPr lang="en-US" sz="1200" b="1" dirty="0" smtClean="0"/>
+          </a:p>
+          <a:p>
+            <a:pPr marL="342900" indent="-342900" defTabSz="720000">
+              <a:buFont typeface="+mj-lt"/>
+              <a:buAutoNum type="arabicPeriod" startAt="4"/>
+              <a:tabLst>
+                <a:tab pos="720000" algn="l"/>
+              </a:tabLst>
+            </a:pPr>
+            <a:r>
+              <a:rPr lang="en-US" sz="1400" b="1" dirty="0" smtClean="0"/>
+              <a:t>Sniff Vital </a:t>
+            </a:r>
+            <a:r>
+              <a:rPr lang="en-US" sz="1400" b="1" dirty="0" smtClean="0"/>
+              <a:t>Signs</a:t>
+            </a:r>
+          </a:p>
+          <a:p>
+            <a:pPr marL="342900" indent="-342900" defTabSz="720000">
+              <a:buFont typeface="+mj-lt"/>
+              <a:buAutoNum type="arabicPeriod" startAt="4"/>
+              <a:tabLst>
+                <a:tab pos="720000" algn="l"/>
+              </a:tabLst>
+            </a:pPr>
+            <a:endParaRPr lang="en-US" sz="1200" b="1" dirty="0" smtClean="0"/>
+          </a:p>
+          <a:p>
+            <a:pPr marL="1082512" lvl="1" indent="-342900" defTabSz="720000">
               <a:buFont typeface="Arial" panose="020B0604020202020204" pitchFamily="34" charset="0"/>
               <a:buChar char="•"/>
+              <a:tabLst>
+                <a:tab pos="720000" algn="l"/>
+              </a:tabLst>
             </a:pPr>
-            <a:r>
-              <a:rPr lang="en-US" sz="1200" dirty="0" smtClean="0"/>
-              <a:t>What kind ? =&gt; Implanting physician, Diagnosis, Hospital,</a:t>
-            </a:r>
-          </a:p>
-          <a:p>
-            <a:r>
-              <a:rPr lang="en-US" sz="1200" dirty="0" smtClean="0"/>
-              <a:t>Device state, patient name, date of birth, serial N°, etc...</a:t>
-            </a:r>
-          </a:p>
-          <a:p>
-            <a:pPr marL="911062" lvl="1" indent="-171450">
+            <a:endParaRPr lang="en-US" sz="1200" b="1" dirty="0" smtClean="0"/>
+          </a:p>
+          <a:p>
+            <a:pPr marL="1082512" lvl="1" indent="-342900" defTabSz="720000">
               <a:buFont typeface="Arial" panose="020B0604020202020204" pitchFamily="34" charset="0"/>
               <a:buChar char="•"/>
+              <a:tabLst>
+                <a:tab pos="720000" algn="l"/>
+              </a:tabLst>
             </a:pPr>
-            <a:r>
-              <a:rPr lang="en-US" sz="1200" dirty="0" smtClean="0"/>
-              <a:t>    The future holds some promises : devices more sophisticated</a:t>
-            </a:r>
-          </a:p>
-          <a:p>
-            <a:r>
-              <a:rPr lang="en-US" sz="1200" dirty="0" smtClean="0"/>
-              <a:t>ergo a lot more data to be divulged ?</a:t>
-            </a:r>
-          </a:p>
-          <a:p>
-            <a:endParaRPr lang="en-US" sz="1200" b="1" dirty="0" smtClean="0"/>
-          </a:p>
-          <a:p>
-            <a:pPr marL="342900" indent="-342900">
-              <a:buFont typeface="+mj-lt"/>
-              <a:buAutoNum type="arabicPeriod" startAt="4"/>
-            </a:pPr>
-            <a:r>
-              <a:rPr lang="en-US" sz="1400" b="1" dirty="0" smtClean="0"/>
-              <a:t>Sniff Vital Signs</a:t>
-            </a:r>
-          </a:p>
-          <a:p>
-            <a:pPr marL="1082512" lvl="1" indent="-342900">
+            <a:endParaRPr lang="en-US" sz="1200" b="1" dirty="0"/>
+          </a:p>
+          <a:p>
+            <a:pPr marL="1082512" lvl="1" indent="-342900" defTabSz="720000">
               <a:buFont typeface="Arial" panose="020B0604020202020204" pitchFamily="34" charset="0"/>
               <a:buChar char="•"/>
+              <a:tabLst>
+                <a:tab pos="720000" algn="l"/>
+              </a:tabLst>
             </a:pPr>
-            <a:r>
-              <a:rPr lang="en-US" sz="1200" dirty="0" smtClean="0"/>
-              <a:t>Get the vital signs that the ICD emits</a:t>
-            </a:r>
-          </a:p>
-          <a:p>
-            <a:pPr marL="1082512" lvl="1" indent="-342900">
+            <a:endParaRPr lang="en-US" sz="1200" b="1" dirty="0"/>
+          </a:p>
+          <a:p>
+            <a:pPr marL="342900" indent="-342900" defTabSz="720000">
+              <a:buFont typeface="+mj-lt"/>
+              <a:buAutoNum type="arabicPeriod" startAt="5"/>
+              <a:tabLst>
+                <a:tab pos="720000" algn="l"/>
+              </a:tabLst>
+            </a:pPr>
+            <a:r>
+              <a:rPr lang="en-US" sz="1400" b="1" dirty="0" smtClean="0"/>
+              <a:t>Drain energy</a:t>
+            </a:r>
+          </a:p>
+          <a:p>
+            <a:pPr marL="1082512" lvl="1" indent="-342900" defTabSz="720000">
               <a:buFont typeface="Arial" panose="020B0604020202020204" pitchFamily="34" charset="0"/>
               <a:buChar char="•"/>
+              <a:tabLst>
+                <a:tab pos="720000" algn="l"/>
+              </a:tabLst>
             </a:pPr>
-            <a:r>
-              <a:rPr lang="en-US" sz="1200" dirty="0" smtClean="0"/>
-              <a:t>Need to have an Eavesdropping setup</a:t>
-            </a:r>
-          </a:p>
-          <a:p>
-            <a:pPr marL="1082512" lvl="1" indent="-342900">
+            <a:endParaRPr lang="en-US" sz="1200" dirty="0" smtClean="0"/>
+          </a:p>
+          <a:p>
+            <a:pPr marL="1082512" lvl="1" indent="-342900" defTabSz="720000">
               <a:buFont typeface="Arial" panose="020B0604020202020204" pitchFamily="34" charset="0"/>
               <a:buChar char="•"/>
+              <a:tabLst>
+                <a:tab pos="720000" algn="l"/>
+              </a:tabLst>
             </a:pPr>
-            <a:endParaRPr lang="en-US" sz="1200" b="1" dirty="0"/>
-          </a:p>
-          <a:p>
-            <a:pPr marL="342900" indent="-342900">
+            <a:endParaRPr lang="en-US" sz="1200" dirty="0" smtClean="0"/>
+          </a:p>
+          <a:p>
+            <a:pPr marL="1082512" lvl="1" indent="-342900" defTabSz="720000">
+              <a:buFont typeface="Arial" panose="020B0604020202020204" pitchFamily="34" charset="0"/>
+              <a:buChar char="•"/>
+              <a:tabLst>
+                <a:tab pos="720000" algn="l"/>
+              </a:tabLst>
+            </a:pPr>
+            <a:endParaRPr lang="en-US" sz="1200" dirty="0"/>
+          </a:p>
+          <a:p>
+            <a:pPr marL="1082512" lvl="1" indent="-342900" defTabSz="720000">
+              <a:buFont typeface="Arial" panose="020B0604020202020204" pitchFamily="34" charset="0"/>
+              <a:buChar char="•"/>
+              <a:tabLst>
+                <a:tab pos="720000" algn="l"/>
+              </a:tabLst>
+            </a:pPr>
+            <a:endParaRPr lang="en-US" sz="1200" dirty="0" smtClean="0"/>
+          </a:p>
+          <a:p>
+            <a:pPr marL="342900" indent="-342900" defTabSz="720000">
               <a:buFont typeface="+mj-lt"/>
               <a:buAutoNum type="arabicPeriod" startAt="5"/>
+              <a:tabLst>
+                <a:tab pos="720000" algn="l"/>
+              </a:tabLst>
             </a:pPr>
-            <a:r>
-              <a:rPr lang="en-US" sz="1400" b="1" dirty="0" smtClean="0"/>
-              <a:t>Drain energy</a:t>
-            </a:r>
-          </a:p>
-          <a:p>
-            <a:pPr marL="1082512" lvl="1" indent="-342900">
+            <a:endParaRPr lang="en-US" sz="1200" b="1" dirty="0" smtClean="0"/>
+          </a:p>
+          <a:p>
+            <a:pPr marL="911062" lvl="1" indent="-171450" defTabSz="720000">
               <a:buFont typeface="Arial" panose="020B0604020202020204" pitchFamily="34" charset="0"/>
               <a:buChar char="•"/>
-            </a:pPr>
-            <a:r>
-              <a:rPr lang="en-US" sz="1200" dirty="0" smtClean="0"/>
-              <a:t>Send multiple radio signals to the ICD (“Are you sleeping ?”)</a:t>
-            </a:r>
-          </a:p>
-          <a:p>
-            <a:pPr marL="1082512" lvl="1" indent="-342900">
-              <a:buFont typeface="Arial" panose="020B0604020202020204" pitchFamily="34" charset="0"/>
-              <a:buChar char="•"/>
-            </a:pPr>
-            <a:r>
-              <a:rPr lang="en-US" sz="1200" dirty="0" smtClean="0"/>
-              <a:t>=&gt; Battery lifetime decrease</a:t>
-            </a:r>
-          </a:p>
-          <a:p>
-            <a:pPr marL="1082512" lvl="1" indent="-342900">
-              <a:buFont typeface="Arial" panose="020B0604020202020204" pitchFamily="34" charset="0"/>
-              <a:buChar char="•"/>
-            </a:pPr>
-            <a:r>
-              <a:rPr lang="en-US" sz="1200" dirty="0" smtClean="0"/>
-              <a:t>Simple : transmit-only</a:t>
-            </a:r>
-          </a:p>
-          <a:p>
-            <a:pPr marL="1082512" lvl="1" indent="-342900">
-              <a:buFont typeface="Arial" panose="020B0604020202020204" pitchFamily="34" charset="0"/>
-              <a:buChar char="•"/>
-            </a:pPr>
-            <a:endParaRPr lang="en-US" sz="1200" dirty="0" smtClean="0"/>
-          </a:p>
-          <a:p>
-            <a:pPr marL="342900" indent="-342900">
-              <a:buFont typeface="+mj-lt"/>
-              <a:buAutoNum type="arabicPeriod" startAt="6"/>
-            </a:pPr>
-            <a:r>
-              <a:rPr lang="en-US" sz="1400" b="1" dirty="0" smtClean="0"/>
-              <a:t>Turn off therapies</a:t>
-            </a:r>
-          </a:p>
-          <a:p>
-            <a:pPr marL="1082512" lvl="1" indent="-342900">
-              <a:buFont typeface="Arial" panose="020B0604020202020204" pitchFamily="34" charset="0"/>
-              <a:buChar char="•"/>
-            </a:pPr>
-            <a:r>
-              <a:rPr lang="en-US" sz="1200" dirty="0" smtClean="0"/>
-              <a:t>“Stop detecting fibrillation”</a:t>
-            </a:r>
-          </a:p>
-          <a:p>
-            <a:pPr marL="1082512" lvl="1" indent="-342900">
-              <a:buFont typeface="Arial" panose="020B0604020202020204" pitchFamily="34" charset="0"/>
-              <a:buChar char="•"/>
-            </a:pPr>
-            <a:r>
-              <a:rPr lang="en-US" sz="1200" dirty="0" smtClean="0"/>
-              <a:t>Problem : change of the device state</a:t>
-            </a:r>
-          </a:p>
-          <a:p>
-            <a:pPr marL="1082512" lvl="1" indent="-342900">
-              <a:buFont typeface="Arial" panose="020B0604020202020204" pitchFamily="34" charset="0"/>
-              <a:buChar char="•"/>
-            </a:pPr>
-            <a:endParaRPr lang="en-US" sz="1200" dirty="0" smtClean="0"/>
-          </a:p>
-          <a:p>
-            <a:pPr marL="342900" indent="-342900">
-              <a:buFont typeface="+mj-lt"/>
-              <a:buAutoNum type="arabicPeriod" startAt="7"/>
-            </a:pPr>
-            <a:r>
-              <a:rPr lang="en-US" sz="1400" b="1" dirty="0" smtClean="0"/>
-              <a:t>Affect patient’s physiology</a:t>
-            </a:r>
-          </a:p>
-          <a:p>
-            <a:pPr marL="1082512" lvl="1" indent="-342900">
-              <a:buFont typeface="Arial" panose="020B0604020202020204" pitchFamily="34" charset="0"/>
-              <a:buChar char="•"/>
-            </a:pPr>
-            <a:r>
-              <a:rPr lang="en-US" sz="1200" dirty="0" smtClean="0"/>
-              <a:t>Induce fibrillation, flood with drugs</a:t>
-            </a:r>
-          </a:p>
-          <a:p>
-            <a:pPr marL="1082512" lvl="1" indent="-342900">
-              <a:buFont typeface="Arial" panose="020B0604020202020204" pitchFamily="34" charset="0"/>
-              <a:buChar char="•"/>
-            </a:pPr>
-            <a:r>
-              <a:rPr lang="en-US" sz="1200" dirty="0" smtClean="0"/>
-              <a:t>Problem : patient’s safety at great risk</a:t>
-            </a:r>
-          </a:p>
-          <a:p>
-            <a:pPr marL="342900" indent="-342900">
-              <a:buFont typeface="+mj-lt"/>
-              <a:buAutoNum type="arabicPeriod" startAt="5"/>
-            </a:pPr>
-            <a:endParaRPr lang="en-US" sz="1200" b="1" dirty="0" smtClean="0"/>
-          </a:p>
-          <a:p>
-            <a:pPr marL="911062" lvl="1" indent="-171450">
-              <a:buFont typeface="Arial" panose="020B0604020202020204" pitchFamily="34" charset="0"/>
-              <a:buChar char="•"/>
+              <a:tabLst>
+                <a:tab pos="720000" algn="l"/>
+              </a:tabLst>
             </a:pPr>
             <a:endParaRPr lang="en-US" sz="1200" b="1" dirty="0" smtClean="0"/>
           </a:p>
@@ -3576,7 +3722,7 @@
         </p:blipFill>
         <p:spPr bwMode="auto">
           <a:xfrm>
-            <a:off x="6696807" y="5250390"/>
+            <a:off x="6785877" y="5250390"/>
             <a:ext cx="1584535" cy="1320446"/>
           </a:xfrm>
           <a:prstGeom prst="rect">
@@ -3640,7 +3786,7 @@
         </p:blipFill>
         <p:spPr bwMode="auto">
           <a:xfrm>
-            <a:off x="961905" y="4050556"/>
+            <a:off x="961905" y="4105124"/>
             <a:ext cx="1342773" cy="1097560"/>
           </a:xfrm>
           <a:prstGeom prst="rect">
@@ -3683,14 +3829,14 @@
       </p:pic>
       <p:pic>
         <p:nvPicPr>
-          <p:cNvPr id="1030" name="Picture 6" descr="C:\Users\Lily\Desktop\Dossier Line\M1-Info\ENGLISH\POSTER\WISPer test.png"/>
+          <p:cNvPr id="1031" name="Picture 7" descr="C:\Users\Lily\Desktop\Dossier Line\M1-Info\ENGLISH\POSTER\antenna.png"/>
           <p:cNvPicPr>
             <a:picLocks noChangeAspect="1" noChangeArrowheads="1"/>
           </p:cNvPicPr>
           <p:nvPr/>
         </p:nvPicPr>
         <p:blipFill>
-          <a:blip r:embed="rId4" cstate="print">
+          <a:blip r:embed="rId4">
             <a:extLst>
               <a:ext uri="{28A0092B-C50C-407E-A947-70E740481C1C}">
                 <a14:useLocalDpi xmlns:a14="http://schemas.microsoft.com/office/drawing/2010/main" val="0"/>
@@ -3704,8 +3850,8 @@
         </p:blipFill>
         <p:spPr bwMode="auto">
           <a:xfrm>
-            <a:off x="10382716" y="8627788"/>
-            <a:ext cx="1402371" cy="1121897"/>
+            <a:off x="2715598" y="4075447"/>
+            <a:ext cx="595722" cy="1337761"/>
           </a:xfrm>
           <a:prstGeom prst="rect">
             <a:avLst/>
@@ -3724,7 +3870,7 @@
       </p:pic>
       <p:pic>
         <p:nvPicPr>
-          <p:cNvPr id="1031" name="Picture 7" descr="C:\Users\Lily\Desktop\Dossier Line\M1-Info\ENGLISH\POSTER\antenna.png"/>
+          <p:cNvPr id="1032" name="Picture 8" descr="C:\Users\Lily\Desktop\Dossier Line\M1-Info\ENGLISH\POSTER\device programmer.png"/>
           <p:cNvPicPr>
             <a:picLocks noChangeAspect="1" noChangeArrowheads="1"/>
           </p:cNvPicPr>
@@ -3745,8 +3891,8 @@
         </p:blipFill>
         <p:spPr bwMode="auto">
           <a:xfrm>
-            <a:off x="2715598" y="4075447"/>
-            <a:ext cx="595722" cy="1337761"/>
+            <a:off x="6637018" y="7653684"/>
+            <a:ext cx="2093434" cy="2085504"/>
           </a:xfrm>
           <a:prstGeom prst="rect">
             <a:avLst/>
@@ -3765,7 +3911,7 @@
       </p:pic>
       <p:pic>
         <p:nvPicPr>
-          <p:cNvPr id="1032" name="Picture 8" descr="C:\Users\Lily\Desktop\Dossier Line\M1-Info\ENGLISH\POSTER\device programmer.png"/>
+          <p:cNvPr id="1035" name="Picture 11" descr="C:\Users\Lily\Desktop\Dossier Line\M1-Info\ENGLISH\POSTER\human_heart.png"/>
           <p:cNvPicPr>
             <a:picLocks noChangeAspect="1" noChangeArrowheads="1"/>
           </p:cNvPicPr>
@@ -3786,8 +3932,8 @@
         </p:blipFill>
         <p:spPr bwMode="auto">
           <a:xfrm>
-            <a:off x="6547948" y="7653684"/>
-            <a:ext cx="2093434" cy="2085504"/>
+            <a:off x="7076067" y="2744950"/>
+            <a:ext cx="1078321" cy="1521630"/>
           </a:xfrm>
           <a:prstGeom prst="rect">
             <a:avLst/>
@@ -3806,7 +3952,7 @@
       </p:pic>
       <p:pic>
         <p:nvPicPr>
-          <p:cNvPr id="1033" name="Picture 9"/>
+          <p:cNvPr id="3" name="Picture 2" descr="C:\Users\Lily\Desktop\Dossier Line\M1-Info\ENGLISH\POSTER\sword-308836_640.png"/>
           <p:cNvPicPr>
             <a:picLocks noChangeAspect="1" noChangeArrowheads="1"/>
           </p:cNvPicPr>
@@ -3827,7 +3973,1374 @@
         </p:blipFill>
         <p:spPr bwMode="auto">
           <a:xfrm>
-            <a:off x="12372283" y="8898560"/>
+            <a:off x="3744838" y="2103675"/>
+            <a:ext cx="695312" cy="528002"/>
+          </a:xfrm>
+          <a:prstGeom prst="rect">
+            <a:avLst/>
+          </a:prstGeom>
+          <a:noFill/>
+          <a:scene3d>
+            <a:camera prst="orthographicFront">
+              <a:rot lat="0" lon="10800000" rev="0"/>
+            </a:camera>
+            <a:lightRig rig="threePt" dir="t"/>
+          </a:scene3d>
+          <a:extLst>
+            <a:ext uri="{909E8E84-426E-40DD-AFC4-6F175D3DCCD1}">
+              <a14:hiddenFill xmlns:a14="http://schemas.microsoft.com/office/drawing/2010/main">
+                <a:solidFill>
+                  <a:srgbClr val="FFFFFF"/>
+                </a:solidFill>
+              </a14:hiddenFill>
+            </a:ext>
+          </a:extLst>
+        </p:spPr>
+      </p:pic>
+      <p:pic>
+        <p:nvPicPr>
+          <p:cNvPr id="1027" name="Picture 3" descr="C:\Users\Lily\Desktop\Dossier Line\M1-Info\ENGLISH\POSTER\4.png"/>
+          <p:cNvPicPr>
+            <a:picLocks noChangeAspect="1" noChangeArrowheads="1"/>
+          </p:cNvPicPr>
+          <p:nvPr/>
+        </p:nvPicPr>
+        <p:blipFill>
+          <a:blip r:embed="rId8" cstate="print">
+            <a:extLst>
+              <a:ext uri="{28A0092B-C50C-407E-A947-70E740481C1C}">
+                <a14:useLocalDpi xmlns:a14="http://schemas.microsoft.com/office/drawing/2010/main" val="0"/>
+              </a:ext>
+            </a:extLst>
+          </a:blip>
+          <a:srcRect/>
+          <a:stretch>
+            <a:fillRect/>
+          </a:stretch>
+        </p:blipFill>
+        <p:spPr bwMode="auto">
+          <a:xfrm>
+            <a:off x="10622992" y="2103675"/>
+            <a:ext cx="633576" cy="633576"/>
+          </a:xfrm>
+          <a:prstGeom prst="rect">
+            <a:avLst/>
+          </a:prstGeom>
+          <a:noFill/>
+          <a:extLst>
+            <a:ext uri="{909E8E84-426E-40DD-AFC4-6F175D3DCCD1}">
+              <a14:hiddenFill xmlns:a14="http://schemas.microsoft.com/office/drawing/2010/main">
+                <a:solidFill>
+                  <a:srgbClr val="FFFFFF"/>
+                </a:solidFill>
+              </a14:hiddenFill>
+            </a:ext>
+          </a:extLst>
+        </p:spPr>
+      </p:pic>
+      <p:sp>
+        <p:nvSpPr>
+          <p:cNvPr id="8" name="Rectangle à coins arrondis 7"/>
+          <p:cNvSpPr/>
+          <p:nvPr/>
+        </p:nvSpPr>
+        <p:spPr>
+          <a:xfrm>
+            <a:off x="412536" y="2034332"/>
+            <a:ext cx="5924590" cy="8285721"/>
+          </a:xfrm>
+          <a:prstGeom prst="roundRect">
+            <a:avLst/>
+          </a:prstGeom>
+          <a:noFill/>
+          <a:ln w="38100">
+            <a:solidFill>
+              <a:srgbClr val="002060"/>
+            </a:solidFill>
+          </a:ln>
+          <a:effectLst>
+            <a:outerShdw blurRad="50800" dist="38100" dir="8100000" algn="tr" rotWithShape="0">
+              <a:prstClr val="black">
+                <a:alpha val="40000"/>
+              </a:prstClr>
+            </a:outerShdw>
+            <a:softEdge rad="31750"/>
+          </a:effectLst>
+          <a:scene3d>
+            <a:camera prst="orthographicFront"/>
+            <a:lightRig rig="threePt" dir="t"/>
+          </a:scene3d>
+          <a:sp3d>
+            <a:bevelT/>
+          </a:sp3d>
+        </p:spPr>
+        <p:style>
+          <a:lnRef idx="2">
+            <a:schemeClr val="accent1">
+              <a:shade val="50000"/>
+            </a:schemeClr>
+          </a:lnRef>
+          <a:fillRef idx="1">
+            <a:schemeClr val="accent1"/>
+          </a:fillRef>
+          <a:effectRef idx="0">
+            <a:schemeClr val="accent1"/>
+          </a:effectRef>
+          <a:fontRef idx="minor">
+            <a:schemeClr val="lt1"/>
+          </a:fontRef>
+        </p:style>
+        <p:txBody>
+          <a:bodyPr rtlCol="0" anchor="ctr"/>
+          <a:lstStyle/>
+          <a:p>
+            <a:pPr algn="ctr"/>
+            <a:endParaRPr lang="en-US"/>
+          </a:p>
+        </p:txBody>
+      </p:sp>
+      <p:sp>
+        <p:nvSpPr>
+          <p:cNvPr id="17" name="Rectangle à coins arrondis 16"/>
+          <p:cNvSpPr/>
+          <p:nvPr/>
+        </p:nvSpPr>
+        <p:spPr>
+          <a:xfrm>
+            <a:off x="8822792" y="2029531"/>
+            <a:ext cx="5924590" cy="8285721"/>
+          </a:xfrm>
+          <a:prstGeom prst="roundRect">
+            <a:avLst/>
+          </a:prstGeom>
+          <a:noFill/>
+          <a:ln w="38100">
+            <a:solidFill>
+              <a:srgbClr val="002060"/>
+            </a:solidFill>
+          </a:ln>
+          <a:effectLst>
+            <a:outerShdw blurRad="50800" dist="38100" dir="8100000" algn="tr" rotWithShape="0">
+              <a:prstClr val="black">
+                <a:alpha val="40000"/>
+              </a:prstClr>
+            </a:outerShdw>
+            <a:softEdge rad="31750"/>
+          </a:effectLst>
+          <a:scene3d>
+            <a:camera prst="orthographicFront"/>
+            <a:lightRig rig="threePt" dir="t"/>
+          </a:scene3d>
+          <a:sp3d>
+            <a:bevelT/>
+          </a:sp3d>
+        </p:spPr>
+        <p:style>
+          <a:lnRef idx="2">
+            <a:schemeClr val="accent1">
+              <a:shade val="50000"/>
+            </a:schemeClr>
+          </a:lnRef>
+          <a:fillRef idx="1">
+            <a:schemeClr val="accent1"/>
+          </a:fillRef>
+          <a:effectRef idx="0">
+            <a:schemeClr val="accent1"/>
+          </a:effectRef>
+          <a:fontRef idx="minor">
+            <a:schemeClr val="lt1"/>
+          </a:fontRef>
+        </p:style>
+        <p:txBody>
+          <a:bodyPr rtlCol="0" anchor="ctr"/>
+          <a:lstStyle/>
+          <a:p>
+            <a:pPr algn="ctr"/>
+            <a:endParaRPr lang="en-US"/>
+          </a:p>
+        </p:txBody>
+      </p:sp>
+      <p:sp>
+        <p:nvSpPr>
+          <p:cNvPr id="9" name="ZoneTexte 8"/>
+          <p:cNvSpPr txBox="1"/>
+          <p:nvPr/>
+        </p:nvSpPr>
+        <p:spPr>
+          <a:xfrm>
+            <a:off x="1224558" y="2178348"/>
+            <a:ext cx="4140460" cy="400110"/>
+          </a:xfrm>
+          <a:prstGeom prst="rect">
+            <a:avLst/>
+          </a:prstGeom>
+          <a:noFill/>
+        </p:spPr>
+        <p:txBody>
+          <a:bodyPr wrap="square" rtlCol="0">
+            <a:spAutoFit/>
+          </a:bodyPr>
+          <a:lstStyle/>
+          <a:p>
+            <a:pPr algn="ctr"/>
+            <a:r>
+              <a:rPr lang="en-US" sz="2000" b="1" u="sng" dirty="0" smtClean="0">
+                <a:effectLst>
+                  <a:outerShdw blurRad="38100" dist="38100" dir="2700000" algn="tl">
+                    <a:srgbClr val="000000">
+                      <a:alpha val="43137"/>
+                    </a:srgbClr>
+                  </a:outerShdw>
+                </a:effectLst>
+              </a:rPr>
+              <a:t>Attacks</a:t>
+            </a:r>
+            <a:endParaRPr lang="en-US" sz="2000" b="1" u="sng" dirty="0">
+              <a:effectLst>
+                <a:outerShdw blurRad="38100" dist="38100" dir="2700000" algn="tl">
+                  <a:srgbClr val="000000">
+                    <a:alpha val="43137"/>
+                  </a:srgbClr>
+                </a:outerShdw>
+              </a:effectLst>
+            </a:endParaRPr>
+          </a:p>
+        </p:txBody>
+      </p:sp>
+      <p:sp>
+        <p:nvSpPr>
+          <p:cNvPr id="19" name="ZoneTexte 18"/>
+          <p:cNvSpPr txBox="1"/>
+          <p:nvPr/>
+        </p:nvSpPr>
+        <p:spPr>
+          <a:xfrm>
+            <a:off x="9714857" y="2178348"/>
+            <a:ext cx="4140460" cy="400110"/>
+          </a:xfrm>
+          <a:prstGeom prst="rect">
+            <a:avLst/>
+          </a:prstGeom>
+          <a:noFill/>
+        </p:spPr>
+        <p:txBody>
+          <a:bodyPr wrap="square" rtlCol="0">
+            <a:spAutoFit/>
+          </a:bodyPr>
+          <a:lstStyle/>
+          <a:p>
+            <a:pPr algn="ctr"/>
+            <a:r>
+              <a:rPr lang="en-US" sz="2000" b="1" u="sng" dirty="0" smtClean="0">
+                <a:effectLst>
+                  <a:outerShdw blurRad="38100" dist="38100" dir="2700000" algn="tl">
+                    <a:srgbClr val="000000">
+                      <a:alpha val="43137"/>
+                    </a:srgbClr>
+                  </a:outerShdw>
+                </a:effectLst>
+              </a:rPr>
+              <a:t>Defense</a:t>
+            </a:r>
+            <a:endParaRPr lang="en-US" sz="2000" b="1" u="sng" dirty="0">
+              <a:effectLst>
+                <a:outerShdw blurRad="38100" dist="38100" dir="2700000" algn="tl">
+                  <a:srgbClr val="000000">
+                    <a:alpha val="43137"/>
+                  </a:srgbClr>
+                </a:outerShdw>
+              </a:effectLst>
+            </a:endParaRPr>
+          </a:p>
+        </p:txBody>
+      </p:sp>
+      <p:pic>
+        <p:nvPicPr>
+          <p:cNvPr id="4" name="Image 3"/>
+          <p:cNvPicPr>
+            <a:picLocks noChangeAspect="1"/>
+          </p:cNvPicPr>
+          <p:nvPr/>
+        </p:nvPicPr>
+        <p:blipFill>
+          <a:blip r:embed="rId9">
+            <a:extLst>
+              <a:ext uri="{28A0092B-C50C-407E-A947-70E740481C1C}">
+                <a14:useLocalDpi xmlns:a14="http://schemas.microsoft.com/office/drawing/2010/main" val="0"/>
+              </a:ext>
+            </a:extLst>
+          </a:blip>
+          <a:stretch>
+            <a:fillRect/>
+          </a:stretch>
+        </p:blipFill>
+        <p:spPr>
+          <a:xfrm rot="2115440">
+            <a:off x="6748722" y="6426352"/>
+            <a:ext cx="1687808" cy="1554686"/>
+          </a:xfrm>
+          <a:prstGeom prst="rect">
+            <a:avLst/>
+          </a:prstGeom>
+        </p:spPr>
+      </p:pic>
+      <p:sp>
+        <p:nvSpPr>
+          <p:cNvPr id="5" name="ZoneTexte 4"/>
+          <p:cNvSpPr txBox="1"/>
+          <p:nvPr/>
+        </p:nvSpPr>
+        <p:spPr>
+          <a:xfrm>
+            <a:off x="6785877" y="4986660"/>
+            <a:ext cx="1584535" cy="338554"/>
+          </a:xfrm>
+          <a:prstGeom prst="rect">
+            <a:avLst/>
+          </a:prstGeom>
+          <a:noFill/>
+        </p:spPr>
+        <p:txBody>
+          <a:bodyPr wrap="square" rtlCol="0">
+            <a:spAutoFit/>
+          </a:bodyPr>
+          <a:lstStyle/>
+          <a:p>
+            <a:pPr algn="ctr"/>
+            <a:r>
+              <a:rPr lang="fr-FR" sz="1600" b="1" dirty="0" smtClean="0"/>
+              <a:t>ICD</a:t>
+            </a:r>
+            <a:endParaRPr lang="fr-FR" sz="1600" b="1" dirty="0"/>
+          </a:p>
+        </p:txBody>
+      </p:sp>
+      <p:sp>
+        <p:nvSpPr>
+          <p:cNvPr id="6" name="Flèche droite 5"/>
+          <p:cNvSpPr/>
+          <p:nvPr/>
+        </p:nvSpPr>
+        <p:spPr>
+          <a:xfrm rot="-5400000">
+            <a:off x="7343469" y="4459807"/>
+            <a:ext cx="524656" cy="282217"/>
+          </a:xfrm>
+          <a:prstGeom prst="rightArrow">
+            <a:avLst/>
+          </a:prstGeom>
+          <a:solidFill>
+            <a:schemeClr val="accent1"/>
+          </a:solidFill>
+          <a:ln>
+            <a:solidFill>
+              <a:schemeClr val="tx1"/>
+            </a:solidFill>
+          </a:ln>
+        </p:spPr>
+        <p:style>
+          <a:lnRef idx="2">
+            <a:schemeClr val="accent1">
+              <a:shade val="50000"/>
+            </a:schemeClr>
+          </a:lnRef>
+          <a:fillRef idx="1">
+            <a:schemeClr val="accent1"/>
+          </a:fillRef>
+          <a:effectRef idx="0">
+            <a:schemeClr val="accent1"/>
+          </a:effectRef>
+          <a:fontRef idx="minor">
+            <a:schemeClr val="lt1"/>
+          </a:fontRef>
+        </p:style>
+        <p:txBody>
+          <a:bodyPr rtlCol="0" anchor="ctr"/>
+          <a:lstStyle/>
+          <a:p>
+            <a:pPr algn="ctr"/>
+            <a:endParaRPr lang="fr-FR"/>
+          </a:p>
+        </p:txBody>
+      </p:sp>
+      <p:pic>
+        <p:nvPicPr>
+          <p:cNvPr id="39" name="Image 38"/>
+          <p:cNvPicPr>
+            <a:picLocks noChangeAspect="1"/>
+          </p:cNvPicPr>
+          <p:nvPr/>
+        </p:nvPicPr>
+        <p:blipFill>
+          <a:blip r:embed="rId10" cstate="print">
+            <a:extLst>
+              <a:ext uri="{28A0092B-C50C-407E-A947-70E740481C1C}">
+                <a14:useLocalDpi xmlns:a14="http://schemas.microsoft.com/office/drawing/2010/main" val="0"/>
+              </a:ext>
+            </a:extLst>
+          </a:blip>
+          <a:stretch>
+            <a:fillRect/>
+          </a:stretch>
+        </p:blipFill>
+        <p:spPr>
+          <a:xfrm>
+            <a:off x="5103023" y="3115743"/>
+            <a:ext cx="730047" cy="570564"/>
+          </a:xfrm>
+          <a:prstGeom prst="rect">
+            <a:avLst/>
+          </a:prstGeom>
+        </p:spPr>
+      </p:pic>
+      <p:pic>
+        <p:nvPicPr>
+          <p:cNvPr id="48" name="Picture 8" descr="C:\Users\Lily\Desktop\Dossier Line\M1-Info\ENGLISH\POSTER\device programmer.png"/>
+          <p:cNvPicPr>
+            <a:picLocks noChangeAspect="1" noChangeArrowheads="1"/>
+          </p:cNvPicPr>
+          <p:nvPr/>
+        </p:nvPicPr>
+        <p:blipFill>
+          <a:blip r:embed="rId11" cstate="print">
+            <a:extLst>
+              <a:ext uri="{28A0092B-C50C-407E-A947-70E740481C1C}">
+                <a14:useLocalDpi xmlns:a14="http://schemas.microsoft.com/office/drawing/2010/main" val="0"/>
+              </a:ext>
+            </a:extLst>
+          </a:blip>
+          <a:srcRect/>
+          <a:stretch>
+            <a:fillRect/>
+          </a:stretch>
+        </p:blipFill>
+        <p:spPr bwMode="auto">
+          <a:xfrm>
+            <a:off x="4418145" y="3155335"/>
+            <a:ext cx="468854" cy="467078"/>
+          </a:xfrm>
+          <a:prstGeom prst="rect">
+            <a:avLst/>
+          </a:prstGeom>
+          <a:noFill/>
+          <a:extLst>
+            <a:ext uri="{909E8E84-426E-40DD-AFC4-6F175D3DCCD1}">
+              <a14:hiddenFill xmlns:a14="http://schemas.microsoft.com/office/drawing/2010/main">
+                <a:solidFill>
+                  <a:srgbClr val="FFFFFF"/>
+                </a:solidFill>
+              </a14:hiddenFill>
+            </a:ext>
+          </a:extLst>
+        </p:spPr>
+      </p:pic>
+      <p:cxnSp>
+        <p:nvCxnSpPr>
+          <p:cNvPr id="41" name="Connecteur droit avec flèche 40"/>
+          <p:cNvCxnSpPr/>
+          <p:nvPr/>
+        </p:nvCxnSpPr>
+        <p:spPr>
+          <a:xfrm>
+            <a:off x="4166831" y="3480155"/>
+            <a:ext cx="300738" cy="0"/>
+          </a:xfrm>
+          <a:prstGeom prst="straightConnector1">
+            <a:avLst/>
+          </a:prstGeom>
+          <a:ln w="28575">
+            <a:solidFill>
+              <a:schemeClr val="tx1"/>
+            </a:solidFill>
+            <a:tailEnd type="triangle"/>
+          </a:ln>
+        </p:spPr>
+        <p:style>
+          <a:lnRef idx="1">
+            <a:schemeClr val="accent1"/>
+          </a:lnRef>
+          <a:fillRef idx="0">
+            <a:schemeClr val="accent1"/>
+          </a:fillRef>
+          <a:effectRef idx="0">
+            <a:schemeClr val="accent1"/>
+          </a:effectRef>
+          <a:fontRef idx="minor">
+            <a:schemeClr val="tx1"/>
+          </a:fontRef>
+        </p:style>
+      </p:cxnSp>
+      <p:cxnSp>
+        <p:nvCxnSpPr>
+          <p:cNvPr id="51" name="Connecteur droit avec flèche 50"/>
+          <p:cNvCxnSpPr/>
+          <p:nvPr/>
+        </p:nvCxnSpPr>
+        <p:spPr>
+          <a:xfrm>
+            <a:off x="4899617" y="3470283"/>
+            <a:ext cx="300738" cy="0"/>
+          </a:xfrm>
+          <a:prstGeom prst="straightConnector1">
+            <a:avLst/>
+          </a:prstGeom>
+          <a:ln w="28575">
+            <a:solidFill>
+              <a:schemeClr val="tx1"/>
+            </a:solidFill>
+            <a:tailEnd type="triangle"/>
+          </a:ln>
+        </p:spPr>
+        <p:style>
+          <a:lnRef idx="1">
+            <a:schemeClr val="accent1"/>
+          </a:lnRef>
+          <a:fillRef idx="0">
+            <a:schemeClr val="accent1"/>
+          </a:fillRef>
+          <a:effectRef idx="0">
+            <a:schemeClr val="accent1"/>
+          </a:effectRef>
+          <a:fontRef idx="minor">
+            <a:schemeClr val="tx1"/>
+          </a:fontRef>
+        </p:style>
+      </p:cxnSp>
+      <p:pic>
+        <p:nvPicPr>
+          <p:cNvPr id="42" name="Image 41"/>
+          <p:cNvPicPr>
+            <a:picLocks noChangeAspect="1"/>
+          </p:cNvPicPr>
+          <p:nvPr/>
+        </p:nvPicPr>
+        <p:blipFill>
+          <a:blip r:embed="rId12">
+            <a:extLst>
+              <a:ext uri="{BEBA8EAE-BF5A-486C-A8C5-ECC9F3942E4B}">
+                <a14:imgProps xmlns:a14="http://schemas.microsoft.com/office/drawing/2010/main">
+                  <a14:imgLayer r:embed="rId13">
+                    <a14:imgEffect>
+                      <a14:artisticCrisscrossEtching/>
+                    </a14:imgEffect>
+                  </a14:imgLayer>
+                </a14:imgProps>
+              </a:ext>
+              <a:ext uri="{28A0092B-C50C-407E-A947-70E740481C1C}">
+                <a14:useLocalDpi xmlns:a14="http://schemas.microsoft.com/office/drawing/2010/main" val="0"/>
+              </a:ext>
+            </a:extLst>
+          </a:blip>
+          <a:stretch>
+            <a:fillRect/>
+          </a:stretch>
+        </p:blipFill>
+        <p:spPr>
+          <a:xfrm rot="826688">
+            <a:off x="2960670" y="5020892"/>
+            <a:ext cx="4113802" cy="848989"/>
+          </a:xfrm>
+          <a:prstGeom prst="rect">
+            <a:avLst/>
+          </a:prstGeom>
+          <a:effectLst>
+            <a:softEdge rad="0"/>
+          </a:effectLst>
+        </p:spPr>
+      </p:pic>
+      <p:pic>
+        <p:nvPicPr>
+          <p:cNvPr id="44" name="Image 43"/>
+          <p:cNvPicPr>
+            <a:picLocks noChangeAspect="1"/>
+          </p:cNvPicPr>
+          <p:nvPr/>
+        </p:nvPicPr>
+        <p:blipFill>
+          <a:blip r:embed="rId14" cstate="print">
+            <a:extLst>
+              <a:ext uri="{28A0092B-C50C-407E-A947-70E740481C1C}">
+                <a14:useLocalDpi xmlns:a14="http://schemas.microsoft.com/office/drawing/2010/main" val="0"/>
+              </a:ext>
+            </a:extLst>
+          </a:blip>
+          <a:stretch>
+            <a:fillRect/>
+          </a:stretch>
+        </p:blipFill>
+        <p:spPr>
+          <a:xfrm>
+            <a:off x="4176886" y="7023971"/>
+            <a:ext cx="1467687" cy="915017"/>
+          </a:xfrm>
+          <a:prstGeom prst="rect">
+            <a:avLst/>
+          </a:prstGeom>
+        </p:spPr>
+      </p:pic>
+      <p:pic>
+        <p:nvPicPr>
+          <p:cNvPr id="46" name="Image 45"/>
+          <p:cNvPicPr>
+            <a:picLocks noChangeAspect="1"/>
+          </p:cNvPicPr>
+          <p:nvPr/>
+        </p:nvPicPr>
+        <p:blipFill>
+          <a:blip r:embed="rId15">
+            <a:extLst>
+              <a:ext uri="{28A0092B-C50C-407E-A947-70E740481C1C}">
+                <a14:useLocalDpi xmlns:a14="http://schemas.microsoft.com/office/drawing/2010/main" val="0"/>
+              </a:ext>
+            </a:extLst>
+          </a:blip>
+          <a:stretch>
+            <a:fillRect/>
+          </a:stretch>
+        </p:blipFill>
+        <p:spPr>
+          <a:xfrm>
+            <a:off x="5236740" y="6190530"/>
+            <a:ext cx="668338" cy="668338"/>
+          </a:xfrm>
+          <a:prstGeom prst="rect">
+            <a:avLst/>
+          </a:prstGeom>
+        </p:spPr>
+      </p:pic>
+      <p:pic>
+        <p:nvPicPr>
+          <p:cNvPr id="47" name="Image 46"/>
+          <p:cNvPicPr>
+            <a:picLocks noChangeAspect="1"/>
+          </p:cNvPicPr>
+          <p:nvPr/>
+        </p:nvPicPr>
+        <p:blipFill>
+          <a:blip r:embed="rId16" cstate="print">
+            <a:extLst>
+              <a:ext uri="{28A0092B-C50C-407E-A947-70E740481C1C}">
+                <a14:useLocalDpi xmlns:a14="http://schemas.microsoft.com/office/drawing/2010/main" val="0"/>
+              </a:ext>
+            </a:extLst>
+          </a:blip>
+          <a:stretch>
+            <a:fillRect/>
+          </a:stretch>
+        </p:blipFill>
+        <p:spPr>
+          <a:xfrm flipH="1">
+            <a:off x="2376686" y="9034969"/>
+            <a:ext cx="227136" cy="200163"/>
+          </a:xfrm>
+          <a:prstGeom prst="rect">
+            <a:avLst/>
+          </a:prstGeom>
+        </p:spPr>
+      </p:pic>
+      <p:pic>
+        <p:nvPicPr>
+          <p:cNvPr id="59" name="Image 58"/>
+          <p:cNvPicPr>
+            <a:picLocks noChangeAspect="1"/>
+          </p:cNvPicPr>
+          <p:nvPr/>
+        </p:nvPicPr>
+        <p:blipFill>
+          <a:blip r:embed="rId16" cstate="print">
+            <a:extLst>
+              <a:ext uri="{28A0092B-C50C-407E-A947-70E740481C1C}">
+                <a14:useLocalDpi xmlns:a14="http://schemas.microsoft.com/office/drawing/2010/main" val="0"/>
+              </a:ext>
+            </a:extLst>
+          </a:blip>
+          <a:stretch>
+            <a:fillRect/>
+          </a:stretch>
+        </p:blipFill>
+        <p:spPr>
+          <a:xfrm flipH="1">
+            <a:off x="5600567" y="9019108"/>
+            <a:ext cx="227136" cy="200163"/>
+          </a:xfrm>
+          <a:prstGeom prst="rect">
+            <a:avLst/>
+          </a:prstGeom>
+        </p:spPr>
+      </p:pic>
+      <p:sp>
+        <p:nvSpPr>
+          <p:cNvPr id="49" name="ZoneTexte 48"/>
+          <p:cNvSpPr txBox="1"/>
+          <p:nvPr/>
+        </p:nvSpPr>
+        <p:spPr>
+          <a:xfrm>
+            <a:off x="9057841" y="2831920"/>
+            <a:ext cx="5560205" cy="2492990"/>
+          </a:xfrm>
+          <a:prstGeom prst="rect">
+            <a:avLst/>
+          </a:prstGeom>
+          <a:noFill/>
+        </p:spPr>
+        <p:txBody>
+          <a:bodyPr wrap="square" rtlCol="0">
+            <a:spAutoFit/>
+          </a:bodyPr>
+          <a:lstStyle/>
+          <a:p>
+            <a:r>
+              <a:rPr lang="en-US" sz="1400" b="1" dirty="0" smtClean="0"/>
+              <a:t>Solutions </a:t>
+            </a:r>
+            <a:r>
+              <a:rPr lang="en-US" sz="1400" b="1" dirty="0" smtClean="0"/>
+              <a:t>?</a:t>
+            </a:r>
+          </a:p>
+          <a:p>
+            <a:endParaRPr lang="en-US" sz="800" b="1" dirty="0" smtClean="0"/>
+          </a:p>
+          <a:p>
+            <a:pPr marL="1025362" lvl="1" indent="-285750">
+              <a:buFont typeface="Arial" panose="020B0604020202020204" pitchFamily="34" charset="0"/>
+              <a:buChar char="•"/>
+            </a:pPr>
+            <a:r>
+              <a:rPr lang="en-US" sz="1200" dirty="0" smtClean="0"/>
+              <a:t>Authenticate device programmers ?</a:t>
+            </a:r>
+          </a:p>
+          <a:p>
+            <a:pPr marL="1025362" lvl="1" indent="-285750">
+              <a:buFont typeface="Arial" panose="020B0604020202020204" pitchFamily="34" charset="0"/>
+              <a:buChar char="•"/>
+            </a:pPr>
+            <a:r>
+              <a:rPr lang="en-US" sz="1200" dirty="0" smtClean="0"/>
+              <a:t>Encryption ? Passwords ?</a:t>
+            </a:r>
+          </a:p>
+          <a:p>
+            <a:r>
+              <a:rPr lang="en-US" sz="1400" b="1" dirty="0" smtClean="0"/>
+              <a:t>Problems</a:t>
+            </a:r>
+          </a:p>
+          <a:p>
+            <a:endParaRPr lang="en-US" sz="800" b="1" dirty="0" smtClean="0"/>
+          </a:p>
+          <a:p>
+            <a:pPr marL="1025362" lvl="1" indent="-285750">
+              <a:buFont typeface="Arial" panose="020B0604020202020204" pitchFamily="34" charset="0"/>
+              <a:buChar char="•"/>
+            </a:pPr>
+            <a:r>
+              <a:rPr lang="en-US" sz="1200" dirty="0" smtClean="0"/>
+              <a:t>Need emergency access !</a:t>
+            </a:r>
+          </a:p>
+          <a:p>
+            <a:pPr marL="1025362" lvl="1" indent="-285750">
+              <a:buFont typeface="Arial" panose="020B0604020202020204" pitchFamily="34" charset="0"/>
+              <a:buChar char="•"/>
+            </a:pPr>
+            <a:r>
+              <a:rPr lang="en-US" sz="1200" dirty="0" smtClean="0"/>
+              <a:t>Patient’s health : top priority</a:t>
+            </a:r>
+          </a:p>
+          <a:p>
+            <a:pPr marL="1025362" lvl="1" indent="-285750">
+              <a:buFont typeface="Arial" panose="020B0604020202020204" pitchFamily="34" charset="0"/>
+              <a:buChar char="•"/>
+            </a:pPr>
+            <a:endParaRPr lang="en-US" sz="1200" dirty="0"/>
+          </a:p>
+          <a:p>
+            <a:r>
+              <a:rPr lang="en-US" sz="1400" b="1" dirty="0" smtClean="0"/>
+              <a:t>Prototypes defenses VS </a:t>
+            </a:r>
+            <a:r>
+              <a:rPr lang="en-US" sz="1400" b="1" u="sng" dirty="0" smtClean="0"/>
+              <a:t>some</a:t>
+            </a:r>
+            <a:r>
+              <a:rPr lang="en-US" sz="1400" b="1" dirty="0" smtClean="0"/>
+              <a:t> of the </a:t>
+            </a:r>
+            <a:r>
+              <a:rPr lang="en-US" sz="1400" b="1" dirty="0" smtClean="0"/>
+              <a:t>attacks</a:t>
+            </a:r>
+          </a:p>
+          <a:p>
+            <a:endParaRPr lang="en-US" sz="800" b="1" dirty="0" smtClean="0"/>
+          </a:p>
+          <a:p>
+            <a:pPr marL="1025362" lvl="1" indent="-285750">
+              <a:buFont typeface="Arial" panose="020B0604020202020204" pitchFamily="34" charset="0"/>
+              <a:buChar char="•"/>
+            </a:pPr>
+            <a:r>
+              <a:rPr lang="en-US" sz="1200" dirty="0" smtClean="0"/>
+              <a:t>Idea : defend without using battery</a:t>
+            </a:r>
+          </a:p>
+          <a:p>
+            <a:pPr marL="1025362" lvl="1" indent="-285750">
+              <a:buFont typeface="Arial" panose="020B0604020202020204" pitchFamily="34" charset="0"/>
+              <a:buChar char="•"/>
+            </a:pPr>
+            <a:r>
+              <a:rPr lang="en-US" sz="1200" dirty="0" smtClean="0"/>
+              <a:t>External parties pays for </a:t>
+            </a:r>
+            <a:r>
+              <a:rPr lang="en-US" sz="1200" dirty="0" smtClean="0"/>
+              <a:t>power</a:t>
+            </a:r>
+            <a:endParaRPr lang="en-US" sz="1200" dirty="0" smtClean="0"/>
+          </a:p>
+        </p:txBody>
+      </p:sp>
+      <p:pic>
+        <p:nvPicPr>
+          <p:cNvPr id="61" name="Picture 2" descr="C:\Users\Lily\Desktop\Dossier Line\M1-Info\ENGLISH\POSTER\sword-308836_640.png"/>
+          <p:cNvPicPr>
+            <a:picLocks noChangeAspect="1" noChangeArrowheads="1"/>
+          </p:cNvPicPr>
+          <p:nvPr/>
+        </p:nvPicPr>
+        <p:blipFill>
+          <a:blip r:embed="rId7" cstate="print">
+            <a:extLst>
+              <a:ext uri="{28A0092B-C50C-407E-A947-70E740481C1C}">
+                <a14:useLocalDpi xmlns:a14="http://schemas.microsoft.com/office/drawing/2010/main" val="0"/>
+              </a:ext>
+            </a:extLst>
+          </a:blip>
+          <a:srcRect/>
+          <a:stretch>
+            <a:fillRect/>
+          </a:stretch>
+        </p:blipFill>
+        <p:spPr bwMode="auto">
+          <a:xfrm>
+            <a:off x="2174326" y="2114402"/>
+            <a:ext cx="695312" cy="528002"/>
+          </a:xfrm>
+          <a:prstGeom prst="rect">
+            <a:avLst/>
+          </a:prstGeom>
+          <a:noFill/>
+          <a:extLst>
+            <a:ext uri="{909E8E84-426E-40DD-AFC4-6F175D3DCCD1}">
+              <a14:hiddenFill xmlns:a14="http://schemas.microsoft.com/office/drawing/2010/main">
+                <a:solidFill>
+                  <a:srgbClr val="FFFFFF"/>
+                </a:solidFill>
+              </a14:hiddenFill>
+            </a:ext>
+          </a:extLst>
+        </p:spPr>
+      </p:pic>
+      <p:pic>
+        <p:nvPicPr>
+          <p:cNvPr id="63" name="Picture 3" descr="C:\Users\Lily\Desktop\Dossier Line\M1-Info\ENGLISH\POSTER\4.png"/>
+          <p:cNvPicPr>
+            <a:picLocks noChangeAspect="1" noChangeArrowheads="1"/>
+          </p:cNvPicPr>
+          <p:nvPr/>
+        </p:nvPicPr>
+        <p:blipFill>
+          <a:blip r:embed="rId8" cstate="print">
+            <a:extLst>
+              <a:ext uri="{28A0092B-C50C-407E-A947-70E740481C1C}">
+                <a14:useLocalDpi xmlns:a14="http://schemas.microsoft.com/office/drawing/2010/main" val="0"/>
+              </a:ext>
+            </a:extLst>
+          </a:blip>
+          <a:srcRect/>
+          <a:stretch>
+            <a:fillRect/>
+          </a:stretch>
+        </p:blipFill>
+        <p:spPr bwMode="auto">
+          <a:xfrm>
+            <a:off x="12368399" y="2103675"/>
+            <a:ext cx="633576" cy="633576"/>
+          </a:xfrm>
+          <a:prstGeom prst="rect">
+            <a:avLst/>
+          </a:prstGeom>
+          <a:noFill/>
+          <a:extLst>
+            <a:ext uri="{909E8E84-426E-40DD-AFC4-6F175D3DCCD1}">
+              <a14:hiddenFill xmlns:a14="http://schemas.microsoft.com/office/drawing/2010/main">
+                <a:solidFill>
+                  <a:srgbClr val="FFFFFF"/>
+                </a:solidFill>
+              </a14:hiddenFill>
+            </a:ext>
+          </a:extLst>
+        </p:spPr>
+      </p:pic>
+      <p:pic>
+        <p:nvPicPr>
+          <p:cNvPr id="50" name="Image 49"/>
+          <p:cNvPicPr>
+            <a:picLocks noChangeAspect="1"/>
+          </p:cNvPicPr>
+          <p:nvPr/>
+        </p:nvPicPr>
+        <p:blipFill>
+          <a:blip r:embed="rId17" cstate="print">
+            <a:extLst>
+              <a:ext uri="{28A0092B-C50C-407E-A947-70E740481C1C}">
+                <a14:useLocalDpi xmlns:a14="http://schemas.microsoft.com/office/drawing/2010/main" val="0"/>
+              </a:ext>
+            </a:extLst>
+          </a:blip>
+          <a:stretch>
+            <a:fillRect/>
+          </a:stretch>
+        </p:blipFill>
+        <p:spPr>
+          <a:xfrm>
+            <a:off x="12817846" y="5241044"/>
+            <a:ext cx="1389337" cy="537704"/>
+          </a:xfrm>
+          <a:prstGeom prst="rect">
+            <a:avLst/>
+          </a:prstGeom>
+        </p:spPr>
+      </p:pic>
+      <p:pic>
+        <p:nvPicPr>
+          <p:cNvPr id="53" name="Image 52"/>
+          <p:cNvPicPr>
+            <a:picLocks noChangeAspect="1"/>
+          </p:cNvPicPr>
+          <p:nvPr/>
+        </p:nvPicPr>
+        <p:blipFill>
+          <a:blip r:embed="rId18">
+            <a:extLst>
+              <a:ext uri="{28A0092B-C50C-407E-A947-70E740481C1C}">
+                <a14:useLocalDpi xmlns:a14="http://schemas.microsoft.com/office/drawing/2010/main" val="0"/>
+              </a:ext>
+            </a:extLst>
+          </a:blip>
+          <a:stretch>
+            <a:fillRect/>
+          </a:stretch>
+        </p:blipFill>
+        <p:spPr>
+          <a:xfrm>
+            <a:off x="9273880" y="8334866"/>
+            <a:ext cx="1775417" cy="1639855"/>
+          </a:xfrm>
+          <a:prstGeom prst="rect">
+            <a:avLst/>
+          </a:prstGeom>
+        </p:spPr>
+      </p:pic>
+      <p:sp>
+        <p:nvSpPr>
+          <p:cNvPr id="54" name="ZoneTexte 53"/>
+          <p:cNvSpPr txBox="1"/>
+          <p:nvPr/>
+        </p:nvSpPr>
+        <p:spPr>
+          <a:xfrm>
+            <a:off x="6642220" y="9595172"/>
+            <a:ext cx="1944575" cy="338554"/>
+          </a:xfrm>
+          <a:prstGeom prst="rect">
+            <a:avLst/>
+          </a:prstGeom>
+          <a:noFill/>
+        </p:spPr>
+        <p:txBody>
+          <a:bodyPr wrap="square" rtlCol="0">
+            <a:spAutoFit/>
+          </a:bodyPr>
+          <a:lstStyle/>
+          <a:p>
+            <a:r>
+              <a:rPr lang="fr-FR" sz="1600" b="1" dirty="0" err="1" smtClean="0"/>
+              <a:t>Device</a:t>
+            </a:r>
+            <a:r>
+              <a:rPr lang="fr-FR" sz="1600" b="1" dirty="0" smtClean="0"/>
+              <a:t> Programmer</a:t>
+            </a:r>
+            <a:endParaRPr lang="fr-FR" sz="1600" b="1" dirty="0"/>
+          </a:p>
+        </p:txBody>
+      </p:sp>
+      <p:sp>
+        <p:nvSpPr>
+          <p:cNvPr id="55" name="ZoneTexte 54"/>
+          <p:cNvSpPr txBox="1"/>
+          <p:nvPr/>
+        </p:nvSpPr>
+        <p:spPr>
+          <a:xfrm>
+            <a:off x="7650332" y="6993592"/>
+            <a:ext cx="936104" cy="369332"/>
+          </a:xfrm>
+          <a:prstGeom prst="rect">
+            <a:avLst/>
+          </a:prstGeom>
+          <a:noFill/>
+        </p:spPr>
+        <p:txBody>
+          <a:bodyPr wrap="square" rtlCol="0">
+            <a:spAutoFit/>
+          </a:bodyPr>
+          <a:lstStyle/>
+          <a:p>
+            <a:r>
+              <a:rPr lang="fr-FR" sz="1800" dirty="0" smtClean="0"/>
+              <a:t>control</a:t>
+            </a:r>
+            <a:endParaRPr lang="fr-FR" sz="1800" dirty="0"/>
+          </a:p>
+        </p:txBody>
+      </p:sp>
+      <p:pic>
+        <p:nvPicPr>
+          <p:cNvPr id="56" name="Image 55"/>
+          <p:cNvPicPr>
+            <a:picLocks noChangeAspect="1"/>
+          </p:cNvPicPr>
+          <p:nvPr/>
+        </p:nvPicPr>
+        <p:blipFill>
+          <a:blip r:embed="rId19" cstate="print">
+            <a:extLst>
+              <a:ext uri="{28A0092B-C50C-407E-A947-70E740481C1C}">
+                <a14:useLocalDpi xmlns:a14="http://schemas.microsoft.com/office/drawing/2010/main" val="0"/>
+              </a:ext>
+            </a:extLst>
+          </a:blip>
+          <a:stretch>
+            <a:fillRect/>
+          </a:stretch>
+        </p:blipFill>
+        <p:spPr>
+          <a:xfrm>
+            <a:off x="4110378" y="8016496"/>
+            <a:ext cx="1002612" cy="1002612"/>
+          </a:xfrm>
+          <a:prstGeom prst="rect">
+            <a:avLst/>
+          </a:prstGeom>
+        </p:spPr>
+      </p:pic>
+      <p:sp>
+        <p:nvSpPr>
+          <p:cNvPr id="11" name="ZoneTexte 10"/>
+          <p:cNvSpPr txBox="1"/>
+          <p:nvPr/>
+        </p:nvSpPr>
+        <p:spPr>
+          <a:xfrm>
+            <a:off x="9050126" y="5348441"/>
+            <a:ext cx="3736505" cy="646331"/>
+          </a:xfrm>
+          <a:prstGeom prst="rect">
+            <a:avLst/>
+          </a:prstGeom>
+          <a:noFill/>
+        </p:spPr>
+        <p:txBody>
+          <a:bodyPr wrap="square" rtlCol="0">
+            <a:spAutoFit/>
+          </a:bodyPr>
+          <a:lstStyle/>
+          <a:p>
+            <a:r>
+              <a:rPr lang="en-US" sz="1200" dirty="0"/>
+              <a:t>Example of prototype : </a:t>
+            </a:r>
+            <a:r>
+              <a:rPr lang="en-US" sz="1200" b="1" dirty="0"/>
+              <a:t>WISP</a:t>
+            </a:r>
+            <a:r>
+              <a:rPr lang="en-US" sz="1200" dirty="0"/>
+              <a:t> = RFID + computation</a:t>
+            </a:r>
+          </a:p>
+          <a:p>
+            <a:r>
+              <a:rPr lang="en-US" sz="1200" b="1" dirty="0" smtClean="0"/>
+              <a:t>                                          </a:t>
+            </a:r>
+            <a:r>
+              <a:rPr lang="en-US" sz="1200" b="1" dirty="0" err="1" smtClean="0"/>
+              <a:t>WISPer</a:t>
+            </a:r>
+            <a:r>
+              <a:rPr lang="en-US" sz="1200" dirty="0" smtClean="0"/>
+              <a:t> </a:t>
+            </a:r>
+            <a:r>
+              <a:rPr lang="en-US" sz="1200" dirty="0"/>
+              <a:t>= WISP + code</a:t>
+            </a:r>
+          </a:p>
+          <a:p>
+            <a:endParaRPr lang="en-US" sz="1200" dirty="0"/>
+          </a:p>
+        </p:txBody>
+      </p:sp>
+      <p:sp>
+        <p:nvSpPr>
+          <p:cNvPr id="13" name="ZoneTexte 12"/>
+          <p:cNvSpPr txBox="1"/>
+          <p:nvPr/>
+        </p:nvSpPr>
+        <p:spPr>
+          <a:xfrm>
+            <a:off x="11152243" y="8515052"/>
+            <a:ext cx="3199567" cy="1384995"/>
+          </a:xfrm>
+          <a:prstGeom prst="rect">
+            <a:avLst/>
+          </a:prstGeom>
+          <a:noFill/>
+        </p:spPr>
+        <p:txBody>
+          <a:bodyPr wrap="square" rtlCol="0">
+            <a:spAutoFit/>
+          </a:bodyPr>
+          <a:lstStyle/>
+          <a:p>
+            <a:r>
+              <a:rPr lang="en-US" sz="1200" b="1" dirty="0" smtClean="0"/>
+              <a:t>1</a:t>
+            </a:r>
+            <a:r>
+              <a:rPr lang="en-US" sz="1200" dirty="0" smtClean="0"/>
+              <a:t>: External party authenticate through </a:t>
+            </a:r>
+            <a:r>
+              <a:rPr lang="en-US" sz="1200" b="1" dirty="0" err="1" smtClean="0"/>
+              <a:t>WISPer</a:t>
+            </a:r>
+            <a:endParaRPr lang="en-US" sz="1200" b="1" dirty="0" smtClean="0"/>
+          </a:p>
+          <a:p>
+            <a:r>
+              <a:rPr lang="en-US" sz="1200" b="1" dirty="0" smtClean="0"/>
+              <a:t>2</a:t>
+            </a:r>
+            <a:r>
+              <a:rPr lang="en-US" sz="1200" dirty="0" smtClean="0"/>
+              <a:t>: If successful </a:t>
+            </a:r>
+            <a:r>
+              <a:rPr lang="en-US" sz="1200" b="1" dirty="0" err="1" smtClean="0"/>
+              <a:t>WISPer</a:t>
+            </a:r>
+            <a:r>
+              <a:rPr lang="en-US" sz="1200" b="1" dirty="0" smtClean="0"/>
+              <a:t> </a:t>
+            </a:r>
+            <a:r>
+              <a:rPr lang="en-US" sz="1200" dirty="0" smtClean="0"/>
+              <a:t> says to </a:t>
+            </a:r>
+            <a:r>
+              <a:rPr lang="en-US" sz="1200" b="1" dirty="0" smtClean="0"/>
+              <a:t>ICD</a:t>
+            </a:r>
+            <a:r>
+              <a:rPr lang="en-US" sz="1200" dirty="0" smtClean="0"/>
+              <a:t> “Ok you can use radio”</a:t>
+            </a:r>
+          </a:p>
+          <a:p>
+            <a:r>
+              <a:rPr lang="en-US" sz="1200" b="1" dirty="0" smtClean="0"/>
+              <a:t>3</a:t>
+            </a:r>
+            <a:r>
+              <a:rPr lang="en-US" sz="1200" dirty="0" smtClean="0"/>
+              <a:t>: Then the External party can control the </a:t>
+            </a:r>
+            <a:r>
+              <a:rPr lang="en-US" sz="1200" b="1" dirty="0" smtClean="0"/>
+              <a:t>ICD</a:t>
+            </a:r>
+          </a:p>
+          <a:p>
+            <a:endParaRPr lang="en-US" sz="1200" b="1" dirty="0" smtClean="0"/>
+          </a:p>
+          <a:p>
+            <a:r>
+              <a:rPr lang="en-US" sz="1200" dirty="0" smtClean="0"/>
+              <a:t>The patient is notified </a:t>
+            </a:r>
+            <a:r>
+              <a:rPr lang="fr-FR" sz="1200" b="1" dirty="0" err="1" smtClean="0"/>
+              <a:t>acoustically</a:t>
+            </a:r>
+            <a:r>
+              <a:rPr lang="fr-FR" sz="1200" dirty="0" smtClean="0"/>
+              <a:t> </a:t>
+            </a:r>
+            <a:r>
+              <a:rPr lang="fr-FR" sz="1200" dirty="0" err="1" smtClean="0"/>
+              <a:t>during</a:t>
+            </a:r>
+            <a:r>
+              <a:rPr lang="fr-FR" sz="1200" dirty="0" smtClean="0"/>
+              <a:t> the </a:t>
+            </a:r>
+            <a:r>
+              <a:rPr lang="fr-FR" sz="1200" dirty="0" err="1" smtClean="0"/>
+              <a:t>whole</a:t>
+            </a:r>
+            <a:r>
+              <a:rPr lang="fr-FR" sz="1200" dirty="0" smtClean="0"/>
+              <a:t> time.</a:t>
+            </a:r>
+            <a:endParaRPr lang="en-US" sz="1200" dirty="0"/>
+          </a:p>
+        </p:txBody>
+      </p:sp>
+      <p:sp>
+        <p:nvSpPr>
+          <p:cNvPr id="14" name="ZoneTexte 13"/>
+          <p:cNvSpPr txBox="1"/>
+          <p:nvPr/>
+        </p:nvSpPr>
+        <p:spPr>
+          <a:xfrm>
+            <a:off x="13033870" y="4925685"/>
+            <a:ext cx="1080120" cy="276999"/>
+          </a:xfrm>
+          <a:prstGeom prst="rect">
+            <a:avLst/>
+          </a:prstGeom>
+          <a:noFill/>
+        </p:spPr>
+        <p:txBody>
+          <a:bodyPr wrap="square" rtlCol="0">
+            <a:spAutoFit/>
+          </a:bodyPr>
+          <a:lstStyle/>
+          <a:p>
+            <a:r>
+              <a:rPr lang="en-US" sz="1200" dirty="0" smtClean="0"/>
+              <a:t>The WISP</a:t>
+            </a:r>
+            <a:endParaRPr lang="en-US" sz="1200" dirty="0"/>
+          </a:p>
+        </p:txBody>
+      </p:sp>
+      <p:sp>
+        <p:nvSpPr>
+          <p:cNvPr id="15" name="ZoneTexte 14"/>
+          <p:cNvSpPr txBox="1"/>
+          <p:nvPr/>
+        </p:nvSpPr>
+        <p:spPr>
+          <a:xfrm>
+            <a:off x="9001422" y="8027089"/>
+            <a:ext cx="3649161" cy="307777"/>
+          </a:xfrm>
+          <a:prstGeom prst="rect">
+            <a:avLst/>
+          </a:prstGeom>
+          <a:noFill/>
+        </p:spPr>
+        <p:txBody>
+          <a:bodyPr wrap="square" rtlCol="0">
+            <a:spAutoFit/>
+          </a:bodyPr>
+          <a:lstStyle/>
+          <a:p>
+            <a:r>
+              <a:rPr lang="en-US" sz="1400" b="1" dirty="0" smtClean="0"/>
+              <a:t>The Solution</a:t>
+            </a:r>
+            <a:endParaRPr lang="en-US" sz="1400" b="1" dirty="0"/>
+          </a:p>
+        </p:txBody>
+      </p:sp>
+      <p:pic>
+        <p:nvPicPr>
+          <p:cNvPr id="52" name="Picture 6" descr="C:\Users\Lily\Desktop\Dossier Line\M1-Info\ENGLISH\POSTER\WISPer test.png"/>
+          <p:cNvPicPr>
+            <a:picLocks noChangeAspect="1" noChangeArrowheads="1"/>
+          </p:cNvPicPr>
+          <p:nvPr/>
+        </p:nvPicPr>
+        <p:blipFill>
+          <a:blip r:embed="rId20" cstate="print">
+            <a:extLst>
+              <a:ext uri="{28A0092B-C50C-407E-A947-70E740481C1C}">
+                <a14:useLocalDpi xmlns:a14="http://schemas.microsoft.com/office/drawing/2010/main" val="0"/>
+              </a:ext>
+            </a:extLst>
+          </a:blip>
+          <a:srcRect/>
+          <a:stretch>
+            <a:fillRect/>
+          </a:stretch>
+        </p:blipFill>
+        <p:spPr bwMode="auto">
+          <a:xfrm>
+            <a:off x="9649494" y="6305906"/>
+            <a:ext cx="1402371" cy="1121897"/>
+          </a:xfrm>
+          <a:prstGeom prst="rect">
+            <a:avLst/>
+          </a:prstGeom>
+          <a:noFill/>
+          <a:extLst>
+            <a:ext uri="{909E8E84-426E-40DD-AFC4-6F175D3DCCD1}">
+              <a14:hiddenFill xmlns:a14="http://schemas.microsoft.com/office/drawing/2010/main">
+                <a:solidFill>
+                  <a:srgbClr val="FFFFFF"/>
+                </a:solidFill>
+              </a14:hiddenFill>
+            </a:ext>
+          </a:extLst>
+        </p:spPr>
+      </p:pic>
+      <p:pic>
+        <p:nvPicPr>
+          <p:cNvPr id="57" name="Picture 9"/>
+          <p:cNvPicPr>
+            <a:picLocks noChangeAspect="1" noChangeArrowheads="1"/>
+          </p:cNvPicPr>
+          <p:nvPr/>
+        </p:nvPicPr>
+        <p:blipFill>
+          <a:blip r:embed="rId21" cstate="print">
+            <a:extLst>
+              <a:ext uri="{28A0092B-C50C-407E-A947-70E740481C1C}">
+                <a14:useLocalDpi xmlns:a14="http://schemas.microsoft.com/office/drawing/2010/main" val="0"/>
+              </a:ext>
+            </a:extLst>
+          </a:blip>
+          <a:srcRect/>
+          <a:stretch>
+            <a:fillRect/>
+          </a:stretch>
+        </p:blipFill>
+        <p:spPr bwMode="auto">
+          <a:xfrm>
+            <a:off x="11506770" y="6377914"/>
             <a:ext cx="1095052" cy="1035166"/>
           </a:xfrm>
           <a:prstGeom prst="rect">
@@ -3868,169 +5381,766 @@
           </a:extLst>
         </p:spPr>
       </p:pic>
+      <p:sp>
+        <p:nvSpPr>
+          <p:cNvPr id="58" name="ZoneTexte 57"/>
+          <p:cNvSpPr txBox="1"/>
+          <p:nvPr/>
+        </p:nvSpPr>
+        <p:spPr>
+          <a:xfrm>
+            <a:off x="9039807" y="5882648"/>
+            <a:ext cx="4357885" cy="307777"/>
+          </a:xfrm>
+          <a:prstGeom prst="rect">
+            <a:avLst/>
+          </a:prstGeom>
+          <a:noFill/>
+        </p:spPr>
+        <p:txBody>
+          <a:bodyPr wrap="square" rtlCol="0">
+            <a:spAutoFit/>
+          </a:bodyPr>
+          <a:lstStyle/>
+          <a:p>
+            <a:r>
+              <a:rPr lang="en-US" sz="1400" b="1" dirty="0" smtClean="0"/>
+              <a:t>Experimentation : acoustic notification for the patient</a:t>
+            </a:r>
+            <a:endParaRPr lang="en-US" sz="1400" b="1" dirty="0" smtClean="0"/>
+          </a:p>
+        </p:txBody>
+      </p:sp>
+      <p:sp>
+        <p:nvSpPr>
+          <p:cNvPr id="60" name="ZoneTexte 59"/>
+          <p:cNvSpPr txBox="1"/>
+          <p:nvPr/>
+        </p:nvSpPr>
+        <p:spPr>
+          <a:xfrm>
+            <a:off x="9129849" y="7436673"/>
+            <a:ext cx="5488197" cy="461665"/>
+          </a:xfrm>
+          <a:prstGeom prst="rect">
+            <a:avLst/>
+          </a:prstGeom>
+          <a:noFill/>
+        </p:spPr>
+        <p:txBody>
+          <a:bodyPr wrap="square" rtlCol="0">
+            <a:spAutoFit/>
+          </a:bodyPr>
+          <a:lstStyle/>
+          <a:p>
+            <a:r>
+              <a:rPr lang="fr-FR" sz="1200" dirty="0" err="1" smtClean="0"/>
+              <a:t>WISPer</a:t>
+            </a:r>
+            <a:r>
+              <a:rPr lang="fr-FR" sz="1200" dirty="0" smtClean="0"/>
+              <a:t> </a:t>
+            </a:r>
+            <a:r>
+              <a:rPr lang="fr-FR" sz="1200" dirty="0" err="1" smtClean="0"/>
+              <a:t>emits</a:t>
+            </a:r>
+            <a:r>
+              <a:rPr lang="fr-FR" sz="1200" dirty="0" smtClean="0"/>
+              <a:t> a </a:t>
+            </a:r>
+            <a:r>
+              <a:rPr lang="fr-FR" sz="1200" dirty="0" err="1" smtClean="0"/>
+              <a:t>sound</a:t>
+            </a:r>
+            <a:r>
+              <a:rPr lang="fr-FR" sz="1200" dirty="0" smtClean="0"/>
+              <a:t> </a:t>
+            </a:r>
+            <a:r>
+              <a:rPr lang="fr-FR" sz="1200" dirty="0" err="1" smtClean="0"/>
+              <a:t>when</a:t>
+            </a:r>
+            <a:r>
+              <a:rPr lang="fr-FR" sz="1200" dirty="0" smtClean="0"/>
+              <a:t> </a:t>
+            </a:r>
+            <a:r>
+              <a:rPr lang="fr-FR" sz="1200" dirty="0" err="1" smtClean="0"/>
+              <a:t>it</a:t>
+            </a:r>
+            <a:r>
+              <a:rPr lang="fr-FR" sz="1200" dirty="0" smtClean="0"/>
+              <a:t> </a:t>
+            </a:r>
+            <a:r>
+              <a:rPr lang="fr-FR" sz="1200" dirty="0" err="1" smtClean="0"/>
+              <a:t>detects</a:t>
+            </a:r>
+            <a:r>
+              <a:rPr lang="fr-FR" sz="1200" dirty="0" smtClean="0"/>
+              <a:t> an </a:t>
+            </a:r>
+            <a:r>
+              <a:rPr lang="fr-FR" sz="1200" dirty="0" err="1" smtClean="0"/>
+              <a:t>access</a:t>
+            </a:r>
+            <a:r>
+              <a:rPr lang="fr-FR" sz="1200" dirty="0" smtClean="0"/>
+              <a:t> to the ICD </a:t>
+            </a:r>
+          </a:p>
+          <a:p>
+            <a:r>
+              <a:rPr lang="fr-FR" sz="1200" dirty="0" smtClean="0"/>
+              <a:t>=&gt; </a:t>
+            </a:r>
+            <a:r>
+              <a:rPr lang="fr-FR" sz="1200" dirty="0" err="1" smtClean="0"/>
+              <a:t>hearable</a:t>
+            </a:r>
+            <a:r>
+              <a:rPr lang="fr-FR" sz="1200" dirty="0" smtClean="0"/>
+              <a:t> </a:t>
+            </a:r>
+            <a:r>
+              <a:rPr lang="fr-FR" sz="1200" dirty="0" err="1" smtClean="0"/>
+              <a:t>withing</a:t>
+            </a:r>
+            <a:r>
+              <a:rPr lang="fr-FR" sz="1200" dirty="0" smtClean="0"/>
+              <a:t> 1m range (</a:t>
+            </a:r>
+            <a:r>
+              <a:rPr lang="fr-FR" sz="1200" dirty="0" err="1" smtClean="0"/>
+              <a:t>further</a:t>
+            </a:r>
+            <a:r>
+              <a:rPr lang="fr-FR" sz="1200" dirty="0" smtClean="0"/>
+              <a:t> </a:t>
+            </a:r>
+            <a:r>
+              <a:rPr lang="fr-FR" sz="1200" dirty="0" err="1" smtClean="0"/>
+              <a:t>than</a:t>
+            </a:r>
+            <a:r>
+              <a:rPr lang="fr-FR" sz="1200" dirty="0" smtClean="0"/>
+              <a:t> distance </a:t>
+            </a:r>
+            <a:r>
+              <a:rPr lang="fr-FR" sz="1200" dirty="0" err="1" smtClean="0"/>
+              <a:t>between</a:t>
+            </a:r>
+            <a:r>
+              <a:rPr lang="fr-FR" sz="1200" dirty="0" smtClean="0"/>
+              <a:t> ICD and </a:t>
+            </a:r>
+            <a:r>
+              <a:rPr lang="fr-FR" sz="1200" dirty="0" err="1" smtClean="0"/>
+              <a:t>patient’s</a:t>
+            </a:r>
+            <a:r>
+              <a:rPr lang="fr-FR" sz="1200" dirty="0" smtClean="0"/>
+              <a:t> </a:t>
+            </a:r>
+            <a:r>
+              <a:rPr lang="fr-FR" sz="1200" dirty="0" err="1" smtClean="0"/>
+              <a:t>ears</a:t>
+            </a:r>
+            <a:r>
+              <a:rPr lang="fr-FR" sz="1200" dirty="0" smtClean="0"/>
+              <a:t>)</a:t>
+            </a:r>
+            <a:endParaRPr lang="fr-FR" sz="1200" dirty="0"/>
+          </a:p>
+        </p:txBody>
+      </p:sp>
       <p:pic>
         <p:nvPicPr>
-          <p:cNvPr id="1035" name="Picture 11" descr="C:\Users\Lily\Desktop\Dossier Line\M1-Info\ENGLISH\POSTER\human_heart.png"/>
+          <p:cNvPr id="62" name="Image 61"/>
           <p:cNvPicPr>
-            <a:picLocks noChangeAspect="1" noChangeArrowheads="1"/>
+            <a:picLocks noChangeAspect="1"/>
           </p:cNvPicPr>
           <p:nvPr/>
         </p:nvPicPr>
         <p:blipFill>
-          <a:blip r:embed="rId8">
-            <a:extLst>
-              <a:ext uri="{28A0092B-C50C-407E-A947-70E740481C1C}">
-                <a14:useLocalDpi xmlns:a14="http://schemas.microsoft.com/office/drawing/2010/main" val="0"/>
-              </a:ext>
-            </a:extLst>
-          </a:blip>
-          <a:srcRect/>
+          <a:blip r:embed="rId22"/>
           <a:stretch>
             <a:fillRect/>
           </a:stretch>
         </p:blipFill>
-        <p:spPr bwMode="auto">
-          <a:xfrm>
-            <a:off x="6986997" y="2744950"/>
-            <a:ext cx="1078321" cy="1521630"/>
+        <p:spPr>
+          <a:xfrm>
+            <a:off x="12661980" y="6377914"/>
+            <a:ext cx="1307994" cy="883331"/>
           </a:xfrm>
           <a:prstGeom prst="rect">
             <a:avLst/>
           </a:prstGeom>
+        </p:spPr>
+      </p:pic>
+      <p:cxnSp>
+        <p:nvCxnSpPr>
+          <p:cNvPr id="64" name="Connecteur droit avec flèche 63"/>
+          <p:cNvCxnSpPr/>
+          <p:nvPr/>
+        </p:nvCxnSpPr>
+        <p:spPr>
+          <a:xfrm>
+            <a:off x="11102679" y="6914655"/>
+            <a:ext cx="347015" cy="0"/>
+          </a:xfrm>
+          <a:prstGeom prst="straightConnector1">
+            <a:avLst/>
+          </a:prstGeom>
+          <a:ln>
+            <a:solidFill>
+              <a:schemeClr val="tx1"/>
+            </a:solidFill>
+            <a:tailEnd type="triangle"/>
+          </a:ln>
+        </p:spPr>
+        <p:style>
+          <a:lnRef idx="1">
+            <a:schemeClr val="accent1"/>
+          </a:lnRef>
+          <a:fillRef idx="0">
+            <a:schemeClr val="accent1"/>
+          </a:fillRef>
+          <a:effectRef idx="0">
+            <a:schemeClr val="accent1"/>
+          </a:effectRef>
+          <a:fontRef idx="minor">
+            <a:schemeClr val="tx1"/>
+          </a:fontRef>
+        </p:style>
+      </p:cxnSp>
+      <p:sp>
+        <p:nvSpPr>
+          <p:cNvPr id="25" name="ZoneTexte 24"/>
+          <p:cNvSpPr txBox="1"/>
+          <p:nvPr/>
+        </p:nvSpPr>
+        <p:spPr>
+          <a:xfrm>
+            <a:off x="7637145" y="4442886"/>
+            <a:ext cx="1220261" cy="369332"/>
+          </a:xfrm>
+          <a:prstGeom prst="rect">
+            <a:avLst/>
+          </a:prstGeom>
           <a:noFill/>
-          <a:extLst>
-            <a:ext uri="{909E8E84-426E-40DD-AFC4-6F175D3DCCD1}">
-              <a14:hiddenFill xmlns:a14="http://schemas.microsoft.com/office/drawing/2010/main">
-                <a:solidFill>
-                  <a:srgbClr val="FFFFFF"/>
-                </a:solidFill>
-              </a14:hiddenFill>
-            </a:ext>
-          </a:extLst>
-        </p:spPr>
-      </p:pic>
-      <p:pic>
-        <p:nvPicPr>
-          <p:cNvPr id="3" name="Picture 2" descr="C:\Users\Lily\Desktop\Dossier Line\M1-Info\ENGLISH\POSTER\sword-308836_640.png"/>
-          <p:cNvPicPr>
-            <a:picLocks noChangeAspect="1" noChangeArrowheads="1"/>
-          </p:cNvPicPr>
+        </p:spPr>
+        <p:txBody>
+          <a:bodyPr wrap="square" rtlCol="0">
+            <a:spAutoFit/>
+          </a:bodyPr>
+          <a:lstStyle/>
+          <a:p>
+            <a:r>
+              <a:rPr lang="fr-FR" sz="1800" dirty="0" err="1" smtClean="0"/>
+              <a:t>regulate</a:t>
+            </a:r>
+            <a:endParaRPr lang="fr-FR" sz="1600" dirty="0"/>
+          </a:p>
+        </p:txBody>
+      </p:sp>
+      <p:cxnSp>
+        <p:nvCxnSpPr>
+          <p:cNvPr id="66" name="Connecteur droit avec flèche 65"/>
+          <p:cNvCxnSpPr/>
           <p:nvPr/>
-        </p:nvPicPr>
-        <p:blipFill>
-          <a:blip r:embed="rId9" cstate="print">
-            <a:extLst>
-              <a:ext uri="{28A0092B-C50C-407E-A947-70E740481C1C}">
-                <a14:useLocalDpi xmlns:a14="http://schemas.microsoft.com/office/drawing/2010/main" val="0"/>
-              </a:ext>
-            </a:extLst>
-          </a:blip>
-          <a:srcRect/>
-          <a:stretch>
-            <a:fillRect/>
-          </a:stretch>
-        </p:blipFill>
-        <p:spPr bwMode="auto">
-          <a:xfrm>
-            <a:off x="3744838" y="2103675"/>
-            <a:ext cx="695312" cy="528002"/>
+        </p:nvCxnSpPr>
+        <p:spPr>
+          <a:xfrm>
+            <a:off x="3816846" y="7578948"/>
+            <a:ext cx="347015" cy="0"/>
+          </a:xfrm>
+          <a:prstGeom prst="straightConnector1">
+            <a:avLst/>
+          </a:prstGeom>
+          <a:ln>
+            <a:solidFill>
+              <a:schemeClr val="tx1"/>
+            </a:solidFill>
+            <a:tailEnd type="triangle"/>
+          </a:ln>
+        </p:spPr>
+        <p:style>
+          <a:lnRef idx="1">
+            <a:schemeClr val="accent1"/>
+          </a:lnRef>
+          <a:fillRef idx="0">
+            <a:schemeClr val="accent1"/>
+          </a:fillRef>
+          <a:effectRef idx="0">
+            <a:schemeClr val="accent1"/>
+          </a:effectRef>
+          <a:fontRef idx="minor">
+            <a:schemeClr val="tx1"/>
+          </a:fontRef>
+        </p:style>
+      </p:cxnSp>
+      <p:sp>
+        <p:nvSpPr>
+          <p:cNvPr id="31" name="ZoneTexte 30"/>
+          <p:cNvSpPr txBox="1"/>
+          <p:nvPr/>
+        </p:nvSpPr>
+        <p:spPr>
+          <a:xfrm>
+            <a:off x="791040" y="5415513"/>
+            <a:ext cx="1868484" cy="723275"/>
           </a:xfrm>
           <a:prstGeom prst="rect">
             <a:avLst/>
           </a:prstGeom>
           <a:noFill/>
+        </p:spPr>
+        <p:txBody>
+          <a:bodyPr wrap="square" rtlCol="0">
+            <a:spAutoFit/>
+          </a:bodyPr>
+          <a:lstStyle/>
+          <a:p>
+            <a:pPr marL="171450" lvl="1" indent="-171450">
+              <a:buFont typeface="Arial" panose="020B0604020202020204" pitchFamily="34" charset="0"/>
+              <a:buChar char="•"/>
+            </a:pPr>
+            <a:r>
+              <a:rPr lang="en-US" sz="1200" dirty="0"/>
+              <a:t>Total cost : 800 $</a:t>
+            </a:r>
+          </a:p>
+          <a:p>
+            <a:endParaRPr lang="fr-FR" dirty="0"/>
+          </a:p>
+        </p:txBody>
+      </p:sp>
+      <p:sp>
+        <p:nvSpPr>
+          <p:cNvPr id="32" name="ZoneTexte 31"/>
+          <p:cNvSpPr txBox="1"/>
+          <p:nvPr/>
+        </p:nvSpPr>
+        <p:spPr>
+          <a:xfrm>
+            <a:off x="72430" y="6085651"/>
+            <a:ext cx="5348368" cy="830997"/>
+          </a:xfrm>
+          <a:prstGeom prst="rect">
+            <a:avLst/>
+          </a:prstGeom>
+          <a:noFill/>
+        </p:spPr>
+        <p:txBody>
+          <a:bodyPr wrap="square" rtlCol="0">
+            <a:spAutoFit/>
+          </a:bodyPr>
+          <a:lstStyle/>
+          <a:p>
+            <a:pPr marL="1025362" lvl="1" indent="-285750" defTabSz="720000">
+              <a:buFont typeface="Arial" panose="020B0604020202020204" pitchFamily="34" charset="0"/>
+              <a:buChar char="•"/>
+              <a:tabLst>
+                <a:tab pos="720000" algn="l"/>
+              </a:tabLst>
+            </a:pPr>
+            <a:r>
+              <a:rPr lang="en-US" sz="1200" dirty="0"/>
+              <a:t>What kind ? =&gt; Implanting physician, Diagnosis, Hospital,</a:t>
+            </a:r>
+          </a:p>
+          <a:p>
+            <a:pPr defTabSz="720000">
+              <a:tabLst>
+                <a:tab pos="720000" algn="l"/>
+              </a:tabLst>
+            </a:pPr>
+            <a:r>
+              <a:rPr lang="en-US" sz="1200" dirty="0" smtClean="0"/>
+              <a:t>	Device </a:t>
+            </a:r>
+            <a:r>
+              <a:rPr lang="en-US" sz="1200" dirty="0"/>
+              <a:t>state, patient name, date of birth, serial N°, etc...</a:t>
+            </a:r>
+          </a:p>
+          <a:p>
+            <a:pPr marL="911062" lvl="1" indent="-171450" defTabSz="720000">
+              <a:buFont typeface="Arial" panose="020B0604020202020204" pitchFamily="34" charset="0"/>
+              <a:buChar char="•"/>
+              <a:tabLst>
+                <a:tab pos="720000" algn="l"/>
+              </a:tabLst>
+            </a:pPr>
+            <a:r>
+              <a:rPr lang="en-US" sz="1200" dirty="0"/>
+              <a:t>    The future holds some promises : devices more sophisticated</a:t>
+            </a:r>
+          </a:p>
+          <a:p>
+            <a:pPr defTabSz="720000">
+              <a:tabLst>
+                <a:tab pos="720000" algn="l"/>
+              </a:tabLst>
+            </a:pPr>
+            <a:r>
+              <a:rPr lang="en-US" sz="1200" dirty="0" smtClean="0"/>
+              <a:t>	ergo </a:t>
+            </a:r>
+            <a:r>
+              <a:rPr lang="en-US" sz="1200" dirty="0"/>
+              <a:t>a lot more data to be divulged </a:t>
+            </a:r>
+            <a:r>
+              <a:rPr lang="en-US" sz="1200" dirty="0" smtClean="0"/>
+              <a:t>?</a:t>
+            </a:r>
+            <a:endParaRPr lang="en-US" sz="1200" dirty="0"/>
+          </a:p>
+        </p:txBody>
+      </p:sp>
+      <p:sp>
+        <p:nvSpPr>
+          <p:cNvPr id="33" name="ZoneTexte 32"/>
+          <p:cNvSpPr txBox="1"/>
+          <p:nvPr/>
+        </p:nvSpPr>
+        <p:spPr>
+          <a:xfrm>
+            <a:off x="55517" y="7290916"/>
+            <a:ext cx="3826228" cy="907941"/>
+          </a:xfrm>
+          <a:prstGeom prst="rect">
+            <a:avLst/>
+          </a:prstGeom>
+          <a:noFill/>
+        </p:spPr>
+        <p:txBody>
+          <a:bodyPr wrap="square" rtlCol="0">
+            <a:spAutoFit/>
+          </a:bodyPr>
+          <a:lstStyle/>
+          <a:p>
+            <a:pPr marL="1082512" lvl="1" indent="-342900" defTabSz="720000">
+              <a:buFont typeface="Arial" panose="020B0604020202020204" pitchFamily="34" charset="0"/>
+              <a:buChar char="•"/>
+              <a:tabLst>
+                <a:tab pos="720000" algn="l"/>
+              </a:tabLst>
+            </a:pPr>
+            <a:r>
+              <a:rPr lang="en-US" sz="1200" dirty="0"/>
+              <a:t>Get the vital signs that the ICD emits</a:t>
+            </a:r>
+          </a:p>
+          <a:p>
+            <a:pPr marL="1082512" lvl="1" indent="-342900" defTabSz="720000">
+              <a:buFont typeface="Arial" panose="020B0604020202020204" pitchFamily="34" charset="0"/>
+              <a:buChar char="•"/>
+              <a:tabLst>
+                <a:tab pos="720000" algn="l"/>
+              </a:tabLst>
+            </a:pPr>
+            <a:r>
+              <a:rPr lang="en-US" sz="1200" dirty="0"/>
+              <a:t>Need to have an Eavesdropping setup</a:t>
+            </a:r>
+          </a:p>
+          <a:p>
+            <a:endParaRPr lang="fr-FR" dirty="0"/>
+          </a:p>
+        </p:txBody>
+      </p:sp>
+      <p:sp>
+        <p:nvSpPr>
+          <p:cNvPr id="34" name="ZoneTexte 33"/>
+          <p:cNvSpPr txBox="1"/>
+          <p:nvPr/>
+        </p:nvSpPr>
+        <p:spPr>
+          <a:xfrm>
+            <a:off x="51893" y="8227020"/>
+            <a:ext cx="3926089" cy="1092607"/>
+          </a:xfrm>
+          <a:prstGeom prst="rect">
+            <a:avLst/>
+          </a:prstGeom>
+          <a:noFill/>
+        </p:spPr>
+        <p:txBody>
+          <a:bodyPr wrap="square" rtlCol="0">
+            <a:spAutoFit/>
+          </a:bodyPr>
+          <a:lstStyle/>
+          <a:p>
+            <a:pPr marL="1082512" lvl="1" indent="-342900" defTabSz="720000">
+              <a:buFont typeface="Arial" panose="020B0604020202020204" pitchFamily="34" charset="0"/>
+              <a:buChar char="•"/>
+              <a:tabLst>
+                <a:tab pos="720000" algn="l"/>
+              </a:tabLst>
+            </a:pPr>
+            <a:r>
+              <a:rPr lang="en-US" sz="1200" dirty="0"/>
+              <a:t>Send multiple radio signals to the ICD</a:t>
+            </a:r>
+          </a:p>
+          <a:p>
+            <a:pPr marL="1082512" lvl="1" indent="-342900" defTabSz="720000">
+              <a:buFont typeface="Arial" panose="020B0604020202020204" pitchFamily="34" charset="0"/>
+              <a:buChar char="•"/>
+              <a:tabLst>
+                <a:tab pos="720000" algn="l"/>
+              </a:tabLst>
+            </a:pPr>
+            <a:r>
+              <a:rPr lang="en-US" sz="1200" dirty="0"/>
+              <a:t>=&gt; Battery lifetime decrease</a:t>
+            </a:r>
+          </a:p>
+          <a:p>
+            <a:pPr marL="1082512" lvl="1" indent="-342900" defTabSz="720000">
+              <a:buFont typeface="Arial" panose="020B0604020202020204" pitchFamily="34" charset="0"/>
+              <a:buChar char="•"/>
+              <a:tabLst>
+                <a:tab pos="720000" algn="l"/>
+              </a:tabLst>
+            </a:pPr>
+            <a:r>
+              <a:rPr lang="en-US" sz="1200" dirty="0"/>
+              <a:t>Simple : transmit-only</a:t>
+            </a:r>
+          </a:p>
+          <a:p>
+            <a:endParaRPr lang="fr-FR" dirty="0"/>
+          </a:p>
+        </p:txBody>
+      </p:sp>
+      <p:sp>
+        <p:nvSpPr>
+          <p:cNvPr id="35" name="ZoneTexte 34"/>
+          <p:cNvSpPr txBox="1"/>
+          <p:nvPr/>
+        </p:nvSpPr>
+        <p:spPr>
+          <a:xfrm>
+            <a:off x="576487" y="9019108"/>
+            <a:ext cx="2651590" cy="938719"/>
+          </a:xfrm>
+          <a:prstGeom prst="rect">
+            <a:avLst/>
+          </a:prstGeom>
+          <a:noFill/>
+        </p:spPr>
+        <p:txBody>
+          <a:bodyPr wrap="square" rtlCol="0">
+            <a:spAutoFit/>
+          </a:bodyPr>
+          <a:lstStyle/>
+          <a:p>
+            <a:pPr marL="342900" indent="-342900" defTabSz="720000">
+              <a:buFont typeface="+mj-lt"/>
+              <a:buAutoNum type="arabicPeriod" startAt="6"/>
+              <a:tabLst>
+                <a:tab pos="720000" algn="l"/>
+              </a:tabLst>
+            </a:pPr>
+            <a:r>
+              <a:rPr lang="en-US" sz="1400" b="1" dirty="0"/>
+              <a:t>Turn off therapies</a:t>
+            </a:r>
+          </a:p>
+          <a:p>
+            <a:pPr marL="1082512" lvl="1" indent="-342900" defTabSz="720000">
+              <a:buFont typeface="Arial" panose="020B0604020202020204" pitchFamily="34" charset="0"/>
+              <a:buChar char="•"/>
+              <a:tabLst>
+                <a:tab pos="720000" algn="l"/>
+              </a:tabLst>
+            </a:pPr>
+            <a:endParaRPr lang="en-US" sz="1200" dirty="0"/>
+          </a:p>
+          <a:p>
+            <a:endParaRPr lang="fr-FR" dirty="0"/>
+          </a:p>
+        </p:txBody>
+      </p:sp>
+      <p:sp>
+        <p:nvSpPr>
+          <p:cNvPr id="37" name="ZoneTexte 36"/>
+          <p:cNvSpPr txBox="1"/>
+          <p:nvPr/>
+        </p:nvSpPr>
+        <p:spPr>
+          <a:xfrm>
+            <a:off x="3144132" y="8999363"/>
+            <a:ext cx="2760946" cy="307777"/>
+          </a:xfrm>
+          <a:prstGeom prst="rect">
+            <a:avLst/>
+          </a:prstGeom>
+          <a:noFill/>
+        </p:spPr>
+        <p:txBody>
+          <a:bodyPr wrap="square" rtlCol="0">
+            <a:spAutoFit/>
+          </a:bodyPr>
+          <a:lstStyle/>
+          <a:p>
+            <a:pPr marL="342900" indent="-342900" defTabSz="720000">
+              <a:buFont typeface="+mj-lt"/>
+              <a:buAutoNum type="arabicPeriod" startAt="7"/>
+              <a:tabLst>
+                <a:tab pos="720000" algn="l"/>
+              </a:tabLst>
+            </a:pPr>
+            <a:r>
+              <a:rPr lang="en-US" sz="1400" b="1" dirty="0"/>
+              <a:t>Affect patient’s </a:t>
+            </a:r>
+            <a:r>
+              <a:rPr lang="en-US" sz="1400" b="1" dirty="0" smtClean="0"/>
+              <a:t>physiology</a:t>
+            </a:r>
+            <a:endParaRPr lang="en-US" sz="1400" b="1" dirty="0"/>
+          </a:p>
+        </p:txBody>
+      </p:sp>
+      <p:sp>
+        <p:nvSpPr>
+          <p:cNvPr id="38" name="ZoneTexte 37"/>
+          <p:cNvSpPr txBox="1"/>
+          <p:nvPr/>
+        </p:nvSpPr>
+        <p:spPr>
+          <a:xfrm>
+            <a:off x="787298" y="9340239"/>
+            <a:ext cx="2633133" cy="830997"/>
+          </a:xfrm>
+          <a:prstGeom prst="rect">
+            <a:avLst/>
+          </a:prstGeom>
+          <a:noFill/>
+        </p:spPr>
+        <p:txBody>
+          <a:bodyPr wrap="square" rtlCol="0">
+            <a:spAutoFit/>
+          </a:bodyPr>
+          <a:lstStyle/>
+          <a:p>
+            <a:pPr marL="342900" indent="-342900" defTabSz="720000">
+              <a:buFont typeface="Arial" panose="020B0604020202020204" pitchFamily="34" charset="0"/>
+              <a:buChar char="•"/>
+              <a:tabLst>
+                <a:tab pos="720000" algn="l"/>
+              </a:tabLst>
+            </a:pPr>
+            <a:r>
+              <a:rPr lang="en-US" sz="1200" dirty="0"/>
+              <a:t>“Stop detecting fibrillation”</a:t>
+            </a:r>
+          </a:p>
+          <a:p>
+            <a:pPr marL="342900" indent="-342900" defTabSz="720000">
+              <a:buFont typeface="Arial" panose="020B0604020202020204" pitchFamily="34" charset="0"/>
+              <a:buChar char="•"/>
+              <a:tabLst>
+                <a:tab pos="720000" algn="l"/>
+              </a:tabLst>
+            </a:pPr>
+            <a:r>
+              <a:rPr lang="en-US" sz="1200" dirty="0"/>
+              <a:t>Problem : change of the device state</a:t>
+            </a:r>
+          </a:p>
+          <a:p>
+            <a:endParaRPr lang="fr-FR" sz="1200" dirty="0"/>
+          </a:p>
+        </p:txBody>
+      </p:sp>
+      <p:sp>
+        <p:nvSpPr>
+          <p:cNvPr id="40" name="ZoneTexte 39"/>
+          <p:cNvSpPr txBox="1"/>
+          <p:nvPr/>
+        </p:nvSpPr>
+        <p:spPr>
+          <a:xfrm>
+            <a:off x="3348852" y="9335303"/>
+            <a:ext cx="2826347" cy="1092607"/>
+          </a:xfrm>
+          <a:prstGeom prst="rect">
+            <a:avLst/>
+          </a:prstGeom>
+          <a:noFill/>
+        </p:spPr>
+        <p:txBody>
+          <a:bodyPr wrap="square" rtlCol="0">
+            <a:spAutoFit/>
+          </a:bodyPr>
+          <a:lstStyle/>
+          <a:p>
+            <a:pPr marL="342900" indent="-342900" defTabSz="720000">
+              <a:buFont typeface="Arial" panose="020B0604020202020204" pitchFamily="34" charset="0"/>
+              <a:buChar char="•"/>
+              <a:tabLst>
+                <a:tab pos="720000" algn="l"/>
+              </a:tabLst>
+            </a:pPr>
+            <a:r>
+              <a:rPr lang="en-US" sz="1200" dirty="0"/>
+              <a:t>Induce fibrillation, flood with drugs</a:t>
+            </a:r>
+          </a:p>
+          <a:p>
+            <a:pPr marL="342900" indent="-342900" defTabSz="720000">
+              <a:buFont typeface="Arial" panose="020B0604020202020204" pitchFamily="34" charset="0"/>
+              <a:buChar char="•"/>
+              <a:tabLst>
+                <a:tab pos="720000" algn="l"/>
+              </a:tabLst>
+            </a:pPr>
+            <a:r>
+              <a:rPr lang="en-US" sz="1200" dirty="0"/>
+              <a:t>Problem : patient’s safety at great risk</a:t>
+            </a:r>
+          </a:p>
+          <a:p>
+            <a:endParaRPr lang="fr-FR" dirty="0"/>
+          </a:p>
+        </p:txBody>
+      </p:sp>
+      <p:sp>
+        <p:nvSpPr>
+          <p:cNvPr id="68" name="Rogner un rectangle à un seul coin 67"/>
+          <p:cNvSpPr/>
+          <p:nvPr/>
+        </p:nvSpPr>
+        <p:spPr>
+          <a:xfrm>
+            <a:off x="781344" y="3122576"/>
+            <a:ext cx="3190684" cy="584342"/>
+          </a:xfrm>
+          <a:prstGeom prst="snip1Rect">
+            <a:avLst/>
+          </a:prstGeom>
+          <a:noFill/>
+          <a:ln w="12700">
+            <a:noFill/>
+          </a:ln>
+          <a:effectLst/>
           <a:scene3d>
             <a:camera prst="orthographicFront">
-              <a:rot lat="0" lon="10800000" rev="0"/>
+              <a:rot lat="0" lon="0" rev="0"/>
             </a:camera>
-            <a:lightRig rig="threePt" dir="t"/>
+            <a:lightRig rig="chilly" dir="t">
+              <a:rot lat="0" lon="0" rev="18480000"/>
+            </a:lightRig>
           </a:scene3d>
-          <a:extLst>
-            <a:ext uri="{909E8E84-426E-40DD-AFC4-6F175D3DCCD1}">
-              <a14:hiddenFill xmlns:a14="http://schemas.microsoft.com/office/drawing/2010/main">
-                <a:solidFill>
-                  <a:srgbClr val="FFFFFF"/>
-                </a:solidFill>
-              </a14:hiddenFill>
-            </a:ext>
-          </a:extLst>
-        </p:spPr>
-      </p:pic>
-      <p:pic>
-        <p:nvPicPr>
-          <p:cNvPr id="1027" name="Picture 3" descr="C:\Users\Lily\Desktop\Dossier Line\M1-Info\ENGLISH\POSTER\4.png"/>
-          <p:cNvPicPr>
-            <a:picLocks noChangeAspect="1" noChangeArrowheads="1"/>
-          </p:cNvPicPr>
-          <p:nvPr/>
-        </p:nvPicPr>
-        <p:blipFill>
-          <a:blip r:embed="rId10" cstate="print">
-            <a:extLst>
-              <a:ext uri="{28A0092B-C50C-407E-A947-70E740481C1C}">
-                <a14:useLocalDpi xmlns:a14="http://schemas.microsoft.com/office/drawing/2010/main" val="0"/>
-              </a:ext>
-            </a:extLst>
-          </a:blip>
-          <a:srcRect/>
-          <a:stretch>
-            <a:fillRect/>
-          </a:stretch>
-        </p:blipFill>
-        <p:spPr bwMode="auto">
-          <a:xfrm>
-            <a:off x="10622992" y="2103675"/>
-            <a:ext cx="633576" cy="633576"/>
-          </a:xfrm>
-          <a:prstGeom prst="rect">
-            <a:avLst/>
-          </a:prstGeom>
-          <a:noFill/>
-          <a:extLst>
-            <a:ext uri="{909E8E84-426E-40DD-AFC4-6F175D3DCCD1}">
-              <a14:hiddenFill xmlns:a14="http://schemas.microsoft.com/office/drawing/2010/main">
-                <a:solidFill>
-                  <a:srgbClr val="FFFFFF"/>
-                </a:solidFill>
-              </a14:hiddenFill>
-            </a:ext>
-          </a:extLst>
-        </p:spPr>
-      </p:pic>
-      <p:sp>
-        <p:nvSpPr>
-          <p:cNvPr id="8" name="Rectangle à coins arrondis 7"/>
-          <p:cNvSpPr/>
-          <p:nvPr/>
-        </p:nvSpPr>
-        <p:spPr>
-          <a:xfrm>
-            <a:off x="340528" y="2034332"/>
-            <a:ext cx="5924590" cy="8285721"/>
-          </a:xfrm>
-          <a:prstGeom prst="roundRect">
-            <a:avLst/>
-          </a:prstGeom>
-          <a:noFill/>
-          <a:ln w="38100">
-            <a:solidFill>
-              <a:srgbClr val="002060"/>
-            </a:solidFill>
-          </a:ln>
-          <a:effectLst>
-            <a:outerShdw blurRad="50800" dist="38100" dir="8100000" algn="tr" rotWithShape="0">
-              <a:prstClr val="black">
-                <a:alpha val="40000"/>
-              </a:prstClr>
-            </a:outerShdw>
-            <a:softEdge rad="31750"/>
-          </a:effectLst>
-          <a:scene3d>
-            <a:camera prst="orthographicFront"/>
-            <a:lightRig rig="threePt" dir="t"/>
-          </a:scene3d>
-          <a:sp3d>
-            <a:bevelT/>
+          <a:sp3d prstMaterial="clear">
+            <a:bevelT h="63500"/>
           </a:sp3d>
         </p:spPr>
         <p:style>
@@ -4054,44 +6164,39 @@
           <a:lstStyle/>
           <a:p>
             <a:pPr algn="ctr"/>
-            <a:endParaRPr lang="en-US"/>
-          </a:p>
-        </p:txBody>
-      </p:sp>
-      <p:sp>
-        <p:nvSpPr>
-          <p:cNvPr id="17" name="Rectangle à coins arrondis 16"/>
+            <a:endParaRPr lang="fr-FR"/>
+          </a:p>
+        </p:txBody>
+      </p:sp>
+      <p:sp>
+        <p:nvSpPr>
+          <p:cNvPr id="77" name="Rogner un rectangle à un seul coin 76"/>
           <p:cNvSpPr/>
           <p:nvPr/>
         </p:nvSpPr>
         <p:spPr>
           <a:xfrm>
-            <a:off x="8822792" y="2029531"/>
-            <a:ext cx="5924590" cy="8285721"/>
-          </a:xfrm>
-          <a:prstGeom prst="roundRect">
+            <a:off x="791040" y="5394901"/>
+            <a:ext cx="1405839" cy="311839"/>
+          </a:xfrm>
+          <a:prstGeom prst="snip1Rect">
             <a:avLst/>
           </a:prstGeom>
           <a:noFill/>
-          <a:ln w="38100">
-            <a:solidFill>
-              <a:srgbClr val="002060"/>
-            </a:solidFill>
+          <a:ln w="12700">
+            <a:noFill/>
           </a:ln>
-          <a:effectLst>
-            <a:outerShdw blurRad="50800" dist="38100" dir="8100000" algn="tr" rotWithShape="0">
-              <a:prstClr val="black">
-                <a:alpha val="40000"/>
-              </a:prstClr>
-            </a:outerShdw>
-            <a:softEdge rad="31750"/>
-          </a:effectLst>
+          <a:effectLst/>
           <a:scene3d>
-            <a:camera prst="orthographicFront"/>
-            <a:lightRig rig="threePt" dir="t"/>
+            <a:camera prst="orthographicFront">
+              <a:rot lat="0" lon="0" rev="0"/>
+            </a:camera>
+            <a:lightRig rig="chilly" dir="t">
+              <a:rot lat="0" lon="0" rev="18480000"/>
+            </a:lightRig>
           </a:scene3d>
-          <a:sp3d>
-            <a:bevelT/>
+          <a:sp3d prstMaterial="clear">
+            <a:bevelT h="63500"/>
           </a:sp3d>
         </p:spPr>
         <p:style>
@@ -4115,187 +6220,40 @@
           <a:lstStyle/>
           <a:p>
             <a:pPr algn="ctr"/>
-            <a:endParaRPr lang="en-US"/>
-          </a:p>
-        </p:txBody>
-      </p:sp>
-      <p:sp>
-        <p:nvSpPr>
-          <p:cNvPr id="9" name="ZoneTexte 8"/>
-          <p:cNvSpPr txBox="1"/>
-          <p:nvPr/>
-        </p:nvSpPr>
-        <p:spPr>
-          <a:xfrm>
-            <a:off x="1224558" y="2178348"/>
-            <a:ext cx="4140460" cy="400110"/>
-          </a:xfrm>
-          <a:prstGeom prst="rect">
-            <a:avLst/>
-          </a:prstGeom>
-          <a:noFill/>
-        </p:spPr>
-        <p:txBody>
-          <a:bodyPr wrap="square" rtlCol="0">
-            <a:spAutoFit/>
-          </a:bodyPr>
-          <a:lstStyle/>
-          <a:p>
-            <a:pPr algn="ctr"/>
-            <a:r>
-              <a:rPr lang="en-US" sz="2000" b="1" u="sng" dirty="0" smtClean="0">
-                <a:effectLst>
-                  <a:outerShdw blurRad="38100" dist="38100" dir="2700000" algn="tl">
-                    <a:srgbClr val="000000">
-                      <a:alpha val="43137"/>
-                    </a:srgbClr>
-                  </a:outerShdw>
-                </a:effectLst>
-              </a:rPr>
-              <a:t>Attacks</a:t>
-            </a:r>
-            <a:endParaRPr lang="en-US" sz="2000" b="1" u="sng" dirty="0">
-              <a:effectLst>
-                <a:outerShdw blurRad="38100" dist="38100" dir="2700000" algn="tl">
-                  <a:srgbClr val="000000">
-                    <a:alpha val="43137"/>
-                  </a:srgbClr>
-                </a:outerShdw>
-              </a:effectLst>
-            </a:endParaRPr>
-          </a:p>
-        </p:txBody>
-      </p:sp>
-      <p:sp>
-        <p:nvSpPr>
-          <p:cNvPr id="19" name="ZoneTexte 18"/>
-          <p:cNvSpPr txBox="1"/>
-          <p:nvPr/>
-        </p:nvSpPr>
-        <p:spPr>
-          <a:xfrm>
-            <a:off x="9714857" y="2178348"/>
-            <a:ext cx="4140460" cy="400110"/>
-          </a:xfrm>
-          <a:prstGeom prst="rect">
-            <a:avLst/>
-          </a:prstGeom>
-          <a:noFill/>
-        </p:spPr>
-        <p:txBody>
-          <a:bodyPr wrap="square" rtlCol="0">
-            <a:spAutoFit/>
-          </a:bodyPr>
-          <a:lstStyle/>
-          <a:p>
-            <a:pPr algn="ctr"/>
-            <a:r>
-              <a:rPr lang="en-US" sz="2000" b="1" u="sng" dirty="0" smtClean="0">
-                <a:effectLst>
-                  <a:outerShdw blurRad="38100" dist="38100" dir="2700000" algn="tl">
-                    <a:srgbClr val="000000">
-                      <a:alpha val="43137"/>
-                    </a:srgbClr>
-                  </a:outerShdw>
-                </a:effectLst>
-              </a:rPr>
-              <a:t>Defense</a:t>
-            </a:r>
-            <a:endParaRPr lang="en-US" sz="2000" b="1" u="sng" dirty="0">
-              <a:effectLst>
-                <a:outerShdw blurRad="38100" dist="38100" dir="2700000" algn="tl">
-                  <a:srgbClr val="000000">
-                    <a:alpha val="43137"/>
-                  </a:srgbClr>
-                </a:outerShdw>
-              </a:effectLst>
-            </a:endParaRPr>
-          </a:p>
-        </p:txBody>
-      </p:sp>
-      <p:pic>
-        <p:nvPicPr>
-          <p:cNvPr id="4" name="Image 3"/>
-          <p:cNvPicPr>
-            <a:picLocks noChangeAspect="1"/>
-          </p:cNvPicPr>
-          <p:nvPr/>
-        </p:nvPicPr>
-        <p:blipFill>
-          <a:blip r:embed="rId11">
-            <a:extLst>
-              <a:ext uri="{28A0092B-C50C-407E-A947-70E740481C1C}">
-                <a14:useLocalDpi xmlns:a14="http://schemas.microsoft.com/office/drawing/2010/main" val="0"/>
-              </a:ext>
-            </a:extLst>
-          </a:blip>
-          <a:stretch>
-            <a:fillRect/>
-          </a:stretch>
-        </p:blipFill>
-        <p:spPr>
-          <a:xfrm rot="2115440">
-            <a:off x="6659652" y="6426352"/>
-            <a:ext cx="1687808" cy="1554686"/>
-          </a:xfrm>
-          <a:prstGeom prst="rect">
-            <a:avLst/>
-          </a:prstGeom>
-        </p:spPr>
-      </p:pic>
-      <p:sp>
-        <p:nvSpPr>
-          <p:cNvPr id="5" name="ZoneTexte 4"/>
-          <p:cNvSpPr txBox="1"/>
-          <p:nvPr/>
-        </p:nvSpPr>
-        <p:spPr>
-          <a:xfrm>
-            <a:off x="6696807" y="4986660"/>
-            <a:ext cx="1584535" cy="338554"/>
-          </a:xfrm>
-          <a:prstGeom prst="rect">
-            <a:avLst/>
-          </a:prstGeom>
-          <a:noFill/>
-        </p:spPr>
-        <p:txBody>
-          <a:bodyPr wrap="square" rtlCol="0">
-            <a:spAutoFit/>
-          </a:bodyPr>
-          <a:lstStyle/>
-          <a:p>
-            <a:pPr algn="ctr"/>
-            <a:r>
-              <a:rPr lang="fr-FR" sz="1600" b="1" dirty="0" smtClean="0"/>
-              <a:t>ICD</a:t>
-            </a:r>
-            <a:endParaRPr lang="fr-FR" sz="1600" b="1" dirty="0"/>
-          </a:p>
-        </p:txBody>
-      </p:sp>
-      <p:sp>
-        <p:nvSpPr>
-          <p:cNvPr id="6" name="Flèche droite 5"/>
+            <a:endParaRPr lang="fr-FR"/>
+          </a:p>
+        </p:txBody>
+      </p:sp>
+      <p:sp>
+        <p:nvSpPr>
+          <p:cNvPr id="78" name="Rogner un rectangle à un seul coin 77"/>
           <p:cNvSpPr/>
           <p:nvPr/>
         </p:nvSpPr>
         <p:spPr>
-          <a:xfrm rot="-5400000">
-            <a:off x="7275457" y="4515570"/>
-            <a:ext cx="427235" cy="226912"/>
-          </a:xfrm>
-          <a:prstGeom prst="rightArrow">
-            <a:avLst/>
-          </a:prstGeom>
-          <a:solidFill>
-            <a:schemeClr val="accent1"/>
-          </a:solidFill>
-          <a:ln>
-            <a:solidFill>
-              <a:schemeClr val="tx1"/>
-            </a:solidFill>
+          <a:xfrm>
+            <a:off x="781344" y="6059606"/>
+            <a:ext cx="4296700" cy="884456"/>
+          </a:xfrm>
+          <a:prstGeom prst="snip1Rect">
+            <a:avLst/>
+          </a:prstGeom>
+          <a:noFill/>
+          <a:ln w="12700">
+            <a:noFill/>
           </a:ln>
+          <a:effectLst/>
+          <a:scene3d>
+            <a:camera prst="orthographicFront">
+              <a:rot lat="0" lon="0" rev="0"/>
+            </a:camera>
+            <a:lightRig rig="chilly" dir="t">
+              <a:rot lat="0" lon="0" rev="18480000"/>
+            </a:lightRig>
+          </a:scene3d>
+          <a:sp3d prstMaterial="clear">
+            <a:bevelT h="63500"/>
+          </a:sp3d>
         </p:spPr>
         <p:style>
           <a:lnRef idx="2">
@@ -4322,96 +6280,569 @@
           </a:p>
         </p:txBody>
       </p:sp>
-      <p:pic>
-        <p:nvPicPr>
-          <p:cNvPr id="39" name="Image 38"/>
-          <p:cNvPicPr>
-            <a:picLocks noChangeAspect="1"/>
-          </p:cNvPicPr>
+      <p:sp>
+        <p:nvSpPr>
+          <p:cNvPr id="79" name="Rogner un rectangle à un seul coin 78"/>
+          <p:cNvSpPr/>
           <p:nvPr/>
-        </p:nvPicPr>
-        <p:blipFill>
-          <a:blip r:embed="rId12" cstate="print">
-            <a:extLst>
-              <a:ext uri="{28A0092B-C50C-407E-A947-70E740481C1C}">
-                <a14:useLocalDpi xmlns:a14="http://schemas.microsoft.com/office/drawing/2010/main" val="0"/>
-              </a:ext>
-            </a:extLst>
-          </a:blip>
-          <a:stretch>
-            <a:fillRect/>
-          </a:stretch>
-        </p:blipFill>
-        <p:spPr>
-          <a:xfrm>
-            <a:off x="4176886" y="2610396"/>
-            <a:ext cx="730047" cy="570564"/>
+        </p:nvSpPr>
+        <p:spPr>
+          <a:xfrm>
+            <a:off x="791040" y="7290915"/>
+            <a:ext cx="2881790" cy="504057"/>
+          </a:xfrm>
+          <a:prstGeom prst="snip1Rect">
+            <a:avLst/>
+          </a:prstGeom>
+          <a:noFill/>
+          <a:ln w="12700">
+            <a:noFill/>
+          </a:ln>
+          <a:effectLst/>
+          <a:scene3d>
+            <a:camera prst="orthographicFront">
+              <a:rot lat="0" lon="0" rev="0"/>
+            </a:camera>
+            <a:lightRig rig="chilly" dir="t">
+              <a:rot lat="0" lon="0" rev="18480000"/>
+            </a:lightRig>
+          </a:scene3d>
+          <a:sp3d prstMaterial="clear">
+            <a:bevelT h="63500"/>
+          </a:sp3d>
+        </p:spPr>
+        <p:style>
+          <a:lnRef idx="2">
+            <a:schemeClr val="accent1">
+              <a:shade val="50000"/>
+            </a:schemeClr>
+          </a:lnRef>
+          <a:fillRef idx="1">
+            <a:schemeClr val="accent1"/>
+          </a:fillRef>
+          <a:effectRef idx="0">
+            <a:schemeClr val="accent1"/>
+          </a:effectRef>
+          <a:fontRef idx="minor">
+            <a:schemeClr val="lt1"/>
+          </a:fontRef>
+        </p:style>
+        <p:txBody>
+          <a:bodyPr rtlCol="0" anchor="ctr"/>
+          <a:lstStyle/>
+          <a:p>
+            <a:pPr algn="ctr"/>
+            <a:endParaRPr lang="fr-FR"/>
+          </a:p>
+        </p:txBody>
+      </p:sp>
+      <p:sp>
+        <p:nvSpPr>
+          <p:cNvPr id="80" name="Rogner un rectangle à un seul coin 79"/>
+          <p:cNvSpPr/>
+          <p:nvPr/>
+        </p:nvSpPr>
+        <p:spPr>
+          <a:xfrm>
+            <a:off x="791040" y="8238623"/>
+            <a:ext cx="2881790" cy="631668"/>
+          </a:xfrm>
+          <a:prstGeom prst="snip1Rect">
+            <a:avLst/>
+          </a:prstGeom>
+          <a:noFill/>
+          <a:ln w="12700">
+            <a:noFill/>
+          </a:ln>
+          <a:effectLst/>
+          <a:scene3d>
+            <a:camera prst="orthographicFront">
+              <a:rot lat="0" lon="0" rev="0"/>
+            </a:camera>
+            <a:lightRig rig="chilly" dir="t">
+              <a:rot lat="0" lon="0" rev="18480000"/>
+            </a:lightRig>
+          </a:scene3d>
+          <a:sp3d prstMaterial="clear">
+            <a:bevelT h="63500"/>
+          </a:sp3d>
+        </p:spPr>
+        <p:style>
+          <a:lnRef idx="2">
+            <a:schemeClr val="accent1">
+              <a:shade val="50000"/>
+            </a:schemeClr>
+          </a:lnRef>
+          <a:fillRef idx="1">
+            <a:schemeClr val="accent1"/>
+          </a:fillRef>
+          <a:effectRef idx="0">
+            <a:schemeClr val="accent1"/>
+          </a:effectRef>
+          <a:fontRef idx="minor">
+            <a:schemeClr val="lt1"/>
+          </a:fontRef>
+        </p:style>
+        <p:txBody>
+          <a:bodyPr rtlCol="0" anchor="ctr"/>
+          <a:lstStyle/>
+          <a:p>
+            <a:pPr algn="ctr"/>
+            <a:endParaRPr lang="fr-FR"/>
+          </a:p>
+        </p:txBody>
+      </p:sp>
+      <p:sp>
+        <p:nvSpPr>
+          <p:cNvPr id="81" name="Rogner un rectangle à un seul coin 80"/>
+          <p:cNvSpPr/>
+          <p:nvPr/>
+        </p:nvSpPr>
+        <p:spPr>
+          <a:xfrm>
+            <a:off x="744923" y="9347789"/>
+            <a:ext cx="2423851" cy="626932"/>
+          </a:xfrm>
+          <a:prstGeom prst="snip1Rect">
+            <a:avLst/>
+          </a:prstGeom>
+          <a:noFill/>
+          <a:ln w="12700">
+            <a:noFill/>
+          </a:ln>
+          <a:effectLst/>
+          <a:scene3d>
+            <a:camera prst="orthographicFront">
+              <a:rot lat="0" lon="0" rev="0"/>
+            </a:camera>
+            <a:lightRig rig="chilly" dir="t">
+              <a:rot lat="0" lon="0" rev="18480000"/>
+            </a:lightRig>
+          </a:scene3d>
+          <a:sp3d prstMaterial="clear">
+            <a:bevelT h="63500"/>
+          </a:sp3d>
+        </p:spPr>
+        <p:style>
+          <a:lnRef idx="2">
+            <a:schemeClr val="accent1">
+              <a:shade val="50000"/>
+            </a:schemeClr>
+          </a:lnRef>
+          <a:fillRef idx="1">
+            <a:schemeClr val="accent1"/>
+          </a:fillRef>
+          <a:effectRef idx="0">
+            <a:schemeClr val="accent1"/>
+          </a:effectRef>
+          <a:fontRef idx="minor">
+            <a:schemeClr val="lt1"/>
+          </a:fontRef>
+        </p:style>
+        <p:txBody>
+          <a:bodyPr rtlCol="0" anchor="ctr"/>
+          <a:lstStyle/>
+          <a:p>
+            <a:pPr algn="ctr"/>
+            <a:endParaRPr lang="fr-FR"/>
+          </a:p>
+        </p:txBody>
+      </p:sp>
+      <p:sp>
+        <p:nvSpPr>
+          <p:cNvPr id="82" name="Rogner un rectangle à un seul coin 81"/>
+          <p:cNvSpPr/>
+          <p:nvPr/>
+        </p:nvSpPr>
+        <p:spPr>
+          <a:xfrm>
+            <a:off x="3312790" y="9359401"/>
+            <a:ext cx="2706670" cy="615320"/>
+          </a:xfrm>
+          <a:prstGeom prst="snip1Rect">
+            <a:avLst/>
+          </a:prstGeom>
+          <a:noFill/>
+          <a:ln w="12700">
+            <a:noFill/>
+          </a:ln>
+          <a:effectLst/>
+          <a:scene3d>
+            <a:camera prst="orthographicFront">
+              <a:rot lat="0" lon="0" rev="0"/>
+            </a:camera>
+            <a:lightRig rig="chilly" dir="t">
+              <a:rot lat="0" lon="0" rev="18480000"/>
+            </a:lightRig>
+          </a:scene3d>
+          <a:sp3d prstMaterial="clear">
+            <a:bevelT h="63500"/>
+          </a:sp3d>
+        </p:spPr>
+        <p:style>
+          <a:lnRef idx="2">
+            <a:schemeClr val="accent1">
+              <a:shade val="50000"/>
+            </a:schemeClr>
+          </a:lnRef>
+          <a:fillRef idx="1">
+            <a:schemeClr val="accent1"/>
+          </a:fillRef>
+          <a:effectRef idx="0">
+            <a:schemeClr val="accent1"/>
+          </a:effectRef>
+          <a:fontRef idx="minor">
+            <a:schemeClr val="lt1"/>
+          </a:fontRef>
+        </p:style>
+        <p:txBody>
+          <a:bodyPr rtlCol="0" anchor="ctr"/>
+          <a:lstStyle/>
+          <a:p>
+            <a:pPr algn="ctr"/>
+            <a:endParaRPr lang="fr-FR"/>
+          </a:p>
+        </p:txBody>
+      </p:sp>
+      <p:sp>
+        <p:nvSpPr>
+          <p:cNvPr id="85" name="Rogner un rectangle à un seul coin 84"/>
+          <p:cNvSpPr/>
+          <p:nvPr/>
+        </p:nvSpPr>
+        <p:spPr>
+          <a:xfrm flipH="1">
+            <a:off x="9771726" y="3186460"/>
+            <a:ext cx="2686080" cy="402442"/>
+          </a:xfrm>
+          <a:prstGeom prst="snip1Rect">
+            <a:avLst/>
+          </a:prstGeom>
+          <a:noFill/>
+          <a:ln w="12700">
+            <a:noFill/>
+          </a:ln>
+          <a:effectLst/>
+          <a:scene3d>
+            <a:camera prst="orthographicFront">
+              <a:rot lat="0" lon="0" rev="0"/>
+            </a:camera>
+            <a:lightRig rig="chilly" dir="t">
+              <a:rot lat="0" lon="0" rev="18480000"/>
+            </a:lightRig>
+          </a:scene3d>
+          <a:sp3d prstMaterial="clear">
+            <a:bevelT h="63500"/>
+          </a:sp3d>
+        </p:spPr>
+        <p:style>
+          <a:lnRef idx="2">
+            <a:schemeClr val="accent1">
+              <a:shade val="50000"/>
+            </a:schemeClr>
+          </a:lnRef>
+          <a:fillRef idx="1">
+            <a:schemeClr val="accent1"/>
+          </a:fillRef>
+          <a:effectRef idx="0">
+            <a:schemeClr val="accent1"/>
+          </a:effectRef>
+          <a:fontRef idx="minor">
+            <a:schemeClr val="lt1"/>
+          </a:fontRef>
+        </p:style>
+        <p:txBody>
+          <a:bodyPr rtlCol="0" anchor="ctr"/>
+          <a:lstStyle/>
+          <a:p>
+            <a:pPr algn="ctr"/>
+            <a:endParaRPr lang="fr-FR"/>
+          </a:p>
+        </p:txBody>
+      </p:sp>
+      <p:sp>
+        <p:nvSpPr>
+          <p:cNvPr id="86" name="Rogner un rectangle à un seul coin 85"/>
+          <p:cNvSpPr/>
+          <p:nvPr/>
+        </p:nvSpPr>
+        <p:spPr>
+          <a:xfrm flipH="1">
+            <a:off x="9771726" y="3906540"/>
+            <a:ext cx="2686080" cy="402442"/>
+          </a:xfrm>
+          <a:prstGeom prst="snip1Rect">
+            <a:avLst/>
+          </a:prstGeom>
+          <a:noFill/>
+          <a:ln w="12700">
+            <a:noFill/>
+          </a:ln>
+          <a:effectLst/>
+          <a:scene3d>
+            <a:camera prst="orthographicFront">
+              <a:rot lat="0" lon="0" rev="0"/>
+            </a:camera>
+            <a:lightRig rig="chilly" dir="t">
+              <a:rot lat="0" lon="0" rev="18480000"/>
+            </a:lightRig>
+          </a:scene3d>
+          <a:sp3d prstMaterial="clear">
+            <a:bevelT h="63500"/>
+          </a:sp3d>
+        </p:spPr>
+        <p:style>
+          <a:lnRef idx="2">
+            <a:schemeClr val="accent1">
+              <a:shade val="50000"/>
+            </a:schemeClr>
+          </a:lnRef>
+          <a:fillRef idx="1">
+            <a:schemeClr val="accent1"/>
+          </a:fillRef>
+          <a:effectRef idx="0">
+            <a:schemeClr val="accent1"/>
+          </a:effectRef>
+          <a:fontRef idx="minor">
+            <a:schemeClr val="lt1"/>
+          </a:fontRef>
+        </p:style>
+        <p:txBody>
+          <a:bodyPr rtlCol="0" anchor="ctr"/>
+          <a:lstStyle/>
+          <a:p>
+            <a:pPr algn="ctr"/>
+            <a:endParaRPr lang="fr-FR"/>
+          </a:p>
+        </p:txBody>
+      </p:sp>
+      <p:sp>
+        <p:nvSpPr>
+          <p:cNvPr id="87" name="Rogner un rectangle à un seul coin 86"/>
+          <p:cNvSpPr/>
+          <p:nvPr/>
+        </p:nvSpPr>
+        <p:spPr>
+          <a:xfrm flipH="1">
+            <a:off x="9770094" y="4770636"/>
+            <a:ext cx="2686080" cy="402442"/>
+          </a:xfrm>
+          <a:prstGeom prst="snip1Rect">
+            <a:avLst/>
+          </a:prstGeom>
+          <a:noFill/>
+          <a:ln w="12700">
+            <a:noFill/>
+          </a:ln>
+          <a:effectLst/>
+          <a:scene3d>
+            <a:camera prst="orthographicFront">
+              <a:rot lat="0" lon="0" rev="0"/>
+            </a:camera>
+            <a:lightRig rig="chilly" dir="t">
+              <a:rot lat="0" lon="0" rev="18480000"/>
+            </a:lightRig>
+          </a:scene3d>
+          <a:sp3d prstMaterial="clear">
+            <a:bevelT h="63500"/>
+          </a:sp3d>
+        </p:spPr>
+        <p:style>
+          <a:lnRef idx="2">
+            <a:schemeClr val="accent1">
+              <a:shade val="50000"/>
+            </a:schemeClr>
+          </a:lnRef>
+          <a:fillRef idx="1">
+            <a:schemeClr val="accent1"/>
+          </a:fillRef>
+          <a:effectRef idx="0">
+            <a:schemeClr val="accent1"/>
+          </a:effectRef>
+          <a:fontRef idx="minor">
+            <a:schemeClr val="lt1"/>
+          </a:fontRef>
+        </p:style>
+        <p:txBody>
+          <a:bodyPr rtlCol="0" anchor="ctr"/>
+          <a:lstStyle/>
+          <a:p>
+            <a:pPr algn="ctr"/>
+            <a:endParaRPr lang="fr-FR"/>
+          </a:p>
+        </p:txBody>
+      </p:sp>
+      <p:sp>
+        <p:nvSpPr>
+          <p:cNvPr id="89" name="Rogner un rectangle à un seul coin 88"/>
+          <p:cNvSpPr/>
+          <p:nvPr/>
+        </p:nvSpPr>
+        <p:spPr>
+          <a:xfrm flipH="1">
+            <a:off x="9105684" y="7458916"/>
+            <a:ext cx="5512361" cy="448292"/>
+          </a:xfrm>
+          <a:prstGeom prst="snip1Rect">
+            <a:avLst>
+              <a:gd name="adj" fmla="val 10279"/>
+            </a:avLst>
+          </a:prstGeom>
+          <a:noFill/>
+          <a:ln w="12700">
+            <a:noFill/>
+          </a:ln>
+          <a:effectLst/>
+          <a:scene3d>
+            <a:camera prst="orthographicFront">
+              <a:rot lat="0" lon="0" rev="0"/>
+            </a:camera>
+            <a:lightRig rig="chilly" dir="t">
+              <a:rot lat="0" lon="0" rev="18480000"/>
+            </a:lightRig>
+          </a:scene3d>
+          <a:sp3d prstMaterial="clear">
+            <a:bevelT h="63500"/>
+          </a:sp3d>
+        </p:spPr>
+        <p:style>
+          <a:lnRef idx="2">
+            <a:schemeClr val="accent1">
+              <a:shade val="50000"/>
+            </a:schemeClr>
+          </a:lnRef>
+          <a:fillRef idx="1">
+            <a:schemeClr val="accent1"/>
+          </a:fillRef>
+          <a:effectRef idx="0">
+            <a:schemeClr val="accent1"/>
+          </a:effectRef>
+          <a:fontRef idx="minor">
+            <a:schemeClr val="lt1"/>
+          </a:fontRef>
+        </p:style>
+        <p:txBody>
+          <a:bodyPr rtlCol="0" anchor="ctr"/>
+          <a:lstStyle/>
+          <a:p>
+            <a:pPr algn="ctr"/>
+            <a:endParaRPr lang="fr-FR"/>
+          </a:p>
+        </p:txBody>
+      </p:sp>
+      <p:sp>
+        <p:nvSpPr>
+          <p:cNvPr id="70" name="ZoneTexte 69"/>
+          <p:cNvSpPr txBox="1"/>
+          <p:nvPr/>
+        </p:nvSpPr>
+        <p:spPr>
+          <a:xfrm>
+            <a:off x="12515604" y="10434239"/>
+            <a:ext cx="3865957" cy="307777"/>
           </a:xfrm>
           <a:prstGeom prst="rect">
             <a:avLst/>
           </a:prstGeom>
-        </p:spPr>
-      </p:pic>
-      <p:pic>
-        <p:nvPicPr>
-          <p:cNvPr id="48" name="Picture 8" descr="C:\Users\Lily\Desktop\Dossier Line\M1-Info\ENGLISH\POSTER\device programmer.png"/>
-          <p:cNvPicPr>
-            <a:picLocks noChangeAspect="1" noChangeArrowheads="1"/>
-          </p:cNvPicPr>
+          <a:noFill/>
+        </p:spPr>
+        <p:txBody>
+          <a:bodyPr wrap="square" rtlCol="0">
+            <a:spAutoFit/>
+          </a:bodyPr>
+          <a:lstStyle/>
+          <a:p>
+            <a:r>
+              <a:rPr lang="fr-FR" sz="1400" dirty="0" smtClean="0"/>
+              <a:t>POUVARET Line, TURNEL Mickaël</a:t>
+            </a:r>
+            <a:endParaRPr lang="fr-FR" sz="1400" dirty="0"/>
+          </a:p>
+        </p:txBody>
+      </p:sp>
+      <p:sp>
+        <p:nvSpPr>
+          <p:cNvPr id="72" name="ZoneTexte 71"/>
+          <p:cNvSpPr txBox="1"/>
           <p:nvPr/>
-        </p:nvPicPr>
-        <p:blipFill>
-          <a:blip r:embed="rId13" cstate="print">
-            <a:extLst>
-              <a:ext uri="{28A0092B-C50C-407E-A947-70E740481C1C}">
-                <a14:useLocalDpi xmlns:a14="http://schemas.microsoft.com/office/drawing/2010/main" val="0"/>
-              </a:ext>
-            </a:extLst>
-          </a:blip>
-          <a:srcRect/>
-          <a:stretch>
-            <a:fillRect/>
-          </a:stretch>
-        </p:blipFill>
-        <p:spPr bwMode="auto">
-          <a:xfrm>
-            <a:off x="3492008" y="2649988"/>
-            <a:ext cx="468854" cy="467078"/>
+        </p:nvSpPr>
+        <p:spPr>
+          <a:xfrm>
+            <a:off x="422" y="10427376"/>
+            <a:ext cx="9847697" cy="276999"/>
           </a:xfrm>
           <a:prstGeom prst="rect">
             <a:avLst/>
           </a:prstGeom>
           <a:noFill/>
-          <a:extLst>
-            <a:ext uri="{909E8E84-426E-40DD-AFC4-6F175D3DCCD1}">
-              <a14:hiddenFill xmlns:a14="http://schemas.microsoft.com/office/drawing/2010/main">
-                <a:solidFill>
-                  <a:srgbClr val="FFFFFF"/>
-                </a:solidFill>
-              </a14:hiddenFill>
-            </a:ext>
-          </a:extLst>
-        </p:spPr>
-      </p:pic>
+          <a:ln>
+            <a:noFill/>
+          </a:ln>
+        </p:spPr>
+        <p:txBody>
+          <a:bodyPr wrap="square" rtlCol="0">
+            <a:spAutoFit/>
+          </a:bodyPr>
+          <a:lstStyle/>
+          <a:p>
+            <a:r>
+              <a:rPr lang="fr-FR" sz="1200" dirty="0">
+                <a:hlinkClick r:id="rId23"/>
+              </a:rPr>
+              <a:t>http://</a:t>
+            </a:r>
+            <a:r>
+              <a:rPr lang="fr-FR" sz="1200" dirty="0" smtClean="0">
+                <a:hlinkClick r:id="rId23"/>
+              </a:rPr>
+              <a:t>www.secure-medicine.org/public/publications/icd-study.pdf</a:t>
+            </a:r>
+            <a:r>
+              <a:rPr lang="fr-FR" sz="1200" dirty="0"/>
+              <a:t> </a:t>
+            </a:r>
+            <a:r>
+              <a:rPr lang="fr-FR" sz="1200" dirty="0" smtClean="0"/>
+              <a:t>      </a:t>
+            </a:r>
+            <a:r>
+              <a:rPr lang="fr-FR" sz="1200" dirty="0" smtClean="0">
+                <a:hlinkClick r:id="rId24"/>
+              </a:rPr>
+              <a:t> </a:t>
+            </a:r>
+            <a:r>
+              <a:rPr lang="fr-FR" sz="1200" dirty="0">
+                <a:hlinkClick r:id="rId24"/>
+              </a:rPr>
+              <a:t>http://www.halper.in/pubs/imdsecurity_slides_ransford_oakland08.pdf</a:t>
+            </a:r>
+            <a:r>
+              <a:rPr lang="fr-FR" sz="1200" dirty="0" smtClean="0"/>
+              <a:t> </a:t>
+            </a:r>
+            <a:endParaRPr lang="fr-FR" sz="1200" dirty="0"/>
+          </a:p>
+        </p:txBody>
+      </p:sp>
       <p:cxnSp>
         <p:nvCxnSpPr>
-          <p:cNvPr id="41" name="Connecteur droit avec flèche 40"/>
+          <p:cNvPr id="74" name="Connecteur droit 73"/>
           <p:cNvCxnSpPr/>
           <p:nvPr/>
         </p:nvCxnSpPr>
         <p:spPr>
           <a:xfrm>
-            <a:off x="3228076" y="2974808"/>
-            <a:ext cx="300738" cy="0"/>
-          </a:xfrm>
-          <a:prstGeom prst="straightConnector1">
-            <a:avLst/>
-          </a:prstGeom>
-          <a:ln w="28575">
+            <a:off x="2103864" y="4854831"/>
+            <a:ext cx="1124213" cy="442011"/>
+          </a:xfrm>
+          <a:prstGeom prst="line">
+            <a:avLst/>
+          </a:prstGeom>
+          <a:ln>
             <a:solidFill>
               <a:schemeClr val="tx1"/>
             </a:solidFill>
-            <a:tailEnd type="triangle"/>
           </a:ln>
         </p:spPr>
         <p:style>
@@ -4431,23 +6862,22 @@
       </p:cxnSp>
       <p:cxnSp>
         <p:nvCxnSpPr>
-          <p:cNvPr id="51" name="Connecteur droit avec flèche 50"/>
+          <p:cNvPr id="76" name="Connecteur droit 75"/>
           <p:cNvCxnSpPr/>
           <p:nvPr/>
         </p:nvCxnSpPr>
         <p:spPr>
           <a:xfrm>
-            <a:off x="3960862" y="2964936"/>
-            <a:ext cx="300738" cy="0"/>
-          </a:xfrm>
-          <a:prstGeom prst="straightConnector1">
-            <a:avLst/>
-          </a:prstGeom>
-          <a:ln w="28575">
+            <a:off x="2085927" y="4919106"/>
+            <a:ext cx="868718" cy="455183"/>
+          </a:xfrm>
+          <a:prstGeom prst="line">
+            <a:avLst/>
+          </a:prstGeom>
+          <a:ln>
             <a:solidFill>
               <a:schemeClr val="tx1"/>
             </a:solidFill>
-            <a:tailEnd type="triangle"/>
           </a:ln>
         </p:spPr>
         <p:style>
@@ -4465,178 +6895,16 @@
           </a:fontRef>
         </p:style>
       </p:cxnSp>
-      <p:pic>
-        <p:nvPicPr>
-          <p:cNvPr id="42" name="Image 41"/>
-          <p:cNvPicPr>
-            <a:picLocks noChangeAspect="1"/>
-          </p:cNvPicPr>
-          <p:nvPr/>
-        </p:nvPicPr>
-        <p:blipFill>
-          <a:blip r:embed="rId14">
-            <a:extLst>
-              <a:ext uri="{BEBA8EAE-BF5A-486C-A8C5-ECC9F3942E4B}">
-                <a14:imgProps xmlns:a14="http://schemas.microsoft.com/office/drawing/2010/main">
-                  <a14:imgLayer r:embed="rId15">
-                    <a14:imgEffect>
-                      <a14:artisticCrisscrossEtching/>
-                    </a14:imgEffect>
-                  </a14:imgLayer>
-                </a14:imgProps>
-              </a:ext>
-              <a:ext uri="{28A0092B-C50C-407E-A947-70E740481C1C}">
-                <a14:useLocalDpi xmlns:a14="http://schemas.microsoft.com/office/drawing/2010/main" val="0"/>
-              </a:ext>
-            </a:extLst>
-          </a:blip>
-          <a:stretch>
-            <a:fillRect/>
-          </a:stretch>
-        </p:blipFill>
-        <p:spPr>
-          <a:xfrm rot="826688">
-            <a:off x="2960670" y="5020892"/>
-            <a:ext cx="4113802" cy="848989"/>
-          </a:xfrm>
-          <a:prstGeom prst="rect">
-            <a:avLst/>
-          </a:prstGeom>
-          <a:effectLst>
-            <a:softEdge rad="0"/>
-          </a:effectLst>
-        </p:spPr>
-      </p:pic>
-      <p:pic>
-        <p:nvPicPr>
-          <p:cNvPr id="44" name="Image 43"/>
-          <p:cNvPicPr>
-            <a:picLocks noChangeAspect="1"/>
-          </p:cNvPicPr>
-          <p:nvPr/>
-        </p:nvPicPr>
-        <p:blipFill>
-          <a:blip r:embed="rId16" cstate="print">
-            <a:extLst>
-              <a:ext uri="{28A0092B-C50C-407E-A947-70E740481C1C}">
-                <a14:useLocalDpi xmlns:a14="http://schemas.microsoft.com/office/drawing/2010/main" val="0"/>
-              </a:ext>
-            </a:extLst>
-          </a:blip>
-          <a:stretch>
-            <a:fillRect/>
-          </a:stretch>
-        </p:blipFill>
-        <p:spPr>
-          <a:xfrm>
-            <a:off x="4032870" y="6586423"/>
-            <a:ext cx="1467687" cy="915017"/>
-          </a:xfrm>
-          <a:prstGeom prst="rect">
-            <a:avLst/>
-          </a:prstGeom>
-        </p:spPr>
-      </p:pic>
-      <p:pic>
-        <p:nvPicPr>
-          <p:cNvPr id="46" name="Image 45"/>
-          <p:cNvPicPr>
-            <a:picLocks noChangeAspect="1"/>
-          </p:cNvPicPr>
-          <p:nvPr/>
-        </p:nvPicPr>
-        <p:blipFill>
-          <a:blip r:embed="rId17">
-            <a:extLst>
-              <a:ext uri="{28A0092B-C50C-407E-A947-70E740481C1C}">
-                <a14:useLocalDpi xmlns:a14="http://schemas.microsoft.com/office/drawing/2010/main" val="0"/>
-              </a:ext>
-            </a:extLst>
-          </a:blip>
-          <a:stretch>
-            <a:fillRect/>
-          </a:stretch>
-        </p:blipFill>
-        <p:spPr>
-          <a:xfrm>
-            <a:off x="5639825" y="5986508"/>
-            <a:ext cx="668338" cy="668338"/>
-          </a:xfrm>
-          <a:prstGeom prst="rect">
-            <a:avLst/>
-          </a:prstGeom>
-        </p:spPr>
-      </p:pic>
-      <p:pic>
-        <p:nvPicPr>
-          <p:cNvPr id="47" name="Image 46"/>
-          <p:cNvPicPr>
-            <a:picLocks noChangeAspect="1"/>
-          </p:cNvPicPr>
-          <p:nvPr/>
-        </p:nvPicPr>
-        <p:blipFill>
-          <a:blip r:embed="rId18" cstate="print">
-            <a:extLst>
-              <a:ext uri="{28A0092B-C50C-407E-A947-70E740481C1C}">
-                <a14:useLocalDpi xmlns:a14="http://schemas.microsoft.com/office/drawing/2010/main" val="0"/>
-              </a:ext>
-            </a:extLst>
-          </a:blip>
-          <a:stretch>
-            <a:fillRect/>
-          </a:stretch>
-        </p:blipFill>
-        <p:spPr>
-          <a:xfrm flipH="1">
-            <a:off x="2376686" y="8453405"/>
-            <a:ext cx="227136" cy="200163"/>
-          </a:xfrm>
-          <a:prstGeom prst="rect">
-            <a:avLst/>
-          </a:prstGeom>
-        </p:spPr>
-      </p:pic>
-      <p:pic>
-        <p:nvPicPr>
-          <p:cNvPr id="59" name="Image 58"/>
-          <p:cNvPicPr>
-            <a:picLocks noChangeAspect="1"/>
-          </p:cNvPicPr>
-          <p:nvPr/>
-        </p:nvPicPr>
-        <p:blipFill>
-          <a:blip r:embed="rId18" cstate="print">
-            <a:extLst>
-              <a:ext uri="{28A0092B-C50C-407E-A947-70E740481C1C}">
-                <a14:useLocalDpi xmlns:a14="http://schemas.microsoft.com/office/drawing/2010/main" val="0"/>
-              </a:ext>
-            </a:extLst>
-          </a:blip>
-          <a:stretch>
-            <a:fillRect/>
-          </a:stretch>
-        </p:blipFill>
-        <p:spPr>
-          <a:xfrm flipH="1">
-            <a:off x="3013646" y="9229632"/>
-            <a:ext cx="227136" cy="200163"/>
-          </a:xfrm>
-          <a:prstGeom prst="rect">
-            <a:avLst/>
-          </a:prstGeom>
-        </p:spPr>
-      </p:pic>
-      <p:sp>
-        <p:nvSpPr>
-          <p:cNvPr id="49" name="ZoneTexte 48"/>
+      <p:sp>
+        <p:nvSpPr>
+          <p:cNvPr id="84" name="ZoneTexte 83"/>
           <p:cNvSpPr txBox="1"/>
           <p:nvPr/>
         </p:nvSpPr>
         <p:spPr>
           <a:xfrm>
-            <a:off x="9057841" y="2831920"/>
-            <a:ext cx="5560205" cy="2031325"/>
+            <a:off x="3585589" y="4338588"/>
+            <a:ext cx="1599409" cy="276999"/>
           </a:xfrm>
           <a:prstGeom prst="rect">
             <a:avLst/>
@@ -4650,251 +6918,27 @@
           <a:lstStyle/>
           <a:p>
             <a:r>
-              <a:rPr lang="en-US" sz="1400" b="1" dirty="0" smtClean="0"/>
-              <a:t>Solutions ?</a:t>
-            </a:r>
-          </a:p>
-          <a:p>
-            <a:pPr marL="1025362" lvl="1" indent="-285750">
-              <a:buFont typeface="Arial" panose="020B0604020202020204" pitchFamily="34" charset="0"/>
-              <a:buChar char="•"/>
-            </a:pPr>
-            <a:r>
-              <a:rPr lang="en-US" sz="1200" dirty="0" smtClean="0"/>
-              <a:t>Authenticate device programmers ?</a:t>
-            </a:r>
-          </a:p>
-          <a:p>
-            <a:pPr marL="1025362" lvl="1" indent="-285750">
-              <a:buFont typeface="Arial" panose="020B0604020202020204" pitchFamily="34" charset="0"/>
-              <a:buChar char="•"/>
-            </a:pPr>
-            <a:r>
-              <a:rPr lang="en-US" sz="1200" dirty="0" smtClean="0"/>
-              <a:t>Encryption ? Passwords ?</a:t>
-            </a:r>
-          </a:p>
-          <a:p>
-            <a:r>
-              <a:rPr lang="en-US" sz="1400" b="1" dirty="0" smtClean="0"/>
-              <a:t>Problems</a:t>
-            </a:r>
-          </a:p>
-          <a:p>
-            <a:pPr marL="1025362" lvl="1" indent="-285750">
-              <a:buFont typeface="Arial" panose="020B0604020202020204" pitchFamily="34" charset="0"/>
-              <a:buChar char="•"/>
-            </a:pPr>
-            <a:r>
-              <a:rPr lang="en-US" sz="1200" dirty="0" smtClean="0"/>
-              <a:t>Need emergency access !</a:t>
-            </a:r>
-          </a:p>
-          <a:p>
-            <a:pPr marL="1025362" lvl="1" indent="-285750">
-              <a:buFont typeface="Arial" panose="020B0604020202020204" pitchFamily="34" charset="0"/>
-              <a:buChar char="•"/>
-            </a:pPr>
-            <a:r>
-              <a:rPr lang="en-US" sz="1200" dirty="0" smtClean="0"/>
-              <a:t>Patient’s health : top priority</a:t>
-            </a:r>
-          </a:p>
-          <a:p>
-            <a:pPr marL="1025362" lvl="1" indent="-285750">
-              <a:buFont typeface="Arial" panose="020B0604020202020204" pitchFamily="34" charset="0"/>
-              <a:buChar char="•"/>
-            </a:pPr>
-            <a:endParaRPr lang="en-US" sz="1200" dirty="0"/>
-          </a:p>
-          <a:p>
-            <a:r>
-              <a:rPr lang="en-US" sz="1400" b="1" dirty="0" smtClean="0"/>
-              <a:t>Prototypes defenses VS </a:t>
-            </a:r>
-            <a:r>
-              <a:rPr lang="en-US" sz="1400" b="1" u="sng" dirty="0" smtClean="0"/>
-              <a:t>some</a:t>
-            </a:r>
-            <a:r>
-              <a:rPr lang="en-US" sz="1400" b="1" dirty="0" smtClean="0"/>
-              <a:t> of the attacks</a:t>
-            </a:r>
-          </a:p>
-          <a:p>
-            <a:pPr marL="1025362" lvl="1" indent="-285750">
-              <a:buFont typeface="Arial" panose="020B0604020202020204" pitchFamily="34" charset="0"/>
-              <a:buChar char="•"/>
-            </a:pPr>
-            <a:r>
-              <a:rPr lang="en-US" sz="1200" dirty="0" smtClean="0"/>
-              <a:t>Idea : defend without using battery</a:t>
-            </a:r>
-          </a:p>
-          <a:p>
-            <a:pPr marL="1025362" lvl="1" indent="-285750">
-              <a:buFont typeface="Arial" panose="020B0604020202020204" pitchFamily="34" charset="0"/>
-              <a:buChar char="•"/>
-            </a:pPr>
-            <a:r>
-              <a:rPr lang="en-US" sz="1200" dirty="0" smtClean="0"/>
-              <a:t>External parties pays for power</a:t>
-            </a:r>
-          </a:p>
-        </p:txBody>
-      </p:sp>
-      <p:pic>
-        <p:nvPicPr>
-          <p:cNvPr id="61" name="Picture 2" descr="C:\Users\Lily\Desktop\Dossier Line\M1-Info\ENGLISH\POSTER\sword-308836_640.png"/>
-          <p:cNvPicPr>
-            <a:picLocks noChangeAspect="1" noChangeArrowheads="1"/>
-          </p:cNvPicPr>
-          <p:nvPr/>
-        </p:nvPicPr>
-        <p:blipFill>
-          <a:blip r:embed="rId9" cstate="print">
-            <a:extLst>
-              <a:ext uri="{28A0092B-C50C-407E-A947-70E740481C1C}">
-                <a14:useLocalDpi xmlns:a14="http://schemas.microsoft.com/office/drawing/2010/main" val="0"/>
-              </a:ext>
-            </a:extLst>
-          </a:blip>
-          <a:srcRect/>
-          <a:stretch>
-            <a:fillRect/>
-          </a:stretch>
-        </p:blipFill>
-        <p:spPr bwMode="auto">
-          <a:xfrm>
-            <a:off x="2174326" y="2114402"/>
-            <a:ext cx="695312" cy="528002"/>
-          </a:xfrm>
-          <a:prstGeom prst="rect">
-            <a:avLst/>
-          </a:prstGeom>
-          <a:noFill/>
-          <a:extLst>
-            <a:ext uri="{909E8E84-426E-40DD-AFC4-6F175D3DCCD1}">
-              <a14:hiddenFill xmlns:a14="http://schemas.microsoft.com/office/drawing/2010/main">
-                <a:solidFill>
-                  <a:srgbClr val="FFFFFF"/>
-                </a:solidFill>
-              </a14:hiddenFill>
-            </a:ext>
-          </a:extLst>
-        </p:spPr>
-      </p:pic>
-      <p:pic>
-        <p:nvPicPr>
-          <p:cNvPr id="63" name="Picture 3" descr="C:\Users\Lily\Desktop\Dossier Line\M1-Info\ENGLISH\POSTER\4.png"/>
-          <p:cNvPicPr>
-            <a:picLocks noChangeAspect="1" noChangeArrowheads="1"/>
-          </p:cNvPicPr>
-          <p:nvPr/>
-        </p:nvPicPr>
-        <p:blipFill>
-          <a:blip r:embed="rId10" cstate="print">
-            <a:extLst>
-              <a:ext uri="{28A0092B-C50C-407E-A947-70E740481C1C}">
-                <a14:useLocalDpi xmlns:a14="http://schemas.microsoft.com/office/drawing/2010/main" val="0"/>
-              </a:ext>
-            </a:extLst>
-          </a:blip>
-          <a:srcRect/>
-          <a:stretch>
-            <a:fillRect/>
-          </a:stretch>
-        </p:blipFill>
-        <p:spPr bwMode="auto">
-          <a:xfrm>
-            <a:off x="12368399" y="2103675"/>
-            <a:ext cx="633576" cy="633576"/>
-          </a:xfrm>
-          <a:prstGeom prst="rect">
-            <a:avLst/>
-          </a:prstGeom>
-          <a:noFill/>
-          <a:extLst>
-            <a:ext uri="{909E8E84-426E-40DD-AFC4-6F175D3DCCD1}">
-              <a14:hiddenFill xmlns:a14="http://schemas.microsoft.com/office/drawing/2010/main">
-                <a:solidFill>
-                  <a:srgbClr val="FFFFFF"/>
-                </a:solidFill>
-              </a14:hiddenFill>
-            </a:ext>
-          </a:extLst>
-        </p:spPr>
-      </p:pic>
-      <p:pic>
-        <p:nvPicPr>
-          <p:cNvPr id="50" name="Image 49"/>
-          <p:cNvPicPr>
-            <a:picLocks noChangeAspect="1"/>
-          </p:cNvPicPr>
-          <p:nvPr/>
-        </p:nvPicPr>
-        <p:blipFill>
-          <a:blip r:embed="rId19" cstate="print">
-            <a:extLst>
-              <a:ext uri="{28A0092B-C50C-407E-A947-70E740481C1C}">
-                <a14:useLocalDpi xmlns:a14="http://schemas.microsoft.com/office/drawing/2010/main" val="0"/>
-              </a:ext>
-            </a:extLst>
-          </a:blip>
-          <a:stretch>
-            <a:fillRect/>
-          </a:stretch>
-        </p:blipFill>
-        <p:spPr>
-          <a:xfrm>
-            <a:off x="12803306" y="5056362"/>
-            <a:ext cx="1389337" cy="537704"/>
-          </a:xfrm>
-          <a:prstGeom prst="rect">
-            <a:avLst/>
-          </a:prstGeom>
-        </p:spPr>
-      </p:pic>
-      <p:pic>
-        <p:nvPicPr>
-          <p:cNvPr id="53" name="Image 52"/>
-          <p:cNvPicPr>
-            <a:picLocks noChangeAspect="1"/>
-          </p:cNvPicPr>
-          <p:nvPr/>
-        </p:nvPicPr>
-        <p:blipFill>
-          <a:blip r:embed="rId20">
-            <a:extLst>
-              <a:ext uri="{28A0092B-C50C-407E-A947-70E740481C1C}">
-                <a14:useLocalDpi xmlns:a14="http://schemas.microsoft.com/office/drawing/2010/main" val="0"/>
-              </a:ext>
-            </a:extLst>
-          </a:blip>
-          <a:stretch>
-            <a:fillRect/>
-          </a:stretch>
-        </p:blipFill>
-        <p:spPr>
-          <a:xfrm>
-            <a:off x="9308484" y="6210796"/>
-            <a:ext cx="1775417" cy="1639855"/>
-          </a:xfrm>
-          <a:prstGeom prst="rect">
-            <a:avLst/>
-          </a:prstGeom>
-        </p:spPr>
-      </p:pic>
-      <p:sp>
-        <p:nvSpPr>
-          <p:cNvPr id="54" name="ZoneTexte 53"/>
+              <a:rPr lang="fr-FR" sz="1200" dirty="0" err="1"/>
+              <a:t>A</a:t>
+            </a:r>
+            <a:r>
+              <a:rPr lang="fr-FR" sz="1200" dirty="0" err="1" smtClean="0"/>
+              <a:t>ntenna</a:t>
+            </a:r>
+            <a:endParaRPr lang="fr-FR" sz="1200" dirty="0"/>
+          </a:p>
+        </p:txBody>
+      </p:sp>
+      <p:sp>
+        <p:nvSpPr>
+          <p:cNvPr id="90" name="ZoneTexte 89"/>
           <p:cNvSpPr txBox="1"/>
           <p:nvPr/>
         </p:nvSpPr>
         <p:spPr>
           <a:xfrm>
-            <a:off x="6553150" y="9595172"/>
-            <a:ext cx="1944575" cy="338554"/>
+            <a:off x="4795917" y="5069701"/>
+            <a:ext cx="965145" cy="276999"/>
           </a:xfrm>
           <a:prstGeom prst="rect">
             <a:avLst/>
@@ -4908,27 +6952,59 @@
           <a:lstStyle/>
           <a:p>
             <a:r>
-              <a:rPr lang="fr-FR" sz="1600" b="1" dirty="0" err="1" smtClean="0"/>
-              <a:t>Device</a:t>
-            </a:r>
-            <a:r>
-              <a:rPr lang="fr-FR" sz="1600" b="1" dirty="0" smtClean="0"/>
-              <a:t> Programmer</a:t>
-            </a:r>
-            <a:endParaRPr lang="fr-FR" sz="1600" b="1" dirty="0"/>
-          </a:p>
-        </p:txBody>
-      </p:sp>
-      <p:sp>
-        <p:nvSpPr>
-          <p:cNvPr id="55" name="ZoneTexte 54"/>
+              <a:rPr lang="fr-FR" sz="1200" dirty="0"/>
+              <a:t>~10 cm</a:t>
+            </a:r>
+            <a:endParaRPr lang="fr-FR" sz="1200" dirty="0"/>
+          </a:p>
+        </p:txBody>
+      </p:sp>
+      <p:cxnSp>
+        <p:nvCxnSpPr>
+          <p:cNvPr id="99" name="Connecteur droit avec flèche 98"/>
+          <p:cNvCxnSpPr/>
+          <p:nvPr/>
+        </p:nvCxnSpPr>
+        <p:spPr>
+          <a:xfrm>
+            <a:off x="3294788" y="4488120"/>
+            <a:ext cx="300738" cy="0"/>
+          </a:xfrm>
+          <a:prstGeom prst="straightConnector1">
+            <a:avLst/>
+          </a:prstGeom>
+          <a:ln w="28575">
+            <a:solidFill>
+              <a:schemeClr val="tx1"/>
+            </a:solidFill>
+            <a:tailEnd type="triangle"/>
+          </a:ln>
+        </p:spPr>
+        <p:style>
+          <a:lnRef idx="1">
+            <a:schemeClr val="accent1"/>
+          </a:lnRef>
+          <a:fillRef idx="0">
+            <a:schemeClr val="accent1"/>
+          </a:fillRef>
+          <a:effectRef idx="0">
+            <a:schemeClr val="accent1"/>
+          </a:effectRef>
+          <a:fontRef idx="minor">
+            <a:schemeClr val="tx1"/>
+          </a:fontRef>
+        </p:style>
+      </p:cxnSp>
+      <p:sp>
+        <p:nvSpPr>
+          <p:cNvPr id="91" name="ZoneTexte 90"/>
           <p:cNvSpPr txBox="1"/>
           <p:nvPr/>
         </p:nvSpPr>
         <p:spPr>
           <a:xfrm>
-            <a:off x="7561262" y="6993592"/>
-            <a:ext cx="936104" cy="369332"/>
+            <a:off x="1191649" y="5136192"/>
+            <a:ext cx="1721200" cy="276999"/>
           </a:xfrm>
           <a:prstGeom prst="rect">
             <a:avLst/>
@@ -4942,303 +7018,14 @@
           <a:lstStyle/>
           <a:p>
             <a:r>
-              <a:rPr lang="fr-FR" sz="1800" dirty="0" smtClean="0"/>
-              <a:t>control</a:t>
-            </a:r>
-            <a:endParaRPr lang="fr-FR" sz="1800" dirty="0"/>
-          </a:p>
-        </p:txBody>
-      </p:sp>
-      <p:pic>
-        <p:nvPicPr>
-          <p:cNvPr id="56" name="Image 55"/>
-          <p:cNvPicPr>
-            <a:picLocks noChangeAspect="1"/>
-          </p:cNvPicPr>
-          <p:nvPr/>
-        </p:nvPicPr>
-        <p:blipFill>
-          <a:blip r:embed="rId21" cstate="print">
-            <a:extLst>
-              <a:ext uri="{28A0092B-C50C-407E-A947-70E740481C1C}">
-                <a14:useLocalDpi xmlns:a14="http://schemas.microsoft.com/office/drawing/2010/main" val="0"/>
-              </a:ext>
-            </a:extLst>
-          </a:blip>
-          <a:stretch>
-            <a:fillRect/>
-          </a:stretch>
-        </p:blipFill>
-        <p:spPr>
-          <a:xfrm>
-            <a:off x="5435367" y="7591748"/>
-            <a:ext cx="733844" cy="733844"/>
-          </a:xfrm>
-          <a:prstGeom prst="rect">
-            <a:avLst/>
-          </a:prstGeom>
-        </p:spPr>
-      </p:pic>
-      <p:sp>
-        <p:nvSpPr>
-          <p:cNvPr id="11" name="ZoneTexte 10"/>
-          <p:cNvSpPr txBox="1"/>
-          <p:nvPr/>
-        </p:nvSpPr>
-        <p:spPr>
-          <a:xfrm>
-            <a:off x="9050126" y="5193375"/>
-            <a:ext cx="3736505" cy="646331"/>
-          </a:xfrm>
-          <a:prstGeom prst="rect">
-            <a:avLst/>
-          </a:prstGeom>
-          <a:noFill/>
-        </p:spPr>
-        <p:txBody>
-          <a:bodyPr wrap="square" rtlCol="0">
-            <a:spAutoFit/>
-          </a:bodyPr>
-          <a:lstStyle/>
-          <a:p>
-            <a:r>
-              <a:rPr lang="en-US" sz="1200" dirty="0"/>
-              <a:t>Example of prototype : </a:t>
-            </a:r>
-            <a:r>
-              <a:rPr lang="en-US" sz="1200" b="1" dirty="0"/>
-              <a:t>WISP</a:t>
-            </a:r>
-            <a:r>
-              <a:rPr lang="en-US" sz="1200" dirty="0"/>
-              <a:t> = RFID + computation</a:t>
-            </a:r>
-          </a:p>
-          <a:p>
-            <a:r>
-              <a:rPr lang="en-US" sz="1200" b="1" dirty="0" smtClean="0"/>
-              <a:t>                                          </a:t>
-            </a:r>
-            <a:r>
-              <a:rPr lang="en-US" sz="1200" b="1" dirty="0" err="1" smtClean="0"/>
-              <a:t>WISPer</a:t>
-            </a:r>
-            <a:r>
-              <a:rPr lang="en-US" sz="1200" dirty="0" smtClean="0"/>
-              <a:t> </a:t>
-            </a:r>
-            <a:r>
-              <a:rPr lang="en-US" sz="1200" dirty="0"/>
-              <a:t>= WISP + code</a:t>
-            </a:r>
-          </a:p>
-          <a:p>
-            <a:endParaRPr lang="en-US" sz="1200" dirty="0"/>
-          </a:p>
-        </p:txBody>
-      </p:sp>
-      <p:sp>
-        <p:nvSpPr>
-          <p:cNvPr id="13" name="ZoneTexte 12"/>
-          <p:cNvSpPr txBox="1"/>
-          <p:nvPr/>
-        </p:nvSpPr>
-        <p:spPr>
-          <a:xfrm>
-            <a:off x="11186847" y="6354812"/>
-            <a:ext cx="3199567" cy="1384995"/>
-          </a:xfrm>
-          <a:prstGeom prst="rect">
-            <a:avLst/>
-          </a:prstGeom>
-          <a:noFill/>
-        </p:spPr>
-        <p:txBody>
-          <a:bodyPr wrap="square" rtlCol="0">
-            <a:spAutoFit/>
-          </a:bodyPr>
-          <a:lstStyle/>
-          <a:p>
-            <a:r>
-              <a:rPr lang="en-US" sz="1200" b="1" dirty="0" smtClean="0"/>
-              <a:t>1</a:t>
-            </a:r>
-            <a:r>
-              <a:rPr lang="en-US" sz="1200" dirty="0" smtClean="0"/>
-              <a:t>: External party authenticate through </a:t>
-            </a:r>
-            <a:r>
-              <a:rPr lang="en-US" sz="1200" b="1" dirty="0" err="1" smtClean="0"/>
-              <a:t>WISPer</a:t>
-            </a:r>
-            <a:endParaRPr lang="en-US" sz="1200" b="1" dirty="0" smtClean="0"/>
-          </a:p>
-          <a:p>
-            <a:r>
-              <a:rPr lang="en-US" sz="1200" b="1" dirty="0" smtClean="0"/>
-              <a:t>2</a:t>
-            </a:r>
-            <a:r>
-              <a:rPr lang="en-US" sz="1200" dirty="0" smtClean="0"/>
-              <a:t>: If successful </a:t>
-            </a:r>
-            <a:r>
-              <a:rPr lang="en-US" sz="1200" b="1" dirty="0" err="1" smtClean="0"/>
-              <a:t>WISPer</a:t>
-            </a:r>
-            <a:r>
-              <a:rPr lang="en-US" sz="1200" b="1" dirty="0" smtClean="0"/>
-              <a:t> </a:t>
-            </a:r>
-            <a:r>
-              <a:rPr lang="en-US" sz="1200" dirty="0" smtClean="0"/>
-              <a:t> says to </a:t>
-            </a:r>
-            <a:r>
-              <a:rPr lang="en-US" sz="1200" b="1" dirty="0" smtClean="0"/>
-              <a:t>ICD</a:t>
-            </a:r>
-            <a:r>
-              <a:rPr lang="en-US" sz="1200" dirty="0" smtClean="0"/>
-              <a:t> “Ok you can use radio”</a:t>
-            </a:r>
-          </a:p>
-          <a:p>
-            <a:r>
-              <a:rPr lang="en-US" sz="1200" b="1" dirty="0" smtClean="0"/>
-              <a:t>3</a:t>
-            </a:r>
-            <a:r>
-              <a:rPr lang="en-US" sz="1200" dirty="0" smtClean="0"/>
-              <a:t>: Then the External party can control the </a:t>
-            </a:r>
-            <a:r>
-              <a:rPr lang="en-US" sz="1200" b="1" dirty="0" smtClean="0"/>
-              <a:t>ICD</a:t>
-            </a:r>
-          </a:p>
-          <a:p>
-            <a:endParaRPr lang="en-US" sz="1200" b="1" dirty="0" smtClean="0"/>
-          </a:p>
-          <a:p>
-            <a:r>
-              <a:rPr lang="en-US" sz="1200" dirty="0" smtClean="0"/>
-              <a:t>The patient is notified </a:t>
-            </a:r>
-            <a:r>
-              <a:rPr lang="fr-FR" sz="1200" b="1" dirty="0" err="1" smtClean="0"/>
-              <a:t>acoustically</a:t>
-            </a:r>
-            <a:r>
               <a:rPr lang="fr-FR" sz="1200" dirty="0" smtClean="0"/>
-              <a:t> </a:t>
+              <a:t>USRP </a:t>
             </a:r>
             <a:r>
               <a:rPr lang="fr-FR" sz="1200" dirty="0" err="1" smtClean="0"/>
-              <a:t>during</a:t>
-            </a:r>
-            <a:r>
-              <a:rPr lang="fr-FR" sz="1200" dirty="0" smtClean="0"/>
-              <a:t> the </a:t>
-            </a:r>
-            <a:r>
-              <a:rPr lang="fr-FR" sz="1200" dirty="0" err="1" smtClean="0"/>
-              <a:t>whole</a:t>
-            </a:r>
-            <a:r>
-              <a:rPr lang="fr-FR" sz="1200" dirty="0" smtClean="0"/>
-              <a:t> time.</a:t>
-            </a:r>
-            <a:endParaRPr lang="en-US" sz="1200" dirty="0"/>
-          </a:p>
-        </p:txBody>
-      </p:sp>
-      <p:sp>
-        <p:nvSpPr>
-          <p:cNvPr id="14" name="ZoneTexte 13"/>
-          <p:cNvSpPr txBox="1"/>
-          <p:nvPr/>
-        </p:nvSpPr>
-        <p:spPr>
-          <a:xfrm>
-            <a:off x="13082631" y="5633614"/>
-            <a:ext cx="1080120" cy="276999"/>
-          </a:xfrm>
-          <a:prstGeom prst="rect">
-            <a:avLst/>
-          </a:prstGeom>
-          <a:noFill/>
-        </p:spPr>
-        <p:txBody>
-          <a:bodyPr wrap="square" rtlCol="0">
-            <a:spAutoFit/>
-          </a:bodyPr>
-          <a:lstStyle/>
-          <a:p>
-            <a:r>
-              <a:rPr lang="en-US" sz="1200" dirty="0" smtClean="0"/>
-              <a:t>The WISP</a:t>
-            </a:r>
-            <a:endParaRPr lang="en-US" sz="1200" dirty="0"/>
-          </a:p>
-        </p:txBody>
-      </p:sp>
-      <p:sp>
-        <p:nvSpPr>
-          <p:cNvPr id="15" name="ZoneTexte 14"/>
-          <p:cNvSpPr txBox="1"/>
-          <p:nvPr/>
-        </p:nvSpPr>
-        <p:spPr>
-          <a:xfrm>
-            <a:off x="9036026" y="5903019"/>
-            <a:ext cx="3649161" cy="307777"/>
-          </a:xfrm>
-          <a:prstGeom prst="rect">
-            <a:avLst/>
-          </a:prstGeom>
-          <a:noFill/>
-        </p:spPr>
-        <p:txBody>
-          <a:bodyPr wrap="square" rtlCol="0">
-            <a:spAutoFit/>
-          </a:bodyPr>
-          <a:lstStyle/>
-          <a:p>
-            <a:r>
-              <a:rPr lang="en-US" sz="1400" b="1" dirty="0" smtClean="0"/>
-              <a:t>The Solution</a:t>
-            </a:r>
-            <a:endParaRPr lang="en-US" sz="1400" b="1" dirty="0"/>
-          </a:p>
-        </p:txBody>
-      </p:sp>
-      <p:sp>
-        <p:nvSpPr>
-          <p:cNvPr id="45" name="ZoneTexte 44"/>
-          <p:cNvSpPr txBox="1"/>
-          <p:nvPr/>
-        </p:nvSpPr>
-        <p:spPr>
-          <a:xfrm>
-            <a:off x="9036025" y="7947778"/>
-            <a:ext cx="3649161" cy="307777"/>
-          </a:xfrm>
-          <a:prstGeom prst="rect">
-            <a:avLst/>
-          </a:prstGeom>
-          <a:noFill/>
-        </p:spPr>
-        <p:txBody>
-          <a:bodyPr wrap="square" rtlCol="0">
-            <a:spAutoFit/>
-          </a:bodyPr>
-          <a:lstStyle/>
-          <a:p>
-            <a:r>
-              <a:rPr lang="en-US" sz="1400" b="1" dirty="0" smtClean="0"/>
-              <a:t>The Test</a:t>
-            </a:r>
+              <a:t>board</a:t>
+            </a:r>
+            <a:endParaRPr lang="fr-FR" sz="1200" dirty="0"/>
           </a:p>
         </p:txBody>
       </p:sp>
